--- a/Presentation.pptx
+++ b/Presentation.pptx
@@ -5,7 +5,7 @@
     <p:sldMasterId id="2147484301" r:id="rId1"/>
   </p:sldMasterIdLst>
   <p:notesMasterIdLst>
-    <p:notesMasterId r:id="rId23"/>
+    <p:notesMasterId r:id="rId25"/>
   </p:notesMasterIdLst>
   <p:sldIdLst>
     <p:sldId id="256" r:id="rId2"/>
@@ -15,20 +15,22 @@
     <p:sldId id="259" r:id="rId6"/>
     <p:sldId id="260" r:id="rId7"/>
     <p:sldId id="262" r:id="rId8"/>
-    <p:sldId id="266" r:id="rId9"/>
-    <p:sldId id="261" r:id="rId10"/>
+    <p:sldId id="261" r:id="rId9"/>
+    <p:sldId id="266" r:id="rId10"/>
     <p:sldId id="267" r:id="rId11"/>
     <p:sldId id="263" r:id="rId12"/>
     <p:sldId id="264" r:id="rId13"/>
     <p:sldId id="265" r:id="rId14"/>
     <p:sldId id="269" r:id="rId15"/>
-    <p:sldId id="270" r:id="rId16"/>
+    <p:sldId id="279" r:id="rId16"/>
     <p:sldId id="268" r:id="rId17"/>
-    <p:sldId id="277" r:id="rId18"/>
-    <p:sldId id="271" r:id="rId19"/>
-    <p:sldId id="275" r:id="rId20"/>
-    <p:sldId id="272" r:id="rId21"/>
-    <p:sldId id="273" r:id="rId22"/>
+    <p:sldId id="270" r:id="rId18"/>
+    <p:sldId id="277" r:id="rId19"/>
+    <p:sldId id="271" r:id="rId20"/>
+    <p:sldId id="275" r:id="rId21"/>
+    <p:sldId id="272" r:id="rId22"/>
+    <p:sldId id="278" r:id="rId23"/>
+    <p:sldId id="273" r:id="rId24"/>
   </p:sldIdLst>
   <p:sldSz cx="12192000" cy="6858000"/>
   <p:notesSz cx="6858000" cy="9144000"/>
@@ -135,6 +137,19 @@
 </p:presentation>
 </file>
 
+<file path=ppt/revisionInfo.xml><?xml version="1.0" encoding="utf-8"?>
+<p1510:revInfo xmlns:a="http://schemas.openxmlformats.org/drawingml/2006/main" xmlns:r="http://schemas.openxmlformats.org/officeDocument/2006/relationships" xmlns:p1510="http://schemas.microsoft.com/office/powerpoint/2015/10/main">
+  <p1510:revLst>
+    <p1510:client id="{09DFD208-4F4C-32E1-85E4-423E3F64FDB8}" v="32" dt="2025-04-19T08:29:19.572"/>
+    <p1510:client id="{2E7C2D48-94F9-3303-1A16-C3AB143159F9}" v="5" dt="2025-04-19T09:00:26.728"/>
+    <p1510:client id="{6911F8CF-F66B-95B7-CA99-B09855854368}" v="3" dt="2025-04-19T09:47:46.102"/>
+    <p1510:client id="{90068DB0-0DB0-62BB-3EA9-050AA2F4C0F7}" v="29" dt="2025-04-19T08:59:52.568"/>
+    <p1510:client id="{AC3D1FAE-F6DE-EFB5-74D2-A491E8851E6F}" v="67" dt="2025-04-19T10:20:31.174"/>
+    <p1510:client id="{C0382FE0-D47A-48ED-8D22-E6C0933B57F6}" v="1442" dt="2025-04-19T10:22:11.675"/>
+  </p1510:revLst>
+</p1510:revInfo>
+</file>
+
 <file path=ppt/notesMasters/notesMaster1.xml><?xml version="1.0" encoding="utf-8"?>
 <p:notesMaster xmlns:a="http://schemas.openxmlformats.org/drawingml/2006/main" xmlns:r="http://schemas.openxmlformats.org/officeDocument/2006/relationships" xmlns:p="http://schemas.openxmlformats.org/presentationml/2006/main">
   <p:cSld>
@@ -217,7 +232,7 @@
           <a:p>
             <a:fld id="{4E651900-B4EC-4B53-84A6-38A1E65356CA}" type="datetimeFigureOut">
               <a:rPr lang="en-IN" smtClean="0"/>
-              <a:t>11/04/25</a:t>
+              <a:t>19-04-2025</a:t>
             </a:fld>
             <a:endParaRPr lang="en-IN"/>
           </a:p>
@@ -634,7 +649,7 @@
           <a:p>
             <a:fld id="{A6DBA789-A38D-403A-971E-889BE4EA4286}" type="datetimeFigureOut">
               <a:rPr lang="en-IN" smtClean="0"/>
-              <a:t>11/04/25</a:t>
+              <a:t>19-04-2025</a:t>
             </a:fld>
             <a:endParaRPr lang="en-IN"/>
           </a:p>
@@ -834,7 +849,7 @@
           <a:p>
             <a:fld id="{A6DBA789-A38D-403A-971E-889BE4EA4286}" type="datetimeFigureOut">
               <a:rPr lang="en-IN" smtClean="0"/>
-              <a:t>11/04/25</a:t>
+              <a:t>19-04-2025</a:t>
             </a:fld>
             <a:endParaRPr lang="en-IN"/>
           </a:p>
@@ -1044,7 +1059,7 @@
           <a:p>
             <a:fld id="{A6DBA789-A38D-403A-971E-889BE4EA4286}" type="datetimeFigureOut">
               <a:rPr lang="en-IN" smtClean="0"/>
-              <a:t>11/04/25</a:t>
+              <a:t>19-04-2025</a:t>
             </a:fld>
             <a:endParaRPr lang="en-IN"/>
           </a:p>
@@ -1244,7 +1259,7 @@
           <a:p>
             <a:fld id="{A6DBA789-A38D-403A-971E-889BE4EA4286}" type="datetimeFigureOut">
               <a:rPr lang="en-IN" smtClean="0"/>
-              <a:t>11/04/25</a:t>
+              <a:t>19-04-2025</a:t>
             </a:fld>
             <a:endParaRPr lang="en-IN"/>
           </a:p>
@@ -1520,7 +1535,7 @@
           <a:p>
             <a:fld id="{A6DBA789-A38D-403A-971E-889BE4EA4286}" type="datetimeFigureOut">
               <a:rPr lang="en-IN" smtClean="0"/>
-              <a:t>11/04/25</a:t>
+              <a:t>19-04-2025</a:t>
             </a:fld>
             <a:endParaRPr lang="en-IN"/>
           </a:p>
@@ -1788,7 +1803,7 @@
           <a:p>
             <a:fld id="{A6DBA789-A38D-403A-971E-889BE4EA4286}" type="datetimeFigureOut">
               <a:rPr lang="en-IN" smtClean="0"/>
-              <a:t>11/04/25</a:t>
+              <a:t>19-04-2025</a:t>
             </a:fld>
             <a:endParaRPr lang="en-IN"/>
           </a:p>
@@ -2203,7 +2218,7 @@
           <a:p>
             <a:fld id="{A6DBA789-A38D-403A-971E-889BE4EA4286}" type="datetimeFigureOut">
               <a:rPr lang="en-IN" smtClean="0"/>
-              <a:t>11/04/25</a:t>
+              <a:t>19-04-2025</a:t>
             </a:fld>
             <a:endParaRPr lang="en-IN"/>
           </a:p>
@@ -2345,7 +2360,7 @@
           <a:p>
             <a:fld id="{A6DBA789-A38D-403A-971E-889BE4EA4286}" type="datetimeFigureOut">
               <a:rPr lang="en-IN" smtClean="0"/>
-              <a:t>11/04/25</a:t>
+              <a:t>19-04-2025</a:t>
             </a:fld>
             <a:endParaRPr lang="en-IN"/>
           </a:p>
@@ -2458,7 +2473,7 @@
           <a:p>
             <a:fld id="{A6DBA789-A38D-403A-971E-889BE4EA4286}" type="datetimeFigureOut">
               <a:rPr lang="en-IN" smtClean="0"/>
-              <a:t>11/04/25</a:t>
+              <a:t>19-04-2025</a:t>
             </a:fld>
             <a:endParaRPr lang="en-IN"/>
           </a:p>
@@ -2771,7 +2786,7 @@
           <a:p>
             <a:fld id="{A6DBA789-A38D-403A-971E-889BE4EA4286}" type="datetimeFigureOut">
               <a:rPr lang="en-IN" smtClean="0"/>
-              <a:t>11/04/25</a:t>
+              <a:t>19-04-2025</a:t>
             </a:fld>
             <a:endParaRPr lang="en-IN"/>
           </a:p>
@@ -3060,7 +3075,7 @@
           <a:p>
             <a:fld id="{A6DBA789-A38D-403A-971E-889BE4EA4286}" type="datetimeFigureOut">
               <a:rPr lang="en-IN" smtClean="0"/>
-              <a:t>11/04/25</a:t>
+              <a:t>19-04-2025</a:t>
             </a:fld>
             <a:endParaRPr lang="en-IN"/>
           </a:p>
@@ -3087,7 +3102,7 @@
           <a:bodyPr/>
           <a:lstStyle/>
           <a:p>
-            <a:endParaRPr lang="en-US" dirty="0"/>
+            <a:endParaRPr lang="en-US"/>
           </a:p>
         </p:txBody>
       </p:sp>
@@ -3330,7 +3345,7 @@
           <a:p>
             <a:fld id="{A6DBA789-A38D-403A-971E-889BE4EA4286}" type="datetimeFigureOut">
               <a:rPr lang="en-IN" smtClean="0"/>
-              <a:t>11/04/25</a:t>
+              <a:t>19-04-2025</a:t>
             </a:fld>
             <a:endParaRPr lang="en-IN"/>
           </a:p>
@@ -3872,10 +3887,10 @@
           <a:lstStyle/>
           <a:p>
             <a:r>
-              <a:rPr lang="en-US" dirty="0"/>
+              <a:rPr lang="en-US"/>
               <a:t>Approximate Distance Oracle</a:t>
             </a:r>
-            <a:endParaRPr lang="en-IN" dirty="0"/>
+            <a:endParaRPr lang="en-IN"/>
           </a:p>
         </p:txBody>
       </p:sp>
@@ -3902,30 +3917,26 @@
           </a:xfrm>
         </p:spPr>
         <p:txBody>
-          <a:bodyPr>
+          <a:bodyPr vert="horz" lIns="91440" tIns="45720" rIns="91440" bIns="45720" rtlCol="0" anchor="t">
             <a:normAutofit/>
           </a:bodyPr>
           <a:lstStyle/>
           <a:p>
             <a:r>
-              <a:rPr lang="en-IN" dirty="0"/>
-              <a:t>Kartik Anant Kulkarni</a:t>
+              <a:rPr lang="en-IN"/>
+              <a:t>Kartik Anant Kulkarni (210493)</a:t>
             </a:r>
           </a:p>
           <a:p>
             <a:r>
-              <a:rPr lang="en-IN" dirty="0"/>
-              <a:t>Siddharth Garg</a:t>
+              <a:rPr lang="en-IN"/>
+              <a:t>Siddharth Garg (211031)</a:t>
             </a:r>
           </a:p>
           <a:p>
             <a:r>
-              <a:rPr lang="en-IN" dirty="0" err="1"/>
-              <a:t>Goural</a:t>
-            </a:r>
-            <a:r>
-              <a:rPr lang="en-IN" dirty="0"/>
-              <a:t> Dureja</a:t>
+              <a:rPr lang="en-IN"/>
+              <a:t>Goural Dureja (210393)</a:t>
             </a:r>
           </a:p>
         </p:txBody>
@@ -4944,7 +4955,7 @@
           <a:lstStyle/>
           <a:p>
             <a:pPr algn="ctr"/>
-            <a:endParaRPr lang="en-US" dirty="0"/>
+            <a:endParaRPr lang="en-US"/>
           </a:p>
         </p:txBody>
       </p:sp>
@@ -5007,27 +5018,27 @@
           <a:lstStyle/>
           <a:p>
             <a:r>
-              <a:rPr lang="en-IN" sz="2600" dirty="0"/>
+              <a:rPr lang="en-IN" sz="2600"/>
               <a:t>Assume a given vertex </a:t>
             </a:r>
             <a:r>
-              <a:rPr lang="en-IN" sz="2600" i="1" dirty="0"/>
+              <a:rPr lang="en-IN" sz="2600" i="1"/>
               <a:t>u </a:t>
             </a:r>
             <a:r>
-              <a:rPr lang="en-IN" sz="2600" dirty="0"/>
+              <a:rPr lang="en-IN" sz="2600"/>
               <a:t> from which we need to find approximate distance to vertex </a:t>
             </a:r>
             <a:r>
-              <a:rPr lang="en-IN" sz="2600" i="1" dirty="0"/>
+              <a:rPr lang="en-IN" sz="2600" i="1"/>
               <a:t>v.</a:t>
             </a:r>
-            <a:endParaRPr lang="en-IN" sz="2600" dirty="0"/>
+            <a:endParaRPr lang="en-IN" sz="2600"/>
           </a:p>
         </p:txBody>
       </p:sp>
-      <mc:AlternateContent xmlns:mc="http://schemas.openxmlformats.org/markup-compatibility/2006" xmlns:a14="http://schemas.microsoft.com/office/drawing/2010/main">
-        <mc:Choice Requires="a14">
+      <mc:AlternateContent xmlns:mc="http://schemas.openxmlformats.org/markup-compatibility/2006">
+        <mc:Choice xmlns:a14="http://schemas.microsoft.com/office/drawing/2010/main" Requires="a14">
           <p:sp>
             <p:nvSpPr>
               <p:cNvPr id="42" name="TextBox 41">
@@ -5068,7 +5079,7 @@
                   </m:oMath>
                 </a14:m>
                 <a:r>
-                  <a:rPr lang="en-IN" sz="2200" dirty="0">
+                  <a:rPr lang="en-IN" sz="2200">
                     <a:ea typeface="Cambria Math" panose="02040503050406030204" pitchFamily="18" charset="0"/>
                   </a:rPr>
                   <a:t> </a:t>
@@ -5085,15 +5096,15 @@
                   </m:oMath>
                 </a14:m>
                 <a:r>
-                  <a:rPr lang="en-IN" sz="2200" dirty="0"/>
+                  <a:rPr lang="en-IN" sz="2200"/>
                   <a:t> Ball(</a:t>
                 </a:r>
                 <a:r>
-                  <a:rPr lang="en-IN" sz="2200" i="1" dirty="0"/>
+                  <a:rPr lang="en-IN" sz="2200" i="1"/>
                   <a:t>v</a:t>
                 </a:r>
                 <a:r>
-                  <a:rPr lang="en-IN" sz="2200" dirty="0"/>
+                  <a:rPr lang="en-IN" sz="2200"/>
                   <a:t>,</a:t>
                 </a:r>
                 <a14:m>
@@ -5115,7 +5126,7 @@
                   </m:oMath>
                 </a14:m>
                 <a:r>
-                  <a:rPr lang="en-IN" sz="2200" dirty="0"/>
+                  <a:rPr lang="en-IN" sz="2200"/>
                   <a:t>(v), </a:t>
                 </a:r>
                 <a14:m>
@@ -5129,7 +5140,7 @@
                   </m:oMath>
                 </a14:m>
                 <a:r>
-                  <a:rPr lang="en-IN" sz="2200" dirty="0"/>
+                  <a:rPr lang="en-IN" sz="2200"/>
                   <a:t>) : report </a:t>
                 </a:r>
                 <a14:m>
@@ -5176,11 +5187,11 @@
                     </m:d>
                   </m:oMath>
                 </a14:m>
-                <a:endParaRPr lang="en-IN" sz="2200" dirty="0"/>
+                <a:endParaRPr lang="en-IN" sz="2200"/>
               </a:p>
               <a:p>
                 <a:r>
-                  <a:rPr lang="en-IN" sz="2200" dirty="0"/>
+                  <a:rPr lang="en-IN" sz="2200"/>
                   <a:t>or </a:t>
                 </a:r>
                 <a14:m>
@@ -5195,7 +5206,7 @@
                   </m:oMath>
                 </a14:m>
                 <a:r>
-                  <a:rPr lang="en-IN" sz="2200" dirty="0">
+                  <a:rPr lang="en-IN" sz="2200">
                     <a:ea typeface="Cambria Math" panose="02040503050406030204" pitchFamily="18" charset="0"/>
                   </a:rPr>
                   <a:t> </a:t>
@@ -5212,15 +5223,15 @@
                   </m:oMath>
                 </a14:m>
                 <a:r>
-                  <a:rPr lang="en-IN" sz="2200" dirty="0"/>
+                  <a:rPr lang="en-IN" sz="2200"/>
                   <a:t> Ball(</a:t>
                 </a:r>
                 <a:r>
-                  <a:rPr lang="en-IN" sz="2200" i="1" dirty="0"/>
+                  <a:rPr lang="en-IN" sz="2200" i="1"/>
                   <a:t>u</a:t>
                 </a:r>
                 <a:r>
-                  <a:rPr lang="en-IN" sz="2200" dirty="0"/>
+                  <a:rPr lang="en-IN" sz="2200"/>
                   <a:t>,</a:t>
                 </a:r>
                 <a14:m>
@@ -5242,7 +5253,7 @@
                   </m:oMath>
                 </a14:m>
                 <a:r>
-                  <a:rPr lang="en-IN" sz="2200" dirty="0"/>
+                  <a:rPr lang="en-IN" sz="2200"/>
                   <a:t>(u),</a:t>
                 </a:r>
                 <a14:m>
@@ -5256,7 +5267,7 @@
                   </m:oMath>
                 </a14:m>
                 <a:r>
-                  <a:rPr lang="en-IN" sz="2200" dirty="0"/>
+                  <a:rPr lang="en-IN" sz="2200"/>
                   <a:t>) : report </a:t>
                 </a:r>
                 <a14:m>
@@ -5303,12 +5314,12 @@
                     </m:d>
                   </m:oMath>
                 </a14:m>
-                <a:endParaRPr lang="en-IN" sz="2200" dirty="0"/>
+                <a:endParaRPr lang="en-IN" sz="2200"/>
               </a:p>
             </p:txBody>
           </p:sp>
         </mc:Choice>
-        <mc:Fallback xmlns="">
+        <mc:Fallback>
           <p:sp>
             <p:nvSpPr>
               <p:cNvPr id="42" name="TextBox 41">
@@ -5334,7 +5345,7 @@
               <a:blipFill>
                 <a:blip r:embed="rId2"/>
                 <a:stretch>
-                  <a:fillRect l="-1918" t="-4839" b="-14516"/>
+                  <a:fillRect l="-1711" t="-3937" b="-15748"/>
                 </a:stretch>
               </a:blipFill>
             </p:spPr>
@@ -5353,8 +5364,8 @@
           </p:sp>
         </mc:Fallback>
       </mc:AlternateContent>
-      <mc:AlternateContent xmlns:mc="http://schemas.openxmlformats.org/markup-compatibility/2006" xmlns:a14="http://schemas.microsoft.com/office/drawing/2010/main">
-        <mc:Choice Requires="a14">
+      <mc:AlternateContent xmlns:mc="http://schemas.openxmlformats.org/markup-compatibility/2006">
+        <mc:Choice xmlns:a14="http://schemas.microsoft.com/office/drawing/2010/main" Requires="a14">
           <p:sp>
             <p:nvSpPr>
               <p:cNvPr id="75" name="TextBox 74">
@@ -5369,7 +5380,7 @@
             </p:nvSpPr>
             <p:spPr>
               <a:xfrm>
-                <a:off x="2576046" y="3660389"/>
+                <a:off x="2576044" y="3904835"/>
                 <a:ext cx="7835919" cy="856645"/>
               </a:xfrm>
               <a:prstGeom prst="rect">
@@ -5421,7 +5432,7 @@
                   </m:oMath>
                 </a14:m>
                 <a:r>
-                  <a:rPr lang="en-IN" sz="2200" dirty="0">
+                  <a:rPr lang="en-IN" sz="2200">
                     <a:ea typeface="Cambria Math" panose="02040503050406030204" pitchFamily="18" charset="0"/>
                   </a:rPr>
                   <a:t> </a:t>
@@ -5438,7 +5449,7 @@
                   </m:oMath>
                 </a14:m>
                 <a:r>
-                  <a:rPr lang="en-IN" sz="2200" dirty="0"/>
+                  <a:rPr lang="en-IN" sz="2200"/>
                   <a:t> Ball(v, </a:t>
                 </a:r>
                 <a14:m>
@@ -5479,7 +5490,7 @@
                   </m:oMath>
                 </a14:m>
                 <a:r>
-                  <a:rPr lang="en-IN" sz="2200" dirty="0"/>
+                  <a:rPr lang="en-IN" sz="2200"/>
                   <a:t>, </a:t>
                 </a:r>
                 <a14:m>
@@ -5501,8 +5512,8 @@
                   </m:oMath>
                 </a14:m>
                 <a:r>
-                  <a:rPr lang="en-IN" sz="2200" dirty="0"/>
-                  <a:t>)  : report</a:t>
+                  <a:rPr lang="en-IN" sz="2200"/>
+                  <a:t>)  : report </a:t>
                 </a:r>
                 <a14:m>
                   <m:oMath xmlns:m="http://schemas.openxmlformats.org/officeDocument/2006/math">
@@ -5647,11 +5658,11 @@
                     </m:d>
                   </m:oMath>
                 </a14:m>
-                <a:endParaRPr lang="en-IN" sz="2200" dirty="0"/>
+                <a:endParaRPr lang="en-IN" sz="2200"/>
               </a:p>
               <a:p>
                 <a:r>
-                  <a:rPr lang="en-IN" sz="2200" dirty="0"/>
+                  <a:rPr lang="en-IN" sz="2200"/>
                   <a:t>or </a:t>
                 </a:r>
                 <a14:m>
@@ -5692,7 +5703,7 @@
                   </m:oMath>
                 </a14:m>
                 <a:r>
-                  <a:rPr lang="en-IN" sz="2200" dirty="0">
+                  <a:rPr lang="en-IN" sz="2200">
                     <a:ea typeface="Cambria Math" panose="02040503050406030204" pitchFamily="18" charset="0"/>
                   </a:rPr>
                   <a:t> </a:t>
@@ -5709,7 +5720,7 @@
                   </m:oMath>
                 </a14:m>
                 <a:r>
-                  <a:rPr lang="en-IN" sz="2200" dirty="0"/>
+                  <a:rPr lang="en-IN" sz="2200"/>
                   <a:t> Ball(u, </a:t>
                 </a:r>
                 <a14:m>
@@ -5750,7 +5761,7 @@
                   </m:oMath>
                 </a14:m>
                 <a:r>
-                  <a:rPr lang="en-IN" sz="2200" dirty="0"/>
+                  <a:rPr lang="en-IN" sz="2200"/>
                   <a:t>, </a:t>
                 </a:r>
                 <a14:m>
@@ -5772,11 +5783,18 @@
                   </m:oMath>
                 </a14:m>
                 <a:r>
-                  <a:rPr lang="en-IN" sz="2200" dirty="0"/>
+                  <a:rPr lang="en-IN" sz="2200"/>
                   <a:t>)  : report</a:t>
                 </a:r>
                 <a14:m>
                   <m:oMath xmlns:m="http://schemas.openxmlformats.org/officeDocument/2006/math">
+                    <m:r>
+                      <a:rPr lang="en-IN" sz="2200" b="0" i="0" smtClean="0">
+                        <a:latin typeface="Cambria Math" panose="02040503050406030204" pitchFamily="18" charset="0"/>
+                        <a:ea typeface="Cambria Math" panose="02040503050406030204" pitchFamily="18" charset="0"/>
+                      </a:rPr>
+                      <m:t> </m:t>
+                    </m:r>
                     <m:r>
                       <a:rPr lang="en-IN" sz="2200" b="0" i="1">
                         <a:latin typeface="Cambria Math" panose="02040503050406030204" pitchFamily="18" charset="0"/>
@@ -5918,12 +5936,12 @@
                     </m:d>
                   </m:oMath>
                 </a14:m>
-                <a:endParaRPr lang="en-IN" sz="2200" dirty="0"/>
+                <a:endParaRPr lang="en-IN" sz="2200"/>
               </a:p>
             </p:txBody>
           </p:sp>
         </mc:Choice>
-        <mc:Fallback xmlns="">
+        <mc:Fallback>
           <p:sp>
             <p:nvSpPr>
               <p:cNvPr id="75" name="TextBox 74">
@@ -5940,7 +5958,7 @@
             </p:nvSpPr>
             <p:spPr>
               <a:xfrm>
-                <a:off x="2576046" y="3660389"/>
+                <a:off x="2576044" y="3904835"/>
                 <a:ext cx="7835919" cy="856645"/>
               </a:xfrm>
               <a:prstGeom prst="rect">
@@ -5949,7 +5967,7 @@
               <a:blipFill>
                 <a:blip r:embed="rId3"/>
                 <a:stretch>
-                  <a:fillRect l="-1135" b="-11765"/>
+                  <a:fillRect l="-1012" t="-1429" b="-12857"/>
                 </a:stretch>
               </a:blipFill>
             </p:spPr>
@@ -5968,8 +5986,8 @@
           </p:sp>
         </mc:Fallback>
       </mc:AlternateContent>
-      <mc:AlternateContent xmlns:mc="http://schemas.openxmlformats.org/markup-compatibility/2006" xmlns:a14="http://schemas.microsoft.com/office/drawing/2010/main">
-        <mc:Choice Requires="a14">
+      <mc:AlternateContent xmlns:mc="http://schemas.openxmlformats.org/markup-compatibility/2006">
+        <mc:Choice xmlns:a14="http://schemas.microsoft.com/office/drawing/2010/main" Requires="a14">
           <p:sp>
             <p:nvSpPr>
               <p:cNvPr id="78" name="TextBox 77">
@@ -5984,7 +6002,7 @@
             </p:nvSpPr>
             <p:spPr>
               <a:xfrm>
-                <a:off x="2576045" y="4465445"/>
+                <a:off x="2576045" y="4944371"/>
                 <a:ext cx="7835919" cy="474489"/>
               </a:xfrm>
               <a:prstGeom prst="rect">
@@ -5999,7 +6017,7 @@
               <a:lstStyle/>
               <a:p>
                 <a:r>
-                  <a:rPr lang="en-IN" sz="2200" dirty="0"/>
+                  <a:rPr lang="en-IN" sz="2200"/>
                   <a:t>else: report </a:t>
                 </a:r>
                 <a14:m>
@@ -6145,12 +6163,12 @@
                     </m:d>
                   </m:oMath>
                 </a14:m>
-                <a:endParaRPr lang="en-IN" sz="2200" dirty="0"/>
+                <a:endParaRPr lang="en-IN" sz="2200"/>
               </a:p>
             </p:txBody>
           </p:sp>
         </mc:Choice>
-        <mc:Fallback xmlns="">
+        <mc:Fallback>
           <p:sp>
             <p:nvSpPr>
               <p:cNvPr id="78" name="TextBox 77">
@@ -6167,7 +6185,7 @@
             </p:nvSpPr>
             <p:spPr>
               <a:xfrm>
-                <a:off x="2576045" y="4465445"/>
+                <a:off x="2576045" y="4944371"/>
                 <a:ext cx="7835919" cy="474489"/>
               </a:xfrm>
               <a:prstGeom prst="rect">
@@ -6176,7 +6194,7 @@
               <a:blipFill>
                 <a:blip r:embed="rId4"/>
                 <a:stretch>
-                  <a:fillRect l="-1135" b="-23684"/>
+                  <a:fillRect l="-1012" t="-2564" b="-23077"/>
                 </a:stretch>
               </a:blipFill>
             </p:spPr>
@@ -6250,7 +6268,7 @@
           </a:lstStyle>
           <a:p>
             <a:r>
-              <a:rPr lang="en-IN" dirty="0"/>
+              <a:rPr lang="en-IN"/>
               <a:t>Query Processing</a:t>
             </a:r>
           </a:p>
@@ -6286,8 +6304,8 @@
           <a:chExt cx="0" cy="0"/>
         </a:xfrm>
       </p:grpSpPr>
-      <mc:AlternateContent xmlns:mc="http://schemas.openxmlformats.org/markup-compatibility/2006" xmlns:a14="http://schemas.microsoft.com/office/drawing/2010/main">
-        <mc:Choice Requires="a14">
+      <mc:AlternateContent xmlns:mc="http://schemas.openxmlformats.org/markup-compatibility/2006">
+        <mc:Choice xmlns:a14="http://schemas.microsoft.com/office/drawing/2010/main" Requires="a14">
           <p:sp>
             <p:nvSpPr>
               <p:cNvPr id="3" name="Content Placeholder 2">
@@ -6317,15 +6335,19 @@
               <a:lstStyle/>
               <a:p>
                 <a:r>
-                  <a:rPr lang="en-IN" sz="2600" dirty="0"/>
-                  <a:t>Sample landmarks till level k, such that sampling at level </a:t>
+                  <a:rPr lang="en-IN" sz="2600" b="1"/>
+                  <a:t>Sample landmarks till level k</a:t>
                 </a:r>
                 <a:r>
-                  <a:rPr lang="en-IN" sz="2600" dirty="0" err="1"/>
+                  <a:rPr lang="en-IN" sz="2600"/>
+                  <a:t>, such that sampling at level </a:t>
+                </a:r>
+                <a:r>
+                  <a:rPr lang="en-IN" sz="2600" err="1"/>
                   <a:t>i</a:t>
                 </a:r>
                 <a:r>
-                  <a:rPr lang="en-IN" sz="2600" dirty="0"/>
+                  <a:rPr lang="en-IN" sz="2600"/>
                   <a:t> is done from landmarks at level (i-1) with probability </a:t>
                 </a:r>
                 <a14:m>
@@ -6383,29 +6405,29 @@
                   </m:oMath>
                 </a14:m>
                 <a:r>
-                  <a:rPr lang="en-IN" sz="2600" dirty="0"/>
+                  <a:rPr lang="en-IN" sz="2600"/>
                   <a:t>, with first sampling done from set of vertices </a:t>
                 </a:r>
                 <a:r>
-                  <a:rPr lang="en-IN" sz="2600" i="1" dirty="0"/>
+                  <a:rPr lang="en-IN" sz="2600" i="1"/>
                   <a:t>V</a:t>
                 </a:r>
                 <a:r>
-                  <a:rPr lang="en-IN" sz="2600" dirty="0"/>
+                  <a:rPr lang="en-IN" sz="2600"/>
                   <a:t>. </a:t>
                 </a:r>
               </a:p>
               <a:p>
                 <a:r>
-                  <a:rPr lang="en-IN" sz="2600" dirty="0"/>
-                  <a:t>For consistency, assign set </a:t>
+                  <a:rPr lang="en-IN" sz="2600"/>
+                  <a:t>For convenience , assign set </a:t>
                 </a:r>
                 <a:r>
-                  <a:rPr lang="en-IN" sz="2600" i="1" dirty="0"/>
+                  <a:rPr lang="en-IN" sz="2600" i="1"/>
                   <a:t>V</a:t>
                 </a:r>
                 <a:r>
-                  <a:rPr lang="en-IN" sz="2600" dirty="0"/>
+                  <a:rPr lang="en-IN" sz="2600"/>
                   <a:t> as landmark of level 0. </a:t>
                 </a:r>
               </a:p>
@@ -6413,29 +6435,29 @@
                 <a14:m>
                   <m:oMath xmlns:m="http://schemas.openxmlformats.org/officeDocument/2006/math">
                     <m:r>
-                      <a:rPr lang="en-IN" sz="2600" b="0" i="1" smtClean="0">
+                      <a:rPr lang="en-IN" sz="2600" b="1" i="1" smtClean="0">
                         <a:solidFill>
                           <a:schemeClr val="tx1"/>
                         </a:solidFill>
                         <a:latin typeface="Cambria Math" panose="02040503050406030204" pitchFamily="18" charset="0"/>
                         <a:ea typeface="Cambria Math" panose="02040503050406030204" pitchFamily="18" charset="0"/>
                       </a:rPr>
-                      <m:t>𝑓𝑜𝑐𝑢𝑠</m:t>
-                    </m:r>
-                    <m:r>
-                      <a:rPr lang="en-IN" sz="2600" b="0" i="1" baseline="-25000" smtClean="0">
+                      <m:t>𝒇𝒐𝒄𝒖𝒔</m:t>
+                    </m:r>
+                    <m:r>
+                      <a:rPr lang="en-IN" sz="2600" b="1" i="1" baseline="-25000" smtClean="0">
                         <a:solidFill>
                           <a:schemeClr val="tx1"/>
                         </a:solidFill>
                         <a:latin typeface="Cambria Math" panose="02040503050406030204" pitchFamily="18" charset="0"/>
                         <a:ea typeface="Cambria Math" panose="02040503050406030204" pitchFamily="18" charset="0"/>
                       </a:rPr>
-                      <m:t>𝑖</m:t>
+                      <m:t>𝒊</m:t>
                     </m:r>
                     <m:d>
                       <m:dPr>
                         <m:ctrlPr>
-                          <a:rPr lang="en-IN" sz="2600" i="1" smtClean="0">
+                          <a:rPr lang="en-IN" sz="2600" b="1" i="1" smtClean="0">
                             <a:solidFill>
                               <a:schemeClr val="tx1"/>
                             </a:solidFill>
@@ -6446,14 +6468,14 @@
                       </m:dPr>
                       <m:e>
                         <m:r>
-                          <a:rPr lang="en-IN" sz="2600" b="0" i="1" smtClean="0">
+                          <a:rPr lang="en-IN" sz="2600" b="1" i="1" smtClean="0">
                             <a:solidFill>
                               <a:schemeClr val="tx1"/>
                             </a:solidFill>
                             <a:latin typeface="Cambria Math" panose="02040503050406030204" pitchFamily="18" charset="0"/>
                             <a:ea typeface="Cambria Math" panose="02040503050406030204" pitchFamily="18" charset="0"/>
                           </a:rPr>
-                          <m:t>𝑢</m:t>
+                          <m:t>𝒖</m:t>
                         </m:r>
                       </m:e>
                     </m:d>
@@ -6553,23 +6575,32 @@
                         <a:latin typeface="Cambria Math" panose="02040503050406030204" pitchFamily="18" charset="0"/>
                         <a:ea typeface="Cambria Math" panose="02040503050406030204" pitchFamily="18" charset="0"/>
                       </a:rPr>
-                      <m:t>𝑙𝑎𝑛𝑑𝑚𝑎𝑟𝑘</m:t>
-                    </m:r>
-                    <m:d>
-                      <m:dPr>
+                      <m:t>𝑙𝑎𝑛𝑑𝑚𝑎𝑟</m:t>
+                    </m:r>
+                    <m:sSub>
+                      <m:sSubPr>
                         <m:ctrlPr>
-                          <a:rPr lang="en-IN" sz="2600" i="1" smtClean="0">
+                          <a:rPr lang="en-IN" sz="2600" b="0" i="1" smtClean="0">
                             <a:latin typeface="Cambria Math" panose="02040503050406030204" pitchFamily="18" charset="0"/>
                             <a:ea typeface="Cambria Math" panose="02040503050406030204" pitchFamily="18" charset="0"/>
                           </a:rPr>
                         </m:ctrlPr>
-                      </m:dPr>
+                      </m:sSubPr>
                       <m:e>
                         <m:r>
                           <a:rPr lang="en-IN" sz="2600" b="0" i="1" smtClean="0">
                             <a:latin typeface="Cambria Math" panose="02040503050406030204" pitchFamily="18" charset="0"/>
                             <a:ea typeface="Cambria Math" panose="02040503050406030204" pitchFamily="18" charset="0"/>
                           </a:rPr>
+                          <m:t>𝑘</m:t>
+                        </m:r>
+                      </m:e>
+                      <m:sub>
+                        <m:r>
+                          <a:rPr lang="en-IN" sz="2600" b="0" i="1" smtClean="0">
+                            <a:latin typeface="Cambria Math" panose="02040503050406030204" pitchFamily="18" charset="0"/>
+                            <a:ea typeface="Cambria Math" panose="02040503050406030204" pitchFamily="18" charset="0"/>
+                          </a:rPr>
                           <m:t>𝑖</m:t>
                         </m:r>
                         <m:r>
@@ -6579,8 +6610,8 @@
                           </a:rPr>
                           <m:t>+1</m:t>
                         </m:r>
-                      </m:e>
-                    </m:d>
+                      </m:sub>
+                    </m:sSub>
                     <m:r>
                       <a:rPr lang="en-IN" sz="2600" b="0" i="1" smtClean="0">
                         <a:latin typeface="Cambria Math" panose="02040503050406030204" pitchFamily="18" charset="0"/>
@@ -6725,115 +6756,151 @@
                       <m:t>𝜖</m:t>
                     </m:r>
                     <m:r>
-                      <a:rPr lang="en-IN" sz="2600" b="0" i="1">
+                      <a:rPr lang="en-IN" sz="2600" b="0" i="1" smtClean="0">
                         <a:latin typeface="Cambria Math" panose="02040503050406030204" pitchFamily="18" charset="0"/>
                         <a:ea typeface="Cambria Math" panose="02040503050406030204" pitchFamily="18" charset="0"/>
                       </a:rPr>
                       <m:t> </m:t>
                     </m:r>
                     <m:r>
-                      <a:rPr lang="en-IN" sz="2600" b="0" i="1">
+                      <a:rPr lang="en-IN" sz="2600" i="1">
                         <a:latin typeface="Cambria Math" panose="02040503050406030204" pitchFamily="18" charset="0"/>
                         <a:ea typeface="Cambria Math" panose="02040503050406030204" pitchFamily="18" charset="0"/>
                       </a:rPr>
-                      <m:t>𝑙𝑎𝑛𝑑𝑚𝑎𝑟𝑘</m:t>
-                    </m:r>
-                    <m:d>
-                      <m:dPr>
+                      <m:t>𝑙𝑎𝑛𝑑𝑚𝑎𝑟</m:t>
+                    </m:r>
+                    <m:sSub>
+                      <m:sSubPr>
                         <m:ctrlPr>
                           <a:rPr lang="en-IN" sz="2600" i="1">
                             <a:latin typeface="Cambria Math" panose="02040503050406030204" pitchFamily="18" charset="0"/>
                             <a:ea typeface="Cambria Math" panose="02040503050406030204" pitchFamily="18" charset="0"/>
                           </a:rPr>
                         </m:ctrlPr>
-                      </m:dPr>
+                      </m:sSubPr>
                       <m:e>
                         <m:r>
-                          <a:rPr lang="en-IN" sz="2600" b="0" i="1">
+                          <a:rPr lang="en-IN" sz="2600" i="1">
                             <a:latin typeface="Cambria Math" panose="02040503050406030204" pitchFamily="18" charset="0"/>
                             <a:ea typeface="Cambria Math" panose="02040503050406030204" pitchFamily="18" charset="0"/>
                           </a:rPr>
+                          <m:t>𝑘</m:t>
+                        </m:r>
+                      </m:e>
+                      <m:sub>
+                        <m:r>
+                          <a:rPr lang="en-IN" sz="2600" i="1">
+                            <a:latin typeface="Cambria Math" panose="02040503050406030204" pitchFamily="18" charset="0"/>
+                            <a:ea typeface="Cambria Math" panose="02040503050406030204" pitchFamily="18" charset="0"/>
+                          </a:rPr>
                           <m:t>𝑖</m:t>
                         </m:r>
                         <m:r>
-                          <a:rPr lang="en-IN" sz="2600" b="0" i="1">
+                          <a:rPr lang="en-IN" sz="2600" i="1">
                             <a:latin typeface="Cambria Math" panose="02040503050406030204" pitchFamily="18" charset="0"/>
                             <a:ea typeface="Cambria Math" panose="02040503050406030204" pitchFamily="18" charset="0"/>
                           </a:rPr>
                           <m:t>+1</m:t>
                         </m:r>
-                      </m:e>
-                    </m:d>
-                    <m:r>
-                      <a:rPr lang="en-IN" sz="2600" b="0" i="1" smtClean="0">
-                        <a:solidFill>
-                          <a:schemeClr val="tx1"/>
-                        </a:solidFill>
-                        <a:latin typeface="Cambria Math" panose="02040503050406030204" pitchFamily="18" charset="0"/>
-                        <a:ea typeface="Cambria Math" panose="02040503050406030204" pitchFamily="18" charset="0"/>
-                      </a:rPr>
-                      <m:t>}</m:t>
-                    </m:r>
+                      </m:sub>
+                    </m:sSub>
                   </m:oMath>
                 </a14:m>
-                <a:endParaRPr lang="en-IN" sz="2600" dirty="0">
-                  <a:solidFill>
-                    <a:schemeClr val="tx1"/>
-                  </a:solidFill>
-                  <a:ea typeface="Cambria Math" panose="02040503050406030204" pitchFamily="18" charset="0"/>
-                </a:endParaRPr>
-              </a:p>
-              <a:p>
                 <a:r>
-                  <a:rPr lang="en-IN" sz="2600" dirty="0">
+                  <a:rPr lang="en-IN" sz="2600">
                     <a:solidFill>
                       <a:schemeClr val="tx1"/>
                     </a:solidFill>
                     <a:ea typeface="Cambria Math" panose="02040503050406030204" pitchFamily="18" charset="0"/>
                   </a:rPr>
-                  <a:t>Run multi-source Dijkstra from all vertices of set </a:t>
+                  <a:t>}</a:t>
                 </a:r>
-                <a14:m>
-                  <m:oMath xmlns:m="http://schemas.openxmlformats.org/officeDocument/2006/math">
-                    <m:r>
-                      <a:rPr lang="en-IN" sz="2600" b="0" i="1" smtClean="0">
-                        <a:latin typeface="Cambria Math" panose="02040503050406030204" pitchFamily="18" charset="0"/>
-                        <a:ea typeface="Cambria Math" panose="02040503050406030204" pitchFamily="18" charset="0"/>
-                      </a:rPr>
-                      <m:t>𝑙𝑎𝑛𝑑𝑚𝑎𝑟𝑘</m:t>
-                    </m:r>
-                    <m:d>
-                      <m:dPr>
-                        <m:ctrlPr>
-                          <a:rPr lang="en-IN" sz="2600" i="1" smtClean="0">
-                            <a:latin typeface="Cambria Math" panose="02040503050406030204" pitchFamily="18" charset="0"/>
-                            <a:ea typeface="Cambria Math" panose="02040503050406030204" pitchFamily="18" charset="0"/>
-                          </a:rPr>
-                        </m:ctrlPr>
-                      </m:dPr>
-                      <m:e>
-                        <m:r>
-                          <a:rPr lang="en-IN" sz="2600" b="0" i="1" smtClean="0">
-                            <a:latin typeface="Cambria Math" panose="02040503050406030204" pitchFamily="18" charset="0"/>
-                            <a:ea typeface="Cambria Math" panose="02040503050406030204" pitchFamily="18" charset="0"/>
-                          </a:rPr>
-                          <m:t>𝑖</m:t>
-                        </m:r>
-                      </m:e>
-                    </m:d>
-                  </m:oMath>
-                </a14:m>
+              </a:p>
+              <a:p>
                 <a:r>
-                  <a:rPr lang="en-IN" sz="2600" dirty="0">
+                  <a:rPr lang="en-IN" sz="2600">
                     <a:solidFill>
                       <a:schemeClr val="tx1"/>
                     </a:solidFill>
                     <a:ea typeface="Cambria Math" panose="02040503050406030204" pitchFamily="18" charset="0"/>
                   </a:rPr>
-                  <a:t> to compute shortest distance to all vertices of set </a:t>
+                  <a:t>Run </a:t>
                 </a:r>
                 <a:r>
-                  <a:rPr lang="en-IN" sz="2600" i="1" dirty="0">
+                  <a:rPr lang="en-IN" sz="2600" b="1">
+                    <a:solidFill>
+                      <a:schemeClr val="tx1"/>
+                    </a:solidFill>
+                    <a:ea typeface="Cambria Math" panose="02040503050406030204" pitchFamily="18" charset="0"/>
+                  </a:rPr>
+                  <a:t>multi-source Dijkstra </a:t>
+                </a:r>
+                <a:r>
+                  <a:rPr lang="en-IN" sz="2600">
+                    <a:solidFill>
+                      <a:schemeClr val="tx1"/>
+                    </a:solidFill>
+                    <a:ea typeface="Cambria Math" panose="02040503050406030204" pitchFamily="18" charset="0"/>
+                  </a:rPr>
+                  <a:t>from all vertices of set </a:t>
+                </a:r>
+                <a14:m>
+                  <m:oMath xmlns:m="http://schemas.openxmlformats.org/officeDocument/2006/math">
+                    <m:r>
+                      <a:rPr lang="en-IN" sz="2600" i="1">
+                        <a:latin typeface="Cambria Math" panose="02040503050406030204" pitchFamily="18" charset="0"/>
+                        <a:ea typeface="Cambria Math" panose="02040503050406030204" pitchFamily="18" charset="0"/>
+                      </a:rPr>
+                      <m:t>𝑙𝑎𝑛𝑑𝑚𝑎𝑟</m:t>
+                    </m:r>
+                    <m:sSub>
+                      <m:sSubPr>
+                        <m:ctrlPr>
+                          <a:rPr lang="en-IN" sz="2600" i="1">
+                            <a:latin typeface="Cambria Math" panose="02040503050406030204" pitchFamily="18" charset="0"/>
+                            <a:ea typeface="Cambria Math" panose="02040503050406030204" pitchFamily="18" charset="0"/>
+                          </a:rPr>
+                        </m:ctrlPr>
+                      </m:sSubPr>
+                      <m:e>
+                        <m:r>
+                          <a:rPr lang="en-IN" sz="2600" i="1">
+                            <a:latin typeface="Cambria Math" panose="02040503050406030204" pitchFamily="18" charset="0"/>
+                            <a:ea typeface="Cambria Math" panose="02040503050406030204" pitchFamily="18" charset="0"/>
+                          </a:rPr>
+                          <m:t>𝑘</m:t>
+                        </m:r>
+                      </m:e>
+                      <m:sub>
+                        <m:r>
+                          <a:rPr lang="en-IN" sz="2600" i="1">
+                            <a:latin typeface="Cambria Math" panose="02040503050406030204" pitchFamily="18" charset="0"/>
+                            <a:ea typeface="Cambria Math" panose="02040503050406030204" pitchFamily="18" charset="0"/>
+                          </a:rPr>
+                          <m:t>𝑖</m:t>
+                        </m:r>
+                        <m:r>
+                          <a:rPr lang="en-IN" sz="2600" b="0" i="1" smtClean="0">
+                            <a:latin typeface="Cambria Math" panose="02040503050406030204" pitchFamily="18" charset="0"/>
+                            <a:ea typeface="Cambria Math" panose="02040503050406030204" pitchFamily="18" charset="0"/>
+                          </a:rPr>
+                          <m:t> </m:t>
+                        </m:r>
+                      </m:sub>
+                    </m:sSub>
+                  </m:oMath>
+                </a14:m>
+                <a:r>
+                  <a:rPr lang="en-IN" sz="2600">
+                    <a:solidFill>
+                      <a:schemeClr val="tx1"/>
+                    </a:solidFill>
+                    <a:ea typeface="Cambria Math" panose="02040503050406030204" pitchFamily="18" charset="0"/>
+                  </a:rPr>
+                  <a:t>to compute shortest distance to all vertices of set </a:t>
+                </a:r>
+                <a:r>
+                  <a:rPr lang="en-IN" sz="2600" i="1">
                     <a:solidFill>
                       <a:schemeClr val="tx1"/>
                     </a:solidFill>
@@ -6842,13 +6909,13 @@
                   <a:t>V. </a:t>
                 </a:r>
                 <a:r>
-                  <a:rPr lang="en-IN" sz="2600" dirty="0">
+                  <a:rPr lang="en-IN" sz="2600">
                     <a:solidFill>
                       <a:schemeClr val="tx1"/>
                     </a:solidFill>
                     <a:ea typeface="Cambria Math" panose="02040503050406030204" pitchFamily="18" charset="0"/>
                   </a:rPr>
-                  <a:t>Simultaneously, update the nearest landmark to get </a:t>
+                  <a:t>Simultaneously, update </a:t>
                 </a:r>
                 <a14:m>
                   <m:oMath xmlns:m="http://schemas.openxmlformats.org/officeDocument/2006/math">
@@ -6860,28 +6927,55 @@
                         <a:latin typeface="Cambria Math" panose="02040503050406030204" pitchFamily="18" charset="0"/>
                         <a:ea typeface="Cambria Math" panose="02040503050406030204" pitchFamily="18" charset="0"/>
                       </a:rPr>
-                      <m:t>𝑓𝑜𝑐𝑢𝑠</m:t>
-                    </m:r>
-                    <m:r>
-                      <a:rPr lang="en-IN" sz="2600" b="0" i="1" baseline="-25000">
-                        <a:solidFill>
-                          <a:schemeClr val="tx1"/>
-                        </a:solidFill>
-                        <a:latin typeface="Cambria Math" panose="02040503050406030204" pitchFamily="18" charset="0"/>
-                        <a:ea typeface="Cambria Math" panose="02040503050406030204" pitchFamily="18" charset="0"/>
-                      </a:rPr>
-                      <m:t>𝑖</m:t>
-                    </m:r>
-                    <m:r>
-                      <a:rPr lang="en-IN" sz="2600" b="0" i="1" baseline="-25000">
-                        <a:solidFill>
-                          <a:schemeClr val="tx1"/>
-                        </a:solidFill>
-                        <a:latin typeface="Cambria Math" panose="02040503050406030204" pitchFamily="18" charset="0"/>
-                        <a:ea typeface="Cambria Math" panose="02040503050406030204" pitchFamily="18" charset="0"/>
-                      </a:rPr>
-                      <m:t>−1</m:t>
-                    </m:r>
+                      <m:t>𝑓𝑜𝑐𝑢</m:t>
+                    </m:r>
+                    <m:sSub>
+                      <m:sSubPr>
+                        <m:ctrlPr>
+                          <a:rPr lang="en-IN" sz="2600" b="0" i="1" smtClean="0">
+                            <a:solidFill>
+                              <a:schemeClr val="tx1"/>
+                            </a:solidFill>
+                            <a:latin typeface="Cambria Math" panose="02040503050406030204" pitchFamily="18" charset="0"/>
+                            <a:ea typeface="Cambria Math" panose="02040503050406030204" pitchFamily="18" charset="0"/>
+                          </a:rPr>
+                        </m:ctrlPr>
+                      </m:sSubPr>
+                      <m:e>
+                        <m:r>
+                          <a:rPr lang="en-IN" sz="2600" b="0" i="1">
+                            <a:solidFill>
+                              <a:schemeClr val="tx1"/>
+                            </a:solidFill>
+                            <a:latin typeface="Cambria Math" panose="02040503050406030204" pitchFamily="18" charset="0"/>
+                            <a:ea typeface="Cambria Math" panose="02040503050406030204" pitchFamily="18" charset="0"/>
+                          </a:rPr>
+                          <m:t>𝑠</m:t>
+                        </m:r>
+                      </m:e>
+                      <m:sub>
+                        <m:r>
+                          <a:rPr lang="en-IN" sz="2600" b="0" i="1" smtClean="0">
+                            <a:solidFill>
+                              <a:schemeClr val="tx1"/>
+                            </a:solidFill>
+                            <a:latin typeface="Cambria Math" panose="02040503050406030204" pitchFamily="18" charset="0"/>
+                            <a:ea typeface="Cambria Math" panose="02040503050406030204" pitchFamily="18" charset="0"/>
+                          </a:rPr>
+                          <m:t>𝑖</m:t>
+                        </m:r>
+                        <m:r>
+                          <a:rPr lang="en-IN" sz="2600" b="0" i="1" smtClean="0">
+                            <a:solidFill>
+                              <a:schemeClr val="tx1"/>
+                            </a:solidFill>
+                            <a:latin typeface="Cambria Math" panose="02040503050406030204" pitchFamily="18" charset="0"/>
+                            <a:ea typeface="Cambria Math" panose="02040503050406030204" pitchFamily="18" charset="0"/>
+                          </a:rPr>
+                          <m:t>−1</m:t>
+                        </m:r>
+                      </m:sub>
+                    </m:sSub>
                     <m:d>
                       <m:dPr>
                         <m:ctrlPr>
@@ -6920,7 +7014,7 @@
                   </m:oMath>
                 </a14:m>
                 <a:r>
-                  <a:rPr lang="en-IN" sz="2600" dirty="0">
+                  <a:rPr lang="en-IN" sz="2600">
                     <a:solidFill>
                       <a:schemeClr val="tx1"/>
                     </a:solidFill>
@@ -6929,10 +7023,7 @@
                   <a:t>and</a:t>
                 </a:r>
                 <a:r>
-                  <a:rPr lang="en-IN" sz="2600" dirty="0">
-                    <a:solidFill>
-                      <a:srgbClr val="FF0000"/>
-                    </a:solidFill>
+                  <a:rPr lang="en-IN" sz="2600">
                     <a:ea typeface="Cambria Math" panose="02040503050406030204" pitchFamily="18" charset="0"/>
                   </a:rPr>
                   <a:t> </a:t>
@@ -6940,10 +7031,7 @@
                 <a14:m>
                   <m:oMath xmlns:m="http://schemas.openxmlformats.org/officeDocument/2006/math">
                     <m:r>
-                      <a:rPr lang="en-IN" sz="2600" b="0" i="1">
-                        <a:solidFill>
-                          <a:srgbClr val="FF0000"/>
-                        </a:solidFill>
+                      <a:rPr lang="en-IN" sz="2600" i="1">
                         <a:latin typeface="Cambria Math" panose="02040503050406030204" pitchFamily="18" charset="0"/>
                         <a:ea typeface="Cambria Math" panose="02040503050406030204" pitchFamily="18" charset="0"/>
                       </a:rPr>
@@ -6951,19 +7039,13 @@
                     </m:r>
                     <m:r>
                       <a:rPr lang="en-IN" sz="2600" b="0" i="1" smtClean="0">
-                        <a:solidFill>
-                          <a:srgbClr val="FF0000"/>
-                        </a:solidFill>
                         <a:latin typeface="Cambria Math" panose="02040503050406030204" pitchFamily="18" charset="0"/>
                         <a:ea typeface="Cambria Math" panose="02040503050406030204" pitchFamily="18" charset="0"/>
                       </a:rPr>
                       <m:t>𝑎𝑙</m:t>
                     </m:r>
                     <m:r>
-                      <a:rPr lang="en-US" sz="2600" b="0" i="1" smtClean="0">
-                        <a:solidFill>
-                          <a:srgbClr val="FF0000"/>
-                        </a:solidFill>
+                      <a:rPr lang="en-IN" sz="2600" b="0" i="1" smtClean="0">
                         <a:latin typeface="Cambria Math" panose="02040503050406030204" pitchFamily="18" charset="0"/>
                         <a:ea typeface="Cambria Math" panose="02040503050406030204" pitchFamily="18" charset="0"/>
                       </a:rPr>
@@ -6971,41 +7053,50 @@
                     </m:r>
                     <m:r>
                       <a:rPr lang="en-IN" sz="2600" b="0" i="1" smtClean="0">
-                        <a:solidFill>
-                          <a:srgbClr val="FF0000"/>
-                        </a:solidFill>
                         <a:latin typeface="Cambria Math" panose="02040503050406030204" pitchFamily="18" charset="0"/>
                         <a:ea typeface="Cambria Math" panose="02040503050406030204" pitchFamily="18" charset="0"/>
                       </a:rPr>
                       <m:t>𝑑𝑖𝑠𝑡𝑎𝑛𝑐</m:t>
                     </m:r>
-                    <m:r>
-                      <a:rPr lang="en-US" sz="2600" b="0" i="1" smtClean="0">
-                        <a:solidFill>
-                          <a:srgbClr val="FF0000"/>
-                        </a:solidFill>
-                        <a:latin typeface="Cambria Math" panose="02040503050406030204" pitchFamily="18" charset="0"/>
-                        <a:ea typeface="Cambria Math" panose="02040503050406030204" pitchFamily="18" charset="0"/>
-                      </a:rPr>
-                      <m:t>𝑒𝑖</m:t>
-                    </m:r>
-                    <m:r>
-                      <a:rPr lang="en-US" sz="2600" b="0" i="1" smtClean="0">
-                        <a:solidFill>
-                          <a:srgbClr val="FF0000"/>
-                        </a:solidFill>
-                        <a:latin typeface="Cambria Math" panose="02040503050406030204" pitchFamily="18" charset="0"/>
-                        <a:ea typeface="Cambria Math" panose="02040503050406030204" pitchFamily="18" charset="0"/>
-                      </a:rPr>
-                      <m:t>_1</m:t>
-                    </m:r>
+                    <m:sSub>
+                      <m:sSubPr>
+                        <m:ctrlPr>
+                          <a:rPr lang="en-IN" sz="2600" b="0" i="1" smtClean="0">
+                            <a:latin typeface="Cambria Math" panose="02040503050406030204" pitchFamily="18" charset="0"/>
+                            <a:ea typeface="Cambria Math" panose="02040503050406030204" pitchFamily="18" charset="0"/>
+                          </a:rPr>
+                        </m:ctrlPr>
+                      </m:sSubPr>
+                      <m:e>
+                        <m:r>
+                          <a:rPr lang="en-IN" sz="2600" b="0" i="1" smtClean="0">
+                            <a:latin typeface="Cambria Math" panose="02040503050406030204" pitchFamily="18" charset="0"/>
+                            <a:ea typeface="Cambria Math" panose="02040503050406030204" pitchFamily="18" charset="0"/>
+                          </a:rPr>
+                          <m:t>𝑒</m:t>
+                        </m:r>
+                      </m:e>
+                      <m:sub>
+                        <m:r>
+                          <a:rPr lang="en-IN" sz="2600" b="0" i="1" smtClean="0">
+                            <a:latin typeface="Cambria Math" panose="02040503050406030204" pitchFamily="18" charset="0"/>
+                            <a:ea typeface="Cambria Math" panose="02040503050406030204" pitchFamily="18" charset="0"/>
+                          </a:rPr>
+                          <m:t>𝑖</m:t>
+                        </m:r>
+                        <m:r>
+                          <a:rPr lang="en-IN" sz="2600" b="0" i="1" smtClean="0">
+                            <a:latin typeface="Cambria Math" panose="02040503050406030204" pitchFamily="18" charset="0"/>
+                            <a:ea typeface="Cambria Math" panose="02040503050406030204" pitchFamily="18" charset="0"/>
+                          </a:rPr>
+                          <m:t>−1</m:t>
+                        </m:r>
+                      </m:sub>
+                    </m:sSub>
                     <m:d>
                       <m:dPr>
                         <m:ctrlPr>
                           <a:rPr lang="en-IN" sz="2600" i="1">
-                            <a:solidFill>
-                              <a:srgbClr val="FF0000"/>
-                            </a:solidFill>
                             <a:latin typeface="Cambria Math" panose="02040503050406030204" pitchFamily="18" charset="0"/>
                             <a:ea typeface="Cambria Math" panose="02040503050406030204" pitchFamily="18" charset="0"/>
                           </a:rPr>
@@ -7013,10 +7104,7 @@
                       </m:dPr>
                       <m:e>
                         <m:r>
-                          <a:rPr lang="en-IN" sz="2600" b="0" i="1">
-                            <a:solidFill>
-                              <a:srgbClr val="FF0000"/>
-                            </a:solidFill>
+                          <a:rPr lang="en-IN" sz="2600" i="1">
                             <a:latin typeface="Cambria Math" panose="02040503050406030204" pitchFamily="18" charset="0"/>
                             <a:ea typeface="Cambria Math" panose="02040503050406030204" pitchFamily="18" charset="0"/>
                           </a:rPr>
@@ -7027,7 +7115,7 @@
                   </m:oMath>
                 </a14:m>
                 <a:r>
-                  <a:rPr lang="en-IN" sz="2600" dirty="0">
+                  <a:rPr lang="en-IN" sz="2600">
                     <a:solidFill>
                       <a:schemeClr val="tx1"/>
                     </a:solidFill>
@@ -7039,7 +7127,7 @@
             </p:txBody>
           </p:sp>
         </mc:Choice>
-        <mc:Fallback xmlns="">
+        <mc:Fallback>
           <p:sp>
             <p:nvSpPr>
               <p:cNvPr id="3" name="Content Placeholder 2">
@@ -7064,7 +7152,7 @@
               <a:blipFill>
                 <a:blip r:embed="rId2"/>
                 <a:stretch>
-                  <a:fillRect l="-1009" t="-2096" r="-631" b="-2096"/>
+                  <a:fillRect l="-970" t="-2161" r="-727"/>
                 </a:stretch>
               </a:blipFill>
             </p:spPr>
@@ -7138,7 +7226,7 @@
           </a:lstStyle>
           <a:p>
             <a:r>
-              <a:rPr lang="en-IN" dirty="0"/>
+              <a:rPr lang="en-IN"/>
               <a:t>Generalization to (2k-1)-Approximate Distance Oracle</a:t>
             </a:r>
           </a:p>
@@ -7174,8 +7262,8 @@
           <a:chExt cx="0" cy="0"/>
         </a:xfrm>
       </p:grpSpPr>
-      <mc:AlternateContent xmlns:mc="http://schemas.openxmlformats.org/markup-compatibility/2006" xmlns:a14="http://schemas.microsoft.com/office/drawing/2010/main">
-        <mc:Choice Requires="a14">
+      <mc:AlternateContent xmlns:mc="http://schemas.openxmlformats.org/markup-compatibility/2006">
+        <mc:Choice xmlns:a14="http://schemas.microsoft.com/office/drawing/2010/main" Requires="a14">
           <p:sp>
             <p:nvSpPr>
               <p:cNvPr id="3" name="Content Placeholder 2">
@@ -7207,29 +7295,29 @@
                 <a14:m>
                   <m:oMath xmlns:m="http://schemas.openxmlformats.org/officeDocument/2006/math">
                     <m:r>
-                      <a:rPr lang="en-IN" sz="2600" b="0" i="1" smtClean="0">
+                      <a:rPr lang="en-IN" sz="2600" b="1" i="1" smtClean="0">
                         <a:solidFill>
                           <a:schemeClr val="tx1"/>
                         </a:solidFill>
                         <a:latin typeface="Cambria Math" panose="02040503050406030204" pitchFamily="18" charset="0"/>
                         <a:ea typeface="Cambria Math" panose="02040503050406030204" pitchFamily="18" charset="0"/>
                       </a:rPr>
-                      <m:t>𝑏𝑎𝑙𝑙</m:t>
-                    </m:r>
-                    <m:r>
-                      <a:rPr lang="en-IN" sz="2600" b="0" i="1" baseline="-25000">
+                      <m:t>𝒃𝒂𝒍𝒍</m:t>
+                    </m:r>
+                    <m:r>
+                      <a:rPr lang="en-IN" sz="2600" b="1" i="1" baseline="-25000">
                         <a:solidFill>
                           <a:schemeClr val="tx1"/>
                         </a:solidFill>
                         <a:latin typeface="Cambria Math" panose="02040503050406030204" pitchFamily="18" charset="0"/>
                         <a:ea typeface="Cambria Math" panose="02040503050406030204" pitchFamily="18" charset="0"/>
                       </a:rPr>
-                      <m:t>𝑖</m:t>
+                      <m:t>𝒊</m:t>
                     </m:r>
                     <m:d>
                       <m:dPr>
                         <m:ctrlPr>
-                          <a:rPr lang="en-IN" sz="2600" i="1">
+                          <a:rPr lang="en-IN" sz="2600" b="1" i="1">
                             <a:solidFill>
                               <a:schemeClr val="tx1"/>
                             </a:solidFill>
@@ -7240,17 +7328,27 @@
                       </m:dPr>
                       <m:e>
                         <m:r>
-                          <a:rPr lang="en-IN" sz="2600" b="0" i="1">
+                          <a:rPr lang="en-IN" sz="2600" b="1" i="1">
                             <a:solidFill>
                               <a:schemeClr val="tx1"/>
                             </a:solidFill>
                             <a:latin typeface="Cambria Math" panose="02040503050406030204" pitchFamily="18" charset="0"/>
                             <a:ea typeface="Cambria Math" panose="02040503050406030204" pitchFamily="18" charset="0"/>
                           </a:rPr>
-                          <m:t>𝑢</m:t>
+                          <m:t>𝒖</m:t>
                         </m:r>
                       </m:e>
                     </m:d>
+                    <m:r>
+                      <a:rPr lang="en-IN" sz="2600" b="1" i="1">
+                        <a:solidFill>
+                          <a:schemeClr val="tx1"/>
+                        </a:solidFill>
+                        <a:latin typeface="Cambria Math" panose="02040503050406030204" pitchFamily="18" charset="0"/>
+                        <a:ea typeface="Cambria Math" panose="02040503050406030204" pitchFamily="18" charset="0"/>
+                      </a:rPr>
+                      <m:t> </m:t>
+                    </m:r>
                     <m:r>
                       <a:rPr lang="en-IN" sz="2600" b="0" i="1">
                         <a:solidFill>
@@ -7259,7 +7357,7 @@
                         <a:latin typeface="Cambria Math" panose="02040503050406030204" pitchFamily="18" charset="0"/>
                         <a:ea typeface="Cambria Math" panose="02040503050406030204" pitchFamily="18" charset="0"/>
                       </a:rPr>
-                      <m:t> ≔</m:t>
+                      <m:t>≔</m:t>
                     </m:r>
                     <m:d>
                       <m:dPr>
@@ -7370,25 +7468,6 @@
                         </m:r>
                       </m:sub>
                     </m:sSub>
-                    <m:d>
-                      <m:dPr>
-                        <m:ctrlPr>
-                          <a:rPr lang="en-IN" sz="2600" i="1">
-                            <a:latin typeface="Cambria Math" panose="02040503050406030204" pitchFamily="18" charset="0"/>
-                            <a:ea typeface="Cambria Math" panose="02040503050406030204" pitchFamily="18" charset="0"/>
-                          </a:rPr>
-                        </m:ctrlPr>
-                      </m:dPr>
-                      <m:e>
-                        <m:r>
-                          <a:rPr lang="en-IN" sz="2600" b="0" i="1" smtClean="0">
-                            <a:latin typeface="Cambria Math" panose="02040503050406030204" pitchFamily="18" charset="0"/>
-                            <a:ea typeface="Cambria Math" panose="02040503050406030204" pitchFamily="18" charset="0"/>
-                          </a:rPr>
-                          <m:t>𝑢</m:t>
-                        </m:r>
-                      </m:e>
-                    </m:d>
                     <m:r>
                       <a:rPr lang="en-IN" sz="2600" b="0" i="1">
                         <a:latin typeface="Cambria Math" panose="02040503050406030204" pitchFamily="18" charset="0"/>
@@ -7558,7 +7637,7 @@
                     </m:r>
                   </m:oMath>
                 </a14:m>
-                <a:endParaRPr lang="en-IN" sz="2600" dirty="0">
+                <a:endParaRPr lang="en-IN" sz="2600">
                   <a:solidFill>
                     <a:schemeClr val="tx1"/>
                   </a:solidFill>
@@ -7567,27 +7646,27 @@
               </a:p>
               <a:p>
                 <a:r>
-                  <a:rPr lang="en-IN" sz="2600" dirty="0">
+                  <a:rPr lang="en-IN" sz="2600">
                     <a:solidFill>
                       <a:schemeClr val="tx1"/>
                     </a:solidFill>
                     <a:ea typeface="Cambria Math" panose="02040503050406030204" pitchFamily="18" charset="0"/>
                   </a:rPr>
-                  <a:t>Ball computation is done using trimmed Dijkstra as mentioned earlier where an additional edge relaxation criterion is used to limit number of edges relaxed. </a:t>
+                  <a:t>Ball computation is done using trimmed Dijkstra, as mentioned earlier, where an additional edge relaxation criterion is used to limit number of edges relaxed. </a:t>
                 </a:r>
               </a:p>
               <a:p>
                 <a:r>
-                  <a:rPr lang="en-IN" sz="2600" dirty="0">
+                  <a:rPr lang="en-IN" sz="2600">
                     <a:solidFill>
                       <a:schemeClr val="tx1"/>
                     </a:solidFill>
                     <a:ea typeface="Cambria Math" panose="02040503050406030204" pitchFamily="18" charset="0"/>
                   </a:rPr>
-                  <a:t>The algorithm is run separately for each level as an edge relaxed at level </a:t>
+                  <a:t>The algorithm is run separately for each level, as an edge relaxed at level </a:t>
                 </a:r>
                 <a:r>
-                  <a:rPr lang="en-IN" sz="2600" i="1" dirty="0" err="1">
+                  <a:rPr lang="en-IN" sz="2600" i="1" err="1">
                     <a:solidFill>
                       <a:schemeClr val="tx1"/>
                     </a:solidFill>
@@ -7596,7 +7675,7 @@
                   <a:t>i</a:t>
                 </a:r>
                 <a:r>
-                  <a:rPr lang="en-IN" sz="2600" dirty="0">
+                  <a:rPr lang="en-IN" sz="2600">
                     <a:solidFill>
                       <a:schemeClr val="tx1"/>
                     </a:solidFill>
@@ -7605,7 +7684,7 @@
                   <a:t> need not be relaxed at level </a:t>
                 </a:r>
                 <a:r>
-                  <a:rPr lang="en-IN" sz="2600" i="1" dirty="0">
+                  <a:rPr lang="en-IN" sz="2600" i="1">
                     <a:solidFill>
                       <a:schemeClr val="tx1"/>
                     </a:solidFill>
@@ -7614,7 +7693,7 @@
                   <a:t>(i+1)</a:t>
                 </a:r>
                 <a:r>
-                  <a:rPr lang="en-IN" sz="2600" dirty="0">
+                  <a:rPr lang="en-IN" sz="2600">
                     <a:solidFill>
                       <a:schemeClr val="tx1"/>
                     </a:solidFill>
@@ -7625,7 +7704,7 @@
               </a:p>
               <a:p>
                 <a:r>
-                  <a:rPr lang="en-IN" sz="2600" dirty="0">
+                  <a:rPr lang="en-IN" sz="2600">
                     <a:solidFill>
                       <a:schemeClr val="tx1"/>
                     </a:solidFill>
@@ -7634,7 +7713,7 @@
                   <a:t>At a particular level </a:t>
                 </a:r>
                 <a:r>
-                  <a:rPr lang="en-IN" sz="2600" i="1" dirty="0" err="1">
+                  <a:rPr lang="en-IN" sz="2600" i="1" err="1">
                     <a:solidFill>
                       <a:schemeClr val="tx1"/>
                     </a:solidFill>
@@ -7643,7 +7722,7 @@
                   <a:t>i</a:t>
                 </a:r>
                 <a:r>
-                  <a:rPr lang="en-IN" sz="2600" i="1" dirty="0">
+                  <a:rPr lang="en-IN" sz="2600" i="1">
                     <a:solidFill>
                       <a:schemeClr val="tx1"/>
                     </a:solidFill>
@@ -7652,7 +7731,7 @@
                   <a:t>, </a:t>
                 </a:r>
                 <a:r>
-                  <a:rPr lang="en-IN" sz="2600" dirty="0">
+                  <a:rPr lang="en-IN" sz="2600">
                     <a:solidFill>
                       <a:schemeClr val="tx1"/>
                     </a:solidFill>
@@ -7661,7 +7740,7 @@
                   <a:t>a vertex </a:t>
                 </a:r>
                 <a:r>
-                  <a:rPr lang="en-IN" sz="2600" i="1" dirty="0">
+                  <a:rPr lang="en-IN" sz="2600" i="1">
                     <a:solidFill>
                       <a:schemeClr val="tx1"/>
                     </a:solidFill>
@@ -7670,7 +7749,7 @@
                   <a:t>v</a:t>
                 </a:r>
                 <a:r>
-                  <a:rPr lang="en-IN" sz="2600" dirty="0">
+                  <a:rPr lang="en-IN" sz="2600">
                     <a:solidFill>
                       <a:schemeClr val="tx1"/>
                     </a:solidFill>
@@ -7679,13 +7758,13 @@
                   <a:t> is reached by vertex </a:t>
                 </a:r>
                 <a:r>
-                  <a:rPr lang="en-IN" sz="2600" i="1" dirty="0">
+                  <a:rPr lang="en-IN" sz="2600" i="1">
                     <a:solidFill>
                       <a:schemeClr val="tx1"/>
                     </a:solidFill>
                     <a:ea typeface="Cambria Math" panose="02040503050406030204" pitchFamily="18" charset="0"/>
                   </a:rPr>
-                  <a:t>u such that </a:t>
+                  <a:t>u when </a:t>
                 </a:r>
                 <a14:m>
                   <m:oMath xmlns:m="http://schemas.openxmlformats.org/officeDocument/2006/math">
@@ -7769,6 +7848,16 @@
                       </m:e>
                     </m:d>
                     <m:r>
+                      <a:rPr lang="en-IN" sz="2600" b="0" i="1" smtClean="0">
+                        <a:solidFill>
+                          <a:schemeClr val="tx1"/>
+                        </a:solidFill>
+                        <a:latin typeface="Cambria Math" panose="02040503050406030204" pitchFamily="18" charset="0"/>
+                        <a:ea typeface="Cambria Math" panose="02040503050406030204" pitchFamily="18" charset="0"/>
+                      </a:rPr>
+                      <m:t>.</m:t>
+                    </m:r>
+                    <m:r>
                       <a:rPr lang="en-IN" sz="2600" b="0" i="1">
                         <a:solidFill>
                           <a:schemeClr val="tx1"/>
@@ -7781,13 +7870,13 @@
                   </m:oMath>
                 </a14:m>
                 <a:r>
-                  <a:rPr lang="en-IN" sz="2600" dirty="0">
+                  <a:rPr lang="en-IN" sz="2600">
                     <a:solidFill>
                       <a:schemeClr val="tx1"/>
                     </a:solidFill>
                     <a:ea typeface="Cambria Math" panose="02040503050406030204" pitchFamily="18" charset="0"/>
                   </a:rPr>
-                  <a:t>so there are on expectation </a:t>
+                  <a:t> There are on expectation </a:t>
                 </a:r>
                 <a14:m>
                   <m:oMath xmlns:m="http://schemas.openxmlformats.org/officeDocument/2006/math">
@@ -7841,16 +7930,16 @@
                   </m:oMath>
                 </a14:m>
                 <a:r>
-                  <a:rPr lang="en-IN" sz="2600" dirty="0">
+                  <a:rPr lang="en-IN" sz="2600">
                     <a:solidFill>
                       <a:schemeClr val="tx1"/>
                     </a:solidFill>
                     <a:ea typeface="Cambria Math" panose="02040503050406030204" pitchFamily="18" charset="0"/>
                   </a:rPr>
-                  <a:t> which reach vertex </a:t>
+                  <a:t> vertices which reach vertex </a:t>
                 </a:r>
                 <a:r>
-                  <a:rPr lang="en-IN" sz="2600" i="1" dirty="0">
+                  <a:rPr lang="en-IN" sz="2600" i="1">
                     <a:solidFill>
                       <a:schemeClr val="tx1"/>
                     </a:solidFill>
@@ -7859,30 +7948,39 @@
                   <a:t>v</a:t>
                 </a:r>
                 <a:r>
-                  <a:rPr lang="en-IN" sz="2600" dirty="0">
+                  <a:rPr lang="en-IN" sz="2600">
                     <a:solidFill>
                       <a:schemeClr val="tx1"/>
                     </a:solidFill>
                     <a:ea typeface="Cambria Math" panose="02040503050406030204" pitchFamily="18" charset="0"/>
                   </a:rPr>
-                  <a:t>. So, total edges relaxed are bounded by </a:t>
+                  <a:t>. So, </a:t>
+                </a:r>
+                <a:r>
+                  <a:rPr lang="en-IN" sz="2600" b="1">
+                    <a:solidFill>
+                      <a:schemeClr val="tx1"/>
+                    </a:solidFill>
+                    <a:ea typeface="Cambria Math" panose="02040503050406030204" pitchFamily="18" charset="0"/>
+                  </a:rPr>
+                  <a:t>total edges relaxed are bounded by </a:t>
                 </a:r>
                 <a14:m>
                   <m:oMath xmlns:m="http://schemas.openxmlformats.org/officeDocument/2006/math">
                     <m:r>
-                      <a:rPr lang="en-IN" sz="2600" b="0" i="1" smtClean="0">
+                      <a:rPr lang="en-IN" sz="2600" b="1" i="1" smtClean="0">
                         <a:solidFill>
                           <a:schemeClr val="tx1"/>
                         </a:solidFill>
                         <a:latin typeface="Cambria Math" panose="02040503050406030204" pitchFamily="18" charset="0"/>
                         <a:ea typeface="Cambria Math" panose="02040503050406030204" pitchFamily="18" charset="0"/>
                       </a:rPr>
-                      <m:t>𝑑𝑒𝑔𝑟𝑒𝑒</m:t>
+                      <m:t>𝒅𝒆𝒈𝒓𝒆𝒆</m:t>
                     </m:r>
                     <m:d>
                       <m:dPr>
                         <m:ctrlPr>
-                          <a:rPr lang="en-IN" sz="2600" i="1" smtClean="0">
+                          <a:rPr lang="en-IN" sz="2600" b="1" i="1" smtClean="0">
                             <a:solidFill>
                               <a:schemeClr val="tx1"/>
                             </a:solidFill>
@@ -7893,19 +7991,19 @@
                       </m:dPr>
                       <m:e>
                         <m:r>
-                          <a:rPr lang="en-IN" sz="2600" b="0" i="1" smtClean="0">
+                          <a:rPr lang="en-IN" sz="2600" b="1" i="1" smtClean="0">
                             <a:solidFill>
                               <a:schemeClr val="tx1"/>
                             </a:solidFill>
                             <a:latin typeface="Cambria Math" panose="02040503050406030204" pitchFamily="18" charset="0"/>
                             <a:ea typeface="Cambria Math" panose="02040503050406030204" pitchFamily="18" charset="0"/>
                           </a:rPr>
-                          <m:t>𝑣</m:t>
+                          <m:t>𝒗</m:t>
                         </m:r>
                       </m:e>
                     </m:d>
                     <m:r>
-                      <a:rPr lang="en-IN" sz="2600" b="0" i="1" smtClean="0">
+                      <a:rPr lang="en-IN" sz="2600" b="1" i="1" smtClean="0">
                         <a:solidFill>
                           <a:schemeClr val="tx1"/>
                         </a:solidFill>
@@ -7917,7 +8015,7 @@
                     <m:sSup>
                       <m:sSupPr>
                         <m:ctrlPr>
-                          <a:rPr lang="en-IN" sz="2600" i="1">
+                          <a:rPr lang="en-IN" sz="2600" b="1" i="1">
                             <a:solidFill>
                               <a:schemeClr val="tx1"/>
                             </a:solidFill>
@@ -7928,43 +8026,53 @@
                       </m:sSupPr>
                       <m:e>
                         <m:r>
-                          <a:rPr lang="en-IN" sz="2600" b="0" i="1">
+                          <a:rPr lang="en-IN" sz="2600" b="1" i="1">
                             <a:solidFill>
                               <a:schemeClr val="tx1"/>
                             </a:solidFill>
                             <a:latin typeface="Cambria Math" panose="02040503050406030204" pitchFamily="18" charset="0"/>
                             <a:ea typeface="Cambria Math" panose="02040503050406030204" pitchFamily="18" charset="0"/>
                           </a:rPr>
-                          <m:t>𝑛</m:t>
+                          <m:t>𝒏</m:t>
                         </m:r>
                       </m:e>
                       <m:sup>
                         <m:r>
-                          <a:rPr lang="en-IN" sz="2600" b="0" i="1">
+                          <a:rPr lang="en-IN" sz="2600" b="1" i="1">
                             <a:solidFill>
                               <a:schemeClr val="tx1"/>
                             </a:solidFill>
                             <a:latin typeface="Cambria Math" panose="02040503050406030204" pitchFamily="18" charset="0"/>
                             <a:ea typeface="Cambria Math" panose="02040503050406030204" pitchFamily="18" charset="0"/>
                           </a:rPr>
-                          <m:t>1/</m:t>
-                        </m:r>
-                        <m:r>
-                          <a:rPr lang="en-IN" sz="2600" b="0" i="1">
+                          <m:t>𝟏</m:t>
+                        </m:r>
+                        <m:r>
+                          <a:rPr lang="en-IN" sz="2600" b="1" i="1">
                             <a:solidFill>
                               <a:schemeClr val="tx1"/>
                             </a:solidFill>
                             <a:latin typeface="Cambria Math" panose="02040503050406030204" pitchFamily="18" charset="0"/>
                             <a:ea typeface="Cambria Math" panose="02040503050406030204" pitchFamily="18" charset="0"/>
                           </a:rPr>
-                          <m:t>𝑘</m:t>
+                          <m:t>/</m:t>
+                        </m:r>
+                        <m:r>
+                          <a:rPr lang="en-IN" sz="2600" b="1" i="1">
+                            <a:solidFill>
+                              <a:schemeClr val="tx1"/>
+                            </a:solidFill>
+                            <a:latin typeface="Cambria Math" panose="02040503050406030204" pitchFamily="18" charset="0"/>
+                            <a:ea typeface="Cambria Math" panose="02040503050406030204" pitchFamily="18" charset="0"/>
+                          </a:rPr>
+                          <m:t>𝒌</m:t>
                         </m:r>
                       </m:sup>
                     </m:sSup>
                   </m:oMath>
                 </a14:m>
                 <a:r>
-                  <a:rPr lang="en-IN" sz="2600" dirty="0">
+                  <a:rPr lang="en-IN" sz="2600">
                     <a:solidFill>
                       <a:schemeClr val="tx1"/>
                     </a:solidFill>
@@ -8053,7 +8161,7 @@
                     </m:r>
                   </m:oMath>
                 </a14:m>
-                <a:endParaRPr lang="en-IN" sz="2600" dirty="0">
+                <a:endParaRPr lang="en-IN" sz="2600">
                   <a:solidFill>
                     <a:schemeClr val="tx1"/>
                   </a:solidFill>
@@ -8063,7 +8171,7 @@
             </p:txBody>
           </p:sp>
         </mc:Choice>
-        <mc:Fallback xmlns="">
+        <mc:Fallback>
           <p:sp>
             <p:nvSpPr>
               <p:cNvPr id="3" name="Content Placeholder 2">
@@ -8088,7 +8196,7 @@
               <a:blipFill>
                 <a:blip r:embed="rId2"/>
                 <a:stretch>
-                  <a:fillRect l="-924" t="-1872" r="-924"/>
+                  <a:fillRect l="-888"/>
                 </a:stretch>
               </a:blipFill>
             </p:spPr>
@@ -8162,7 +8270,7 @@
           </a:lstStyle>
           <a:p>
             <a:r>
-              <a:rPr lang="en-IN" dirty="0"/>
+              <a:rPr lang="en-IN"/>
               <a:t>Efficient Ball Computation</a:t>
             </a:r>
           </a:p>
@@ -8217,7 +8325,7 @@
         <p:spPr>
           <a:xfrm>
             <a:off x="663246" y="1866575"/>
-            <a:ext cx="10058400" cy="4050792"/>
+            <a:ext cx="10328408" cy="4050792"/>
           </a:xfrm>
         </p:spPr>
         <p:txBody>
@@ -8225,41 +8333,60 @@
           <a:lstStyle/>
           <a:p>
             <a:r>
-              <a:rPr lang="en-IN" sz="2800" dirty="0"/>
-              <a:t>The level-wise ball stored needs to be stored in a hash table and there is no need to store level-wise ball as information of presence of level </a:t>
+              <a:rPr lang="en-IN" sz="2800"/>
+              <a:t>The balls need to be stored in a </a:t>
             </a:r>
             <a:r>
-              <a:rPr lang="en-IN" sz="2800" i="1" dirty="0" err="1"/>
-              <a:t>i</a:t>
+              <a:rPr lang="en-IN" sz="2800" b="1"/>
+              <a:t>hash table</a:t>
             </a:r>
             <a:r>
-              <a:rPr lang="en-IN" sz="2800" i="1" dirty="0"/>
-              <a:t> </a:t>
+              <a:rPr lang="en-IN"/>
+              <a:t> for efficient querying.</a:t>
             </a:r>
             <a:r>
-              <a:rPr lang="en-IN" sz="2800" dirty="0"/>
-              <a:t>pivot of u is present in ball of v.</a:t>
+              <a:rPr lang="en-IN" sz="2800"/>
+              <a:t> </a:t>
             </a:r>
           </a:p>
           <a:p>
             <a:r>
-              <a:rPr lang="en-IN" sz="2800" dirty="0"/>
-              <a:t>We achieve the same using FPH which is a C++ implemented perfect dynamic hashing. This library handles false positives allowing </a:t>
+              <a:rPr lang="en-IN"/>
+              <a:t>For query processing, there is no need to retrieve the level of any vertex in the ball (as we use successive foci). Hence, we can reduce redundancy by hashing the entire ball together.</a:t>
+            </a:r>
+            <a:endParaRPr lang="en-IN" sz="2800"/>
+          </a:p>
+          <a:p>
+            <a:r>
+              <a:rPr lang="en-IN" sz="2800"/>
+              <a:t>We achieve the same practically using </a:t>
             </a:r>
             <a:r>
-              <a:rPr lang="en-IN" sz="2800" i="1" dirty="0"/>
+              <a:rPr lang="en-IN" sz="2800" b="1"/>
+              <a:t>FPH</a:t>
+            </a:r>
+            <a:r>
+              <a:rPr lang="en-IN" sz="2800"/>
+              <a:t> which is a C++ implemented perfect dynamic hashing. This library handles false positives allowing </a:t>
+            </a:r>
+            <a:r>
+              <a:rPr lang="en-IN" sz="2800" b="1" i="1"/>
               <a:t>O(1)</a:t>
             </a:r>
             <a:r>
-              <a:rPr lang="en-IN" sz="2800" dirty="0"/>
-              <a:t> worst case query time and accurate absence of a particular point in ball.  </a:t>
+              <a:rPr lang="en-IN" sz="2800" b="1"/>
+              <a:t> worst case query time</a:t>
+            </a:r>
+            <a:r>
+              <a:rPr lang="en-IN" sz="2800"/>
+              <a:t> and accurate absence of a particular point in ball.  </a:t>
             </a:r>
           </a:p>
           <a:p>
             <a:pPr marL="0" indent="0">
               <a:buNone/>
             </a:pPr>
-            <a:endParaRPr lang="en-IN" strike="sngStrike" dirty="0"/>
+            <a:endParaRPr lang="en-IN" strike="sngStrike"/>
           </a:p>
         </p:txBody>
       </p:sp>
@@ -8312,7 +8439,7 @@
             <p:spPr>
               <a:xfrm>
                 <a:off x="663246" y="1878275"/>
-                <a:ext cx="9143373" cy="3880773"/>
+                <a:ext cx="10158725" cy="3880773"/>
               </a:xfrm>
               <a:prstGeom prst="rect">
                 <a:avLst/>
@@ -8550,15 +8677,14 @@
                 </a:lvl9pPr>
               </a:lstStyle>
               <a:p>
-                <a:pPr>
+                <a:pPr marL="0" indent="0">
                   <a:buClr>
                     <a:schemeClr val="tx1"/>
                   </a:buClr>
-                  <a:buFont typeface="Wingdings" pitchFamily="2" charset="2"/>
-                  <a:buChar char="§"/>
+                  <a:buNone/>
                 </a:pPr>
                 <a:r>
-                  <a:rPr lang="en-IN" sz="2600" dirty="0">
+                  <a:rPr lang="en-IN" sz="2600">
                     <a:solidFill>
                       <a:schemeClr val="tx1"/>
                     </a:solidFill>
@@ -8576,97 +8702,7 @@
                   <a:buChar char="§"/>
                 </a:pPr>
                 <a:r>
-                  <a:rPr lang="en-IN" sz="2600" dirty="0">
-                    <a:solidFill>
-                      <a:schemeClr val="tx1"/>
-                    </a:solidFill>
-                    <a:ea typeface="Cambria Math" panose="02040503050406030204" pitchFamily="18" charset="0"/>
-                  </a:rPr>
-                  <a:t>Define set V as </a:t>
-                </a:r>
-                <a14:m>
-                  <m:oMath xmlns:m="http://schemas.openxmlformats.org/officeDocument/2006/math">
-                    <m:sSub>
-                      <m:sSubPr>
-                        <m:ctrlPr>
-                          <a:rPr lang="en-IN" sz="2600" i="1">
-                            <a:solidFill>
-                              <a:schemeClr val="tx1"/>
-                            </a:solidFill>
-                            <a:latin typeface="Cambria Math" panose="02040503050406030204" pitchFamily="18" charset="0"/>
-                            <a:ea typeface="Cambria Math" panose="02040503050406030204" pitchFamily="18" charset="0"/>
-                          </a:rPr>
-                        </m:ctrlPr>
-                      </m:sSubPr>
-                      <m:e>
-                        <m:r>
-                          <a:rPr lang="en-IN" sz="2600">
-                            <a:solidFill>
-                              <a:schemeClr val="tx1"/>
-                            </a:solidFill>
-                            <a:latin typeface="Cambria Math" panose="02040503050406030204" pitchFamily="18" charset="0"/>
-                            <a:ea typeface="Cambria Math" panose="02040503050406030204" pitchFamily="18" charset="0"/>
-                          </a:rPr>
-                          <m:t>𝐿</m:t>
-                        </m:r>
-                      </m:e>
-                      <m:sub>
-                        <m:r>
-                          <a:rPr lang="en-IN" sz="2600">
-                            <a:solidFill>
-                              <a:schemeClr val="tx1"/>
-                            </a:solidFill>
-                            <a:latin typeface="Cambria Math" panose="02040503050406030204" pitchFamily="18" charset="0"/>
-                            <a:ea typeface="Cambria Math" panose="02040503050406030204" pitchFamily="18" charset="0"/>
-                          </a:rPr>
-                          <m:t>0</m:t>
-                        </m:r>
-                      </m:sub>
-                    </m:sSub>
-                    <m:d>
-                      <m:dPr>
-                        <m:ctrlPr>
-                          <a:rPr lang="en-IN" sz="2600" i="1">
-                            <a:solidFill>
-                              <a:schemeClr val="tx1"/>
-                            </a:solidFill>
-                            <a:latin typeface="Cambria Math" panose="02040503050406030204" pitchFamily="18" charset="0"/>
-                            <a:ea typeface="Cambria Math" panose="02040503050406030204" pitchFamily="18" charset="0"/>
-                          </a:rPr>
-                        </m:ctrlPr>
-                      </m:dPr>
-                      <m:e>
-                        <m:r>
-                          <a:rPr lang="en-IN" sz="2600">
-                            <a:solidFill>
-                              <a:schemeClr val="tx1"/>
-                            </a:solidFill>
-                            <a:latin typeface="Cambria Math" panose="02040503050406030204" pitchFamily="18" charset="0"/>
-                            <a:ea typeface="Cambria Math" panose="02040503050406030204" pitchFamily="18" charset="0"/>
-                          </a:rPr>
-                          <m:t>𝑢</m:t>
-                        </m:r>
-                      </m:e>
-                    </m:d>
-                  </m:oMath>
-                </a14:m>
-                <a:endParaRPr lang="en-IN" sz="2600" dirty="0">
-                  <a:solidFill>
-                    <a:schemeClr val="tx1"/>
-                  </a:solidFill>
-                  <a:ea typeface="Cambria Math" panose="02040503050406030204" pitchFamily="18" charset="0"/>
-                </a:endParaRPr>
-              </a:p>
-              <a:p>
-                <a:pPr>
-                  <a:buClr>
-                    <a:schemeClr val="tx1"/>
-                  </a:buClr>
-                  <a:buFont typeface="Wingdings" pitchFamily="2" charset="2"/>
-                  <a:buChar char="§"/>
-                </a:pPr>
-                <a:r>
-                  <a:rPr lang="en-IN" sz="2600" dirty="0">
+                  <a:rPr lang="en-IN" sz="2600">
                     <a:solidFill>
                       <a:schemeClr val="tx1"/>
                     </a:solidFill>
@@ -8716,46 +8752,73 @@
                   </m:oMath>
                 </a14:m>
                 <a:r>
-                  <a:rPr lang="en-IN" sz="2600" dirty="0">
+                  <a:rPr lang="en-IN" sz="2600">
                     <a:solidFill>
                       <a:schemeClr val="tx1"/>
                     </a:solidFill>
                     <a:ea typeface="Cambria Math" panose="02040503050406030204" pitchFamily="18" charset="0"/>
                   </a:rPr>
-                  <a:t> which are closer than </a:t>
+                  <a:t> which are closer than</a:t>
                 </a:r>
                 <a14:m>
                   <m:oMath xmlns:m="http://schemas.openxmlformats.org/officeDocument/2006/math">
                     <m:r>
-                      <a:rPr lang="en-IN" sz="2600" smtClean="0">
+                      <a:rPr lang="en-IN" sz="2600" b="0" i="0" smtClean="0">
                         <a:solidFill>
-                          <a:srgbClr val="FF0000"/>
+                          <a:schemeClr val="tx1"/>
                         </a:solidFill>
                         <a:latin typeface="Cambria Math" panose="02040503050406030204" pitchFamily="18" charset="0"/>
                         <a:ea typeface="Cambria Math" panose="02040503050406030204" pitchFamily="18" charset="0"/>
                       </a:rPr>
-                      <m:t>𝑓𝑜𝑐𝑢𝑠</m:t>
-                    </m:r>
-                    <m:r>
-                      <a:rPr lang="en-US" sz="2600" b="0" i="0" smtClean="0">
+                      <m:t> </m:t>
+                    </m:r>
+                    <m:r>
+                      <a:rPr lang="en-IN" sz="2600" i="1">
                         <a:solidFill>
-                          <a:srgbClr val="FF0000"/>
+                          <a:schemeClr val="tx1"/>
                         </a:solidFill>
                         <a:latin typeface="Cambria Math" panose="02040503050406030204" pitchFamily="18" charset="0"/>
                         <a:ea typeface="Cambria Math" panose="02040503050406030204" pitchFamily="18" charset="0"/>
                       </a:rPr>
-                      <m:t>_</m:t>
-                    </m:r>
-                    <m:r>
-                      <a:rPr lang="en-IN" sz="2600" smtClean="0">
-                        <a:solidFill>
-                          <a:srgbClr val="FF0000"/>
-                        </a:solidFill>
-                        <a:latin typeface="Cambria Math" panose="02040503050406030204" pitchFamily="18" charset="0"/>
-                        <a:ea typeface="Cambria Math" panose="02040503050406030204" pitchFamily="18" charset="0"/>
-                      </a:rPr>
-                      <m:t>𝑖</m:t>
-                    </m:r>
+                      <m:t>𝑓𝑜𝑐𝑢</m:t>
+                    </m:r>
+                    <m:sSub>
+                      <m:sSubPr>
+                        <m:ctrlPr>
+                          <a:rPr lang="en-IN" sz="2600" i="1">
+                            <a:solidFill>
+                              <a:schemeClr val="tx1"/>
+                            </a:solidFill>
+                            <a:latin typeface="Cambria Math" panose="02040503050406030204" pitchFamily="18" charset="0"/>
+                            <a:ea typeface="Cambria Math" panose="02040503050406030204" pitchFamily="18" charset="0"/>
+                          </a:rPr>
+                        </m:ctrlPr>
+                      </m:sSubPr>
+                      <m:e>
+                        <m:r>
+                          <a:rPr lang="en-IN" sz="2600" i="1">
+                            <a:solidFill>
+                              <a:schemeClr val="tx1"/>
+                            </a:solidFill>
+                            <a:latin typeface="Cambria Math" panose="02040503050406030204" pitchFamily="18" charset="0"/>
+                            <a:ea typeface="Cambria Math" panose="02040503050406030204" pitchFamily="18" charset="0"/>
+                          </a:rPr>
+                          <m:t>𝑠</m:t>
+                        </m:r>
+                      </m:e>
+                      <m:sub>
+                        <m:r>
+                          <a:rPr lang="en-IN" sz="2600" i="1">
+                            <a:solidFill>
+                              <a:schemeClr val="tx1"/>
+                            </a:solidFill>
+                            <a:latin typeface="Cambria Math" panose="02040503050406030204" pitchFamily="18" charset="0"/>
+                            <a:ea typeface="Cambria Math" panose="02040503050406030204" pitchFamily="18" charset="0"/>
+                          </a:rPr>
+                          <m:t>𝑖</m:t>
+                        </m:r>
+                      </m:sub>
+                    </m:sSub>
                     <m:d>
                       <m:dPr>
                         <m:ctrlPr>
@@ -8770,7 +8833,7 @@
                       </m:dPr>
                       <m:e>
                         <m:r>
-                          <a:rPr lang="en-IN" sz="2600">
+                          <a:rPr lang="en-IN" sz="2600" i="1">
                             <a:solidFill>
                               <a:schemeClr val="tx1"/>
                             </a:solidFill>
@@ -8781,20 +8844,10 @@
                         </m:r>
                       </m:e>
                     </m:d>
-                    <m:r>
-                      <a:rPr lang="en-IN" sz="2600">
-                        <a:solidFill>
-                          <a:schemeClr val="tx1"/>
-                        </a:solidFill>
-                        <a:latin typeface="Cambria Math" panose="02040503050406030204" pitchFamily="18" charset="0"/>
-                        <a:ea typeface="Cambria Math" panose="02040503050406030204" pitchFamily="18" charset="0"/>
-                      </a:rPr>
-                      <m:t> </m:t>
-                    </m:r>
                   </m:oMath>
                 </a14:m>
                 <a:r>
-                  <a:rPr lang="en-IN" sz="2600" dirty="0">
+                  <a:rPr lang="en-IN" sz="2600">
                     <a:solidFill>
                       <a:schemeClr val="tx1"/>
                     </a:solidFill>
@@ -8803,7 +8856,7 @@
                   <a:t>for all </a:t>
                 </a:r>
                 <a:r>
-                  <a:rPr lang="en-IN" sz="2600" dirty="0" err="1">
+                  <a:rPr lang="en-IN" sz="2600" err="1">
                     <a:solidFill>
                       <a:schemeClr val="tx1"/>
                     </a:solidFill>
@@ -8812,7 +8865,7 @@
                   <a:t>i</a:t>
                 </a:r>
                 <a:r>
-                  <a:rPr lang="en-IN" sz="2600" dirty="0">
+                  <a:rPr lang="en-IN" sz="2600">
                     <a:solidFill>
                       <a:schemeClr val="tx1"/>
                     </a:solidFill>
@@ -8835,7 +8888,7 @@
                   </m:oMath>
                 </a14:m>
                 <a:r>
-                  <a:rPr lang="en-IN" sz="2600" dirty="0">
+                  <a:rPr lang="en-IN" sz="2600">
                     <a:solidFill>
                       <a:schemeClr val="tx1"/>
                     </a:solidFill>
@@ -8853,7 +8906,7 @@
                   <a:buChar char="§"/>
                 </a:pPr>
                 <a:r>
-                  <a:rPr lang="en-IN" sz="2600" dirty="0">
+                  <a:rPr lang="en-IN" sz="2600">
                     <a:solidFill>
                       <a:schemeClr val="tx1"/>
                     </a:solidFill>
@@ -8908,11 +8961,111 @@
                         <a:latin typeface="Cambria Math" panose="02040503050406030204" pitchFamily="18" charset="0"/>
                         <a:ea typeface="Cambria Math" panose="02040503050406030204" pitchFamily="18" charset="0"/>
                       </a:rPr>
-                      <m:t>. </m:t>
+                      <m:t> </m:t>
                     </m:r>
                   </m:oMath>
                 </a14:m>
-                <a:endParaRPr lang="en-IN" sz="2600" dirty="0">
+                <a:r>
+                  <a:rPr lang="en-IN" sz="2600">
+                    <a:solidFill>
+                      <a:schemeClr val="tx1"/>
+                    </a:solidFill>
+                    <a:ea typeface="Cambria Math" panose="02040503050406030204" pitchFamily="18" charset="0"/>
+                  </a:rPr>
+                  <a:t>by defining </a:t>
+                </a:r>
+                <a14:m>
+                  <m:oMath xmlns:m="http://schemas.openxmlformats.org/officeDocument/2006/math">
+                    <m:r>
+                      <a:rPr lang="en-IN" sz="2600" i="1">
+                        <a:solidFill>
+                          <a:schemeClr val="tx1"/>
+                        </a:solidFill>
+                        <a:latin typeface="Cambria Math" panose="02040503050406030204" pitchFamily="18" charset="0"/>
+                        <a:ea typeface="Cambria Math" panose="02040503050406030204" pitchFamily="18" charset="0"/>
+                      </a:rPr>
+                      <m:t>𝑓𝑜𝑐𝑢</m:t>
+                    </m:r>
+                    <m:sSub>
+                      <m:sSubPr>
+                        <m:ctrlPr>
+                          <a:rPr lang="en-IN" sz="2600" i="1" smtClean="0">
+                            <a:solidFill>
+                              <a:schemeClr val="tx1"/>
+                            </a:solidFill>
+                            <a:latin typeface="Cambria Math" panose="02040503050406030204" pitchFamily="18" charset="0"/>
+                            <a:ea typeface="Cambria Math" panose="02040503050406030204" pitchFamily="18" charset="0"/>
+                          </a:rPr>
+                        </m:ctrlPr>
+                      </m:sSubPr>
+                      <m:e>
+                        <m:r>
+                          <a:rPr lang="en-IN" sz="2600" i="1">
+                            <a:solidFill>
+                              <a:schemeClr val="tx1"/>
+                            </a:solidFill>
+                            <a:latin typeface="Cambria Math" panose="02040503050406030204" pitchFamily="18" charset="0"/>
+                            <a:ea typeface="Cambria Math" panose="02040503050406030204" pitchFamily="18" charset="0"/>
+                          </a:rPr>
+                          <m:t>𝑠</m:t>
+                        </m:r>
+                      </m:e>
+                      <m:sub>
+                        <m:r>
+                          <a:rPr lang="en-IN" sz="2600" b="0" i="1" smtClean="0">
+                            <a:solidFill>
+                              <a:schemeClr val="tx1"/>
+                            </a:solidFill>
+                            <a:latin typeface="Cambria Math" panose="02040503050406030204" pitchFamily="18" charset="0"/>
+                            <a:ea typeface="Cambria Math" panose="02040503050406030204" pitchFamily="18" charset="0"/>
+                          </a:rPr>
+                          <m:t>𝑘</m:t>
+                        </m:r>
+                      </m:sub>
+                    </m:sSub>
+                    <m:d>
+                      <m:dPr>
+                        <m:ctrlPr>
+                          <a:rPr lang="en-IN" sz="2600" i="1">
+                            <a:solidFill>
+                              <a:schemeClr val="tx1"/>
+                            </a:solidFill>
+                            <a:latin typeface="Cambria Math" panose="02040503050406030204" pitchFamily="18" charset="0"/>
+                            <a:ea typeface="Cambria Math" panose="02040503050406030204" pitchFamily="18" charset="0"/>
+                          </a:rPr>
+                        </m:ctrlPr>
+                      </m:dPr>
+                      <m:e>
+                        <m:r>
+                          <a:rPr lang="en-IN" sz="2600" i="1">
+                            <a:solidFill>
+                              <a:schemeClr val="tx1"/>
+                            </a:solidFill>
+                            <a:latin typeface="Cambria Math" panose="02040503050406030204" pitchFamily="18" charset="0"/>
+                            <a:ea typeface="Cambria Math" panose="02040503050406030204" pitchFamily="18" charset="0"/>
+                          </a:rPr>
+                          <m:t>𝑢</m:t>
+                        </m:r>
+                      </m:e>
+                    </m:d>
+                  </m:oMath>
+                </a14:m>
+                <a:r>
+                  <a:rPr lang="en-IN" sz="2600">
+                    <a:solidFill>
+                      <a:schemeClr val="tx1"/>
+                    </a:solidFill>
+                    <a:ea typeface="Cambria Math" panose="02040503050406030204" pitchFamily="18" charset="0"/>
+                  </a:rPr>
+                  <a:t> at infinity.</a:t>
+                </a:r>
+              </a:p>
+              <a:p>
+                <a:pPr>
+                  <a:buFont typeface="Wingdings" pitchFamily="2" charset="2"/>
+                  <a:buChar char="§"/>
+                </a:pPr>
+                <a:endParaRPr lang="en-IN" sz="2600">
                   <a:solidFill>
                     <a:schemeClr val="tx1"/>
                   </a:solidFill>
@@ -8924,19 +9077,7 @@
                   <a:buFont typeface="Wingdings" pitchFamily="2" charset="2"/>
                   <a:buChar char="§"/>
                 </a:pPr>
-                <a:endParaRPr lang="en-IN" sz="2600" dirty="0">
-                  <a:solidFill>
-                    <a:schemeClr val="tx1"/>
-                  </a:solidFill>
-                  <a:ea typeface="Cambria Math" panose="02040503050406030204" pitchFamily="18" charset="0"/>
-                </a:endParaRPr>
-              </a:p>
-              <a:p>
-                <a:pPr>
-                  <a:buFont typeface="Wingdings" pitchFamily="2" charset="2"/>
-                  <a:buChar char="§"/>
-                </a:pPr>
-                <a:endParaRPr lang="en-IN" sz="2600" dirty="0"/>
+                <a:endParaRPr lang="en-IN" sz="2600"/>
               </a:p>
             </p:txBody>
           </p:sp>
@@ -8959,7 +9100,7 @@
             <p:spPr>
               <a:xfrm>
                 <a:off x="663246" y="1878275"/>
-                <a:ext cx="9143373" cy="3880773"/>
+                <a:ext cx="10158725" cy="3880773"/>
               </a:xfrm>
               <a:prstGeom prst="rect">
                 <a:avLst/>
@@ -8967,7 +9108,7 @@
               <a:blipFill>
                 <a:blip r:embed="rId2"/>
                 <a:stretch>
-                  <a:fillRect l="-693" t="-1303"/>
+                  <a:fillRect l="-1080" t="-1413" r="-1501"/>
                 </a:stretch>
               </a:blipFill>
             </p:spPr>
@@ -9041,7 +9182,7 @@
           </a:lstStyle>
           <a:p>
             <a:r>
-              <a:rPr lang="en-IN" dirty="0"/>
+              <a:rPr lang="en-IN"/>
               <a:t>Distance Information Stored</a:t>
             </a:r>
           </a:p>
@@ -9065,7 +9206,13 @@
   <p:cSld>
     <p:spTree>
       <p:nvGrpSpPr>
-        <p:cNvPr id="1" name=""/>
+        <p:cNvPr id="1" name="">
+          <a:extLst>
+            <a:ext uri="{FF2B5EF4-FFF2-40B4-BE49-F238E27FC236}">
+              <a16:creationId xmlns:a16="http://schemas.microsoft.com/office/drawing/2014/main" id="{583ECB6A-F546-E259-5C5F-C676A65B3446}"/>
+            </a:ext>
+          </a:extLst>
+        </p:cNvPr>
         <p:cNvGrpSpPr/>
         <p:nvPr/>
       </p:nvGrpSpPr>
@@ -9079,65 +9226,10 @@
       </p:grpSpPr>
       <p:sp>
         <p:nvSpPr>
-          <p:cNvPr id="3" name="Content Placeholder 2">
+          <p:cNvPr id="3" name="Title 1">
             <a:extLst>
               <a:ext uri="{FF2B5EF4-FFF2-40B4-BE49-F238E27FC236}">
-                <a16:creationId xmlns:a16="http://schemas.microsoft.com/office/drawing/2014/main" id="{40F5B0BB-15F5-2FCF-4FAE-CBD0D22898FC}"/>
-              </a:ext>
-            </a:extLst>
-          </p:cNvPr>
-          <p:cNvSpPr>
-            <a:spLocks noGrp="1"/>
-          </p:cNvSpPr>
-          <p:nvPr>
-            <p:ph idx="1"/>
-          </p:nvPr>
-        </p:nvSpPr>
-        <p:spPr>
-          <a:xfrm>
-            <a:off x="663246" y="1971215"/>
-            <a:ext cx="10058400" cy="3336697"/>
-          </a:xfrm>
-        </p:spPr>
-        <p:txBody>
-          <a:bodyPr>
-            <a:normAutofit/>
-          </a:bodyPr>
-          <a:lstStyle/>
-          <a:p>
-            <a:r>
-              <a:rPr lang="en-IN" sz="2600" dirty="0"/>
-              <a:t>Induction: Addition of level </a:t>
-            </a:r>
-            <a:r>
-              <a:rPr lang="en-IN" sz="2600" dirty="0" err="1"/>
-              <a:t>i</a:t>
-            </a:r>
-            <a:r>
-              <a:rPr lang="en-IN" sz="2600" dirty="0"/>
-              <a:t> of landmarks to level (i-1) increases the stretch from (2i-1) to (2i+1).</a:t>
-            </a:r>
-          </a:p>
-          <a:p>
-            <a:r>
-              <a:rPr lang="en-IN" sz="2600" dirty="0"/>
-              <a:t>Adding level of landmark add 2 to the stretch. </a:t>
-            </a:r>
-          </a:p>
-          <a:p>
-            <a:r>
-              <a:rPr lang="en-IN" sz="2600" dirty="0"/>
-              <a:t>Base Case: Extension of 3-Approximate Distance Oracle to 5-Approximate Distance Oracle.  </a:t>
-            </a:r>
-          </a:p>
-        </p:txBody>
-      </p:sp>
-      <p:sp>
-        <p:nvSpPr>
-          <p:cNvPr id="5" name="Title 1">
-            <a:extLst>
-              <a:ext uri="{FF2B5EF4-FFF2-40B4-BE49-F238E27FC236}">
-                <a16:creationId xmlns:a16="http://schemas.microsoft.com/office/drawing/2014/main" id="{6EA8E547-7AA1-F747-1467-A07EF71FB091}"/>
+                <a16:creationId xmlns:a16="http://schemas.microsoft.com/office/drawing/2014/main" id="{D24E2B5A-18AC-B719-876A-25956A75A052}"/>
               </a:ext>
             </a:extLst>
           </p:cNvPr>
@@ -9187,16 +9279,46 @@
           </a:lstStyle>
           <a:p>
             <a:r>
-              <a:rPr lang="en-IN" dirty="0"/>
-              <a:t>Justification of stretch</a:t>
+              <a:rPr lang="en-IN" err="1"/>
+              <a:t>Pre-ProcessinG</a:t>
             </a:r>
           </a:p>
         </p:txBody>
       </p:sp>
+      <p:pic>
+        <p:nvPicPr>
+          <p:cNvPr id="2" name="Picture 1" descr="A white sheet with black text&#10;&#10;AI-generated content may be incorrect.">
+            <a:extLst>
+              <a:ext uri="{FF2B5EF4-FFF2-40B4-BE49-F238E27FC236}">
+                <a16:creationId xmlns:a16="http://schemas.microsoft.com/office/drawing/2014/main" id="{019B2D0E-2293-0F5F-4250-AFF946461ED6}"/>
+              </a:ext>
+            </a:extLst>
+          </p:cNvPr>
+          <p:cNvPicPr>
+            <a:picLocks noChangeAspect="1"/>
+          </p:cNvPicPr>
+          <p:nvPr/>
+        </p:nvPicPr>
+        <p:blipFill>
+          <a:blip r:embed="rId3"/>
+          <a:stretch>
+            <a:fillRect/>
+          </a:stretch>
+        </p:blipFill>
+        <p:spPr>
+          <a:xfrm>
+            <a:off x="1200410" y="1887178"/>
+            <a:ext cx="9796398" cy="3803889"/>
+          </a:xfrm>
+          <a:prstGeom prst="rect">
+            <a:avLst/>
+          </a:prstGeom>
+        </p:spPr>
+      </p:pic>
     </p:spTree>
     <p:extLst>
       <p:ext uri="{BB962C8B-B14F-4D97-AF65-F5344CB8AC3E}">
-        <p14:creationId xmlns:p14="http://schemas.microsoft.com/office/powerpoint/2010/main" val="1941962832"/>
+        <p14:creationId xmlns:p14="http://schemas.microsoft.com/office/powerpoint/2010/main" val="3997049056"/>
       </p:ext>
     </p:extLst>
   </p:cSld>
@@ -9278,7 +9400,7 @@
           </a:lstStyle>
           <a:p>
             <a:r>
-              <a:rPr lang="en-IN" dirty="0"/>
+              <a:rPr lang="en-IN"/>
               <a:t>Query Processing</a:t>
             </a:r>
           </a:p>
@@ -9334,6 +9456,152 @@
 </file>
 
 <file path=ppt/slides/slide17.xml><?xml version="1.0" encoding="utf-8"?>
+<p:sld xmlns:a="http://schemas.openxmlformats.org/drawingml/2006/main" xmlns:r="http://schemas.openxmlformats.org/officeDocument/2006/relationships" xmlns:p="http://schemas.openxmlformats.org/presentationml/2006/main" showMasterSp="0">
+  <p:cSld>
+    <p:spTree>
+      <p:nvGrpSpPr>
+        <p:cNvPr id="1" name=""/>
+        <p:cNvGrpSpPr/>
+        <p:nvPr/>
+      </p:nvGrpSpPr>
+      <p:grpSpPr>
+        <a:xfrm>
+          <a:off x="0" y="0"/>
+          <a:ext cx="0" cy="0"/>
+          <a:chOff x="0" y="0"/>
+          <a:chExt cx="0" cy="0"/>
+        </a:xfrm>
+      </p:grpSpPr>
+      <p:sp>
+        <p:nvSpPr>
+          <p:cNvPr id="3" name="Content Placeholder 2">
+            <a:extLst>
+              <a:ext uri="{FF2B5EF4-FFF2-40B4-BE49-F238E27FC236}">
+                <a16:creationId xmlns:a16="http://schemas.microsoft.com/office/drawing/2014/main" id="{40F5B0BB-15F5-2FCF-4FAE-CBD0D22898FC}"/>
+              </a:ext>
+            </a:extLst>
+          </p:cNvPr>
+          <p:cNvSpPr>
+            <a:spLocks noGrp="1"/>
+          </p:cNvSpPr>
+          <p:nvPr>
+            <p:ph idx="1"/>
+          </p:nvPr>
+        </p:nvSpPr>
+        <p:spPr>
+          <a:xfrm>
+            <a:off x="663246" y="1971215"/>
+            <a:ext cx="10058400" cy="3336697"/>
+          </a:xfrm>
+        </p:spPr>
+        <p:txBody>
+          <a:bodyPr>
+            <a:normAutofit/>
+          </a:bodyPr>
+          <a:lstStyle/>
+          <a:p>
+            <a:r>
+              <a:rPr lang="en-IN" sz="2600"/>
+              <a:t>Induction: Addition of level </a:t>
+            </a:r>
+            <a:r>
+              <a:rPr lang="en-IN" sz="2600" err="1"/>
+              <a:t>i</a:t>
+            </a:r>
+            <a:r>
+              <a:rPr lang="en-IN" sz="2600"/>
+              <a:t> of landmarks to level (i-1) increases the stretch from (2i-1) to (2i+1).</a:t>
+            </a:r>
+          </a:p>
+          <a:p>
+            <a:r>
+              <a:rPr lang="en-IN" sz="2600"/>
+              <a:t>Adding level of landmark add 2 to the stretch. </a:t>
+            </a:r>
+          </a:p>
+          <a:p>
+            <a:r>
+              <a:rPr lang="en-IN" sz="2600"/>
+              <a:t>Base Case: Extension of 3-Approximate Distance Oracle to 5-Approximate Distance Oracle.  </a:t>
+            </a:r>
+          </a:p>
+        </p:txBody>
+      </p:sp>
+      <p:sp>
+        <p:nvSpPr>
+          <p:cNvPr id="5" name="Title 1">
+            <a:extLst>
+              <a:ext uri="{FF2B5EF4-FFF2-40B4-BE49-F238E27FC236}">
+                <a16:creationId xmlns:a16="http://schemas.microsoft.com/office/drawing/2014/main" id="{6EA8E547-7AA1-F747-1467-A07EF71FB091}"/>
+              </a:ext>
+            </a:extLst>
+          </p:cNvPr>
+          <p:cNvSpPr txBox="1">
+            <a:spLocks/>
+          </p:cNvSpPr>
+          <p:nvPr/>
+        </p:nvSpPr>
+        <p:spPr>
+          <a:xfrm>
+            <a:off x="663246" y="440565"/>
+            <a:ext cx="10058400" cy="1609344"/>
+          </a:xfrm>
+          <a:prstGeom prst="rect">
+            <a:avLst/>
+          </a:prstGeom>
+        </p:spPr>
+        <p:txBody>
+          <a:bodyPr vert="horz" lIns="91440" tIns="45720" rIns="91440" bIns="45720" rtlCol="0" anchor="ctr">
+            <a:normAutofit/>
+          </a:bodyPr>
+          <a:lstStyle>
+            <a:lvl1pPr algn="l" defTabSz="914400" rtl="0" eaLnBrk="1" latinLnBrk="0" hangingPunct="1">
+              <a:lnSpc>
+                <a:spcPct val="90000"/>
+              </a:lnSpc>
+              <a:spcBef>
+                <a:spcPct val="0"/>
+              </a:spcBef>
+              <a:buNone/>
+              <a:defRPr sz="5400" kern="1200" cap="all" baseline="0">
+                <a:blipFill>
+                  <a:blip r:embed="rId2">
+                    <a:extLst>
+                      <a:ext uri="{28A0092B-C50C-407E-A947-70E740481C1C}">
+                        <a14:useLocalDpi xmlns:a14="http://schemas.microsoft.com/office/drawing/2010/main" val="0"/>
+                      </a:ext>
+                    </a:extLst>
+                  </a:blip>
+                  <a:tile tx="6350" ty="-127000" sx="65000" sy="64000" flip="none" algn="tl"/>
+                </a:blipFill>
+                <a:latin typeface="+mj-lt"/>
+                <a:ea typeface="+mj-ea"/>
+                <a:cs typeface="+mj-cs"/>
+              </a:defRPr>
+            </a:lvl1pPr>
+          </a:lstStyle>
+          <a:p>
+            <a:r>
+              <a:rPr lang="en-IN"/>
+              <a:t>Justification of stretch</a:t>
+            </a:r>
+          </a:p>
+        </p:txBody>
+      </p:sp>
+    </p:spTree>
+    <p:extLst>
+      <p:ext uri="{BB962C8B-B14F-4D97-AF65-F5344CB8AC3E}">
+        <p14:creationId xmlns:p14="http://schemas.microsoft.com/office/powerpoint/2010/main" val="1941962832"/>
+      </p:ext>
+    </p:extLst>
+  </p:cSld>
+  <p:clrMapOvr>
+    <a:masterClrMapping/>
+  </p:clrMapOvr>
+</p:sld>
+</file>
+
+<file path=ppt/slides/slide18.xml><?xml version="1.0" encoding="utf-8"?>
 <p:sld xmlns:a="http://schemas.openxmlformats.org/drawingml/2006/main" xmlns:r="http://schemas.openxmlformats.org/officeDocument/2006/relationships" xmlns:p="http://schemas.openxmlformats.org/presentationml/2006/main">
   <p:cSld>
     <p:spTree>
@@ -9377,7 +9645,7 @@
           <a:lstStyle/>
           <a:p>
             <a:r>
-              <a:rPr lang="en-US" dirty="0"/>
+              <a:rPr lang="en-US"/>
               <a:t>VISUALISATION</a:t>
             </a:r>
           </a:p>
@@ -9396,7 +9664,7 @@
 </p:sld>
 </file>
 
-<file path=ppt/slides/slide18.xml><?xml version="1.0" encoding="utf-8"?>
+<file path=ppt/slides/slide19.xml><?xml version="1.0" encoding="utf-8"?>
 <p:sld xmlns:a="http://schemas.openxmlformats.org/drawingml/2006/main" xmlns:r="http://schemas.openxmlformats.org/officeDocument/2006/relationships" xmlns:p="http://schemas.openxmlformats.org/presentationml/2006/main" showMasterSp="0">
   <p:cSld>
     <p:spTree>
@@ -9468,7 +9736,7 @@
           </a:lstStyle>
           <a:p>
             <a:r>
-              <a:rPr lang="en-IN" dirty="0"/>
+              <a:rPr lang="en-IN"/>
               <a:t>Graphs</a:t>
             </a:r>
           </a:p>
@@ -9523,7 +9791,259 @@
 </p:sld>
 </file>
 
-<file path=ppt/slides/slide19.xml><?xml version="1.0" encoding="utf-8"?>
+<file path=ppt/slides/slide2.xml><?xml version="1.0" encoding="utf-8"?>
+<p:sld xmlns:a="http://schemas.openxmlformats.org/drawingml/2006/main" xmlns:r="http://schemas.openxmlformats.org/officeDocument/2006/relationships" xmlns:p="http://schemas.openxmlformats.org/presentationml/2006/main">
+  <p:cSld>
+    <p:spTree>
+      <p:nvGrpSpPr>
+        <p:cNvPr id="1" name=""/>
+        <p:cNvGrpSpPr/>
+        <p:nvPr/>
+      </p:nvGrpSpPr>
+      <p:grpSpPr>
+        <a:xfrm>
+          <a:off x="0" y="0"/>
+          <a:ext cx="0" cy="0"/>
+          <a:chOff x="0" y="0"/>
+          <a:chExt cx="0" cy="0"/>
+        </a:xfrm>
+      </p:grpSpPr>
+      <p:sp>
+        <p:nvSpPr>
+          <p:cNvPr id="2" name="Title 1">
+            <a:extLst>
+              <a:ext uri="{FF2B5EF4-FFF2-40B4-BE49-F238E27FC236}">
+                <a16:creationId xmlns:a16="http://schemas.microsoft.com/office/drawing/2014/main" id="{7805C5BE-E0EC-3051-7523-696754C7D8AF}"/>
+              </a:ext>
+            </a:extLst>
+          </p:cNvPr>
+          <p:cNvSpPr>
+            <a:spLocks noGrp="1"/>
+          </p:cNvSpPr>
+          <p:nvPr>
+            <p:ph type="title"/>
+          </p:nvPr>
+        </p:nvSpPr>
+        <p:spPr/>
+        <p:txBody>
+          <a:bodyPr/>
+          <a:lstStyle/>
+          <a:p>
+            <a:r>
+              <a:rPr lang="en-US"/>
+              <a:t>Acknowledgement</a:t>
+            </a:r>
+          </a:p>
+        </p:txBody>
+      </p:sp>
+      <p:sp>
+        <p:nvSpPr>
+          <p:cNvPr id="3" name="Content Placeholder 2">
+            <a:extLst>
+              <a:ext uri="{FF2B5EF4-FFF2-40B4-BE49-F238E27FC236}">
+                <a16:creationId xmlns:a16="http://schemas.microsoft.com/office/drawing/2014/main" id="{E5D87F10-7672-3551-D07B-AEF21CE22389}"/>
+              </a:ext>
+            </a:extLst>
+          </p:cNvPr>
+          <p:cNvSpPr>
+            <a:spLocks noGrp="1"/>
+          </p:cNvSpPr>
+          <p:nvPr>
+            <p:ph idx="1"/>
+          </p:nvPr>
+        </p:nvSpPr>
+        <p:spPr/>
+        <p:txBody>
+          <a:bodyPr>
+            <a:normAutofit fontScale="62500" lnSpcReduction="20000"/>
+          </a:bodyPr>
+          <a:lstStyle/>
+          <a:p>
+            <a:pPr>
+              <a:buNone/>
+            </a:pPr>
+            <a:r>
+              <a:rPr lang="en-US">
+                <a:solidFill>
+                  <a:srgbClr val="000000"/>
+                </a:solidFill>
+                <a:effectLst/>
+                <a:latin typeface="Helvetica" pitchFamily="2" charset="0"/>
+              </a:rPr>
+              <a:t>We are extremely grateful to our professor, Prof. Surender </a:t>
+            </a:r>
+            <a:r>
+              <a:rPr lang="en-US" err="1">
+                <a:solidFill>
+                  <a:srgbClr val="000000"/>
+                </a:solidFill>
+                <a:effectLst/>
+                <a:latin typeface="Helvetica" pitchFamily="2" charset="0"/>
+              </a:rPr>
+              <a:t>Baswana</a:t>
+            </a:r>
+            <a:r>
+              <a:rPr lang="en-US">
+                <a:solidFill>
+                  <a:srgbClr val="000000"/>
+                </a:solidFill>
+                <a:effectLst/>
+                <a:latin typeface="Helvetica" pitchFamily="2" charset="0"/>
+              </a:rPr>
+              <a:t>, for his unwavering support,</a:t>
+            </a:r>
+          </a:p>
+          <a:p>
+            <a:pPr>
+              <a:buNone/>
+            </a:pPr>
+            <a:r>
+              <a:rPr lang="en-US">
+                <a:solidFill>
+                  <a:srgbClr val="000000"/>
+                </a:solidFill>
+                <a:effectLst/>
+                <a:latin typeface="Helvetica" pitchFamily="2" charset="0"/>
+              </a:rPr>
+              <a:t>expert guidance, and invaluable suggestions throughout the project. His insights played a key</a:t>
+            </a:r>
+          </a:p>
+          <a:p>
+            <a:pPr>
+              <a:buNone/>
+            </a:pPr>
+            <a:r>
+              <a:rPr lang="en-US">
+                <a:solidFill>
+                  <a:srgbClr val="000000"/>
+                </a:solidFill>
+                <a:effectLst/>
+                <a:latin typeface="Helvetica" pitchFamily="2" charset="0"/>
+              </a:rPr>
+              <a:t>role in refining our approach and in the development of our algorithms. In particular, the hints</a:t>
+            </a:r>
+          </a:p>
+          <a:p>
+            <a:pPr>
+              <a:buNone/>
+            </a:pPr>
+            <a:r>
+              <a:rPr lang="en-US">
+                <a:solidFill>
+                  <a:srgbClr val="000000"/>
+                </a:solidFill>
+                <a:effectLst/>
+                <a:latin typeface="Helvetica" pitchFamily="2" charset="0"/>
+              </a:rPr>
+              <a:t>provided during discussions about 3-approximate distance oracles and advice on extending these</a:t>
+            </a:r>
+          </a:p>
+          <a:p>
+            <a:pPr>
+              <a:buNone/>
+            </a:pPr>
+            <a:r>
+              <a:rPr lang="en-US">
+                <a:solidFill>
+                  <a:srgbClr val="000000"/>
+                </a:solidFill>
+                <a:effectLst/>
+                <a:latin typeface="Helvetica" pitchFamily="2" charset="0"/>
+              </a:rPr>
+              <a:t>ideas to a 5-approximate variant were crucial in enabling us to generalize the method to a (2k−1)-</a:t>
+            </a:r>
+          </a:p>
+          <a:p>
+            <a:pPr>
+              <a:buNone/>
+            </a:pPr>
+            <a:r>
+              <a:rPr lang="en-US">
+                <a:solidFill>
+                  <a:srgbClr val="000000"/>
+                </a:solidFill>
+                <a:effectLst/>
+                <a:latin typeface="Helvetica" pitchFamily="2" charset="0"/>
+              </a:rPr>
+              <a:t>approximate oracle. We would also like to emphasize that, aside from some initial background</a:t>
+            </a:r>
+          </a:p>
+          <a:p>
+            <a:pPr>
+              <a:buNone/>
+            </a:pPr>
+            <a:r>
+              <a:rPr lang="en-US">
+                <a:solidFill>
+                  <a:srgbClr val="000000"/>
+                </a:solidFill>
+                <a:effectLst/>
+                <a:latin typeface="Helvetica" pitchFamily="2" charset="0"/>
+              </a:rPr>
+              <a:t>reading on implementation techniques, no external assistance was used in the development of this</a:t>
+            </a:r>
+          </a:p>
+          <a:p>
+            <a:pPr>
+              <a:buNone/>
+            </a:pPr>
+            <a:r>
+              <a:rPr lang="en-US">
+                <a:solidFill>
+                  <a:srgbClr val="000000"/>
+                </a:solidFill>
+                <a:effectLst/>
+                <a:latin typeface="Helvetica" pitchFamily="2" charset="0"/>
+              </a:rPr>
+              <a:t>project. Overall, this experience has been highly educational, offering us a practical insight into</a:t>
+            </a:r>
+          </a:p>
+          <a:p>
+            <a:pPr>
+              <a:buNone/>
+            </a:pPr>
+            <a:r>
+              <a:rPr lang="en-US">
+                <a:solidFill>
+                  <a:srgbClr val="000000"/>
+                </a:solidFill>
+                <a:effectLst/>
+                <a:latin typeface="Helvetica" pitchFamily="2" charset="0"/>
+              </a:rPr>
+              <a:t>the challenges and problem-solving required in algorithm design and evaluation—mirroring the</a:t>
+            </a:r>
+          </a:p>
+          <a:p>
+            <a:pPr marL="0" indent="0">
+              <a:buNone/>
+            </a:pPr>
+            <a:r>
+              <a:rPr lang="en-US">
+                <a:solidFill>
+                  <a:srgbClr val="000000"/>
+                </a:solidFill>
+                <a:effectLst/>
+                <a:latin typeface="Helvetica" pitchFamily="2" charset="0"/>
+              </a:rPr>
+              <a:t>real-world complexities faced by researchers in the field.</a:t>
+            </a:r>
+          </a:p>
+        </p:txBody>
+      </p:sp>
+    </p:spTree>
+    <p:extLst>
+      <p:ext uri="{BB962C8B-B14F-4D97-AF65-F5344CB8AC3E}">
+        <p14:creationId xmlns:p14="http://schemas.microsoft.com/office/powerpoint/2010/main" val="3443552667"/>
+      </p:ext>
+    </p:extLst>
+  </p:cSld>
+  <p:clrMapOvr>
+    <a:masterClrMapping/>
+  </p:clrMapOvr>
+</p:sld>
+</file>
+
+<file path=ppt/slides/slide20.xml><?xml version="1.0" encoding="utf-8"?>
 <p:sld xmlns:a="http://schemas.openxmlformats.org/drawingml/2006/main" xmlns:r="http://schemas.openxmlformats.org/officeDocument/2006/relationships" xmlns:p="http://schemas.openxmlformats.org/presentationml/2006/main">
   <p:cSld>
     <p:spTree>
@@ -9562,7 +10082,7 @@
           <a:lstStyle/>
           <a:p>
             <a:r>
-              <a:rPr lang="en-US" dirty="0"/>
+              <a:rPr lang="en-US"/>
               <a:t>GRAPHS</a:t>
             </a:r>
           </a:p>
@@ -9653,259 +10173,7 @@
 </p:sld>
 </file>
 
-<file path=ppt/slides/slide2.xml><?xml version="1.0" encoding="utf-8"?>
-<p:sld xmlns:a="http://schemas.openxmlformats.org/drawingml/2006/main" xmlns:r="http://schemas.openxmlformats.org/officeDocument/2006/relationships" xmlns:p="http://schemas.openxmlformats.org/presentationml/2006/main">
-  <p:cSld>
-    <p:spTree>
-      <p:nvGrpSpPr>
-        <p:cNvPr id="1" name=""/>
-        <p:cNvGrpSpPr/>
-        <p:nvPr/>
-      </p:nvGrpSpPr>
-      <p:grpSpPr>
-        <a:xfrm>
-          <a:off x="0" y="0"/>
-          <a:ext cx="0" cy="0"/>
-          <a:chOff x="0" y="0"/>
-          <a:chExt cx="0" cy="0"/>
-        </a:xfrm>
-      </p:grpSpPr>
-      <p:sp>
-        <p:nvSpPr>
-          <p:cNvPr id="2" name="Title 1">
-            <a:extLst>
-              <a:ext uri="{FF2B5EF4-FFF2-40B4-BE49-F238E27FC236}">
-                <a16:creationId xmlns:a16="http://schemas.microsoft.com/office/drawing/2014/main" id="{7805C5BE-E0EC-3051-7523-696754C7D8AF}"/>
-              </a:ext>
-            </a:extLst>
-          </p:cNvPr>
-          <p:cNvSpPr>
-            <a:spLocks noGrp="1"/>
-          </p:cNvSpPr>
-          <p:nvPr>
-            <p:ph type="title"/>
-          </p:nvPr>
-        </p:nvSpPr>
-        <p:spPr/>
-        <p:txBody>
-          <a:bodyPr/>
-          <a:lstStyle/>
-          <a:p>
-            <a:r>
-              <a:rPr lang="en-US" dirty="0"/>
-              <a:t>Acknowledgement</a:t>
-            </a:r>
-          </a:p>
-        </p:txBody>
-      </p:sp>
-      <p:sp>
-        <p:nvSpPr>
-          <p:cNvPr id="3" name="Content Placeholder 2">
-            <a:extLst>
-              <a:ext uri="{FF2B5EF4-FFF2-40B4-BE49-F238E27FC236}">
-                <a16:creationId xmlns:a16="http://schemas.microsoft.com/office/drawing/2014/main" id="{E5D87F10-7672-3551-D07B-AEF21CE22389}"/>
-              </a:ext>
-            </a:extLst>
-          </p:cNvPr>
-          <p:cNvSpPr>
-            <a:spLocks noGrp="1"/>
-          </p:cNvSpPr>
-          <p:nvPr>
-            <p:ph idx="1"/>
-          </p:nvPr>
-        </p:nvSpPr>
-        <p:spPr/>
-        <p:txBody>
-          <a:bodyPr>
-            <a:normAutofit fontScale="62500" lnSpcReduction="20000"/>
-          </a:bodyPr>
-          <a:lstStyle/>
-          <a:p>
-            <a:pPr>
-              <a:buNone/>
-            </a:pPr>
-            <a:r>
-              <a:rPr lang="en-US" dirty="0">
-                <a:solidFill>
-                  <a:srgbClr val="000000"/>
-                </a:solidFill>
-                <a:effectLst/>
-                <a:latin typeface="Helvetica" pitchFamily="2" charset="0"/>
-              </a:rPr>
-              <a:t>We are extremely grateful to our professor, Prof. Surender </a:t>
-            </a:r>
-            <a:r>
-              <a:rPr lang="en-US" dirty="0" err="1">
-                <a:solidFill>
-                  <a:srgbClr val="000000"/>
-                </a:solidFill>
-                <a:effectLst/>
-                <a:latin typeface="Helvetica" pitchFamily="2" charset="0"/>
-              </a:rPr>
-              <a:t>Baswana</a:t>
-            </a:r>
-            <a:r>
-              <a:rPr lang="en-US" dirty="0">
-                <a:solidFill>
-                  <a:srgbClr val="000000"/>
-                </a:solidFill>
-                <a:effectLst/>
-                <a:latin typeface="Helvetica" pitchFamily="2" charset="0"/>
-              </a:rPr>
-              <a:t>, for his unwavering support,</a:t>
-            </a:r>
-          </a:p>
-          <a:p>
-            <a:pPr>
-              <a:buNone/>
-            </a:pPr>
-            <a:r>
-              <a:rPr lang="en-US" dirty="0">
-                <a:solidFill>
-                  <a:srgbClr val="000000"/>
-                </a:solidFill>
-                <a:effectLst/>
-                <a:latin typeface="Helvetica" pitchFamily="2" charset="0"/>
-              </a:rPr>
-              <a:t>expert guidance, and invaluable suggestions throughout the project. His insights played a key</a:t>
-            </a:r>
-          </a:p>
-          <a:p>
-            <a:pPr>
-              <a:buNone/>
-            </a:pPr>
-            <a:r>
-              <a:rPr lang="en-US" dirty="0">
-                <a:solidFill>
-                  <a:srgbClr val="000000"/>
-                </a:solidFill>
-                <a:effectLst/>
-                <a:latin typeface="Helvetica" pitchFamily="2" charset="0"/>
-              </a:rPr>
-              <a:t>role in refining our approach and in the development of our algorithms. In particular, the hints</a:t>
-            </a:r>
-          </a:p>
-          <a:p>
-            <a:pPr>
-              <a:buNone/>
-            </a:pPr>
-            <a:r>
-              <a:rPr lang="en-US" dirty="0">
-                <a:solidFill>
-                  <a:srgbClr val="000000"/>
-                </a:solidFill>
-                <a:effectLst/>
-                <a:latin typeface="Helvetica" pitchFamily="2" charset="0"/>
-              </a:rPr>
-              <a:t>provided during discussions about 3-approximate distance oracles and advice on extending these</a:t>
-            </a:r>
-          </a:p>
-          <a:p>
-            <a:pPr>
-              <a:buNone/>
-            </a:pPr>
-            <a:r>
-              <a:rPr lang="en-US" dirty="0">
-                <a:solidFill>
-                  <a:srgbClr val="000000"/>
-                </a:solidFill>
-                <a:effectLst/>
-                <a:latin typeface="Helvetica" pitchFamily="2" charset="0"/>
-              </a:rPr>
-              <a:t>ideas to a 5-approximate variant were crucial in enabling us to generalize the method to a (2k−1)-</a:t>
-            </a:r>
-          </a:p>
-          <a:p>
-            <a:pPr>
-              <a:buNone/>
-            </a:pPr>
-            <a:r>
-              <a:rPr lang="en-US" dirty="0">
-                <a:solidFill>
-                  <a:srgbClr val="000000"/>
-                </a:solidFill>
-                <a:effectLst/>
-                <a:latin typeface="Helvetica" pitchFamily="2" charset="0"/>
-              </a:rPr>
-              <a:t>approximate oracle. We would also like to emphasize that, aside from some initial background</a:t>
-            </a:r>
-          </a:p>
-          <a:p>
-            <a:pPr>
-              <a:buNone/>
-            </a:pPr>
-            <a:r>
-              <a:rPr lang="en-US" dirty="0">
-                <a:solidFill>
-                  <a:srgbClr val="000000"/>
-                </a:solidFill>
-                <a:effectLst/>
-                <a:latin typeface="Helvetica" pitchFamily="2" charset="0"/>
-              </a:rPr>
-              <a:t>reading on implementation techniques, no external assistance was used in the development of this</a:t>
-            </a:r>
-          </a:p>
-          <a:p>
-            <a:pPr>
-              <a:buNone/>
-            </a:pPr>
-            <a:r>
-              <a:rPr lang="en-US" dirty="0">
-                <a:solidFill>
-                  <a:srgbClr val="000000"/>
-                </a:solidFill>
-                <a:effectLst/>
-                <a:latin typeface="Helvetica" pitchFamily="2" charset="0"/>
-              </a:rPr>
-              <a:t>project. Overall, this experience has been highly educational, offering us a practical insight into</a:t>
-            </a:r>
-          </a:p>
-          <a:p>
-            <a:pPr>
-              <a:buNone/>
-            </a:pPr>
-            <a:r>
-              <a:rPr lang="en-US" dirty="0">
-                <a:solidFill>
-                  <a:srgbClr val="000000"/>
-                </a:solidFill>
-                <a:effectLst/>
-                <a:latin typeface="Helvetica" pitchFamily="2" charset="0"/>
-              </a:rPr>
-              <a:t>the challenges and problem-solving required in algorithm design and evaluation—mirroring the</a:t>
-            </a:r>
-          </a:p>
-          <a:p>
-            <a:pPr marL="0" indent="0">
-              <a:buNone/>
-            </a:pPr>
-            <a:r>
-              <a:rPr lang="en-US" dirty="0">
-                <a:solidFill>
-                  <a:srgbClr val="000000"/>
-                </a:solidFill>
-                <a:effectLst/>
-                <a:latin typeface="Helvetica" pitchFamily="2" charset="0"/>
-              </a:rPr>
-              <a:t>real-world complexities faced by researchers in the field.</a:t>
-            </a:r>
-          </a:p>
-        </p:txBody>
-      </p:sp>
-    </p:spTree>
-    <p:extLst>
-      <p:ext uri="{BB962C8B-B14F-4D97-AF65-F5344CB8AC3E}">
-        <p14:creationId xmlns:p14="http://schemas.microsoft.com/office/powerpoint/2010/main" val="3443552667"/>
-      </p:ext>
-    </p:extLst>
-  </p:cSld>
-  <p:clrMapOvr>
-    <a:masterClrMapping/>
-  </p:clrMapOvr>
-</p:sld>
-</file>
-
-<file path=ppt/slides/slide20.xml><?xml version="1.0" encoding="utf-8"?>
+<file path=ppt/slides/slide21.xml><?xml version="1.0" encoding="utf-8"?>
 <p:sld xmlns:a="http://schemas.openxmlformats.org/drawingml/2006/main" xmlns:r="http://schemas.openxmlformats.org/officeDocument/2006/relationships" xmlns:p="http://schemas.openxmlformats.org/presentationml/2006/main" showMasterSp="0">
   <p:cSld>
     <p:spTree>
@@ -9977,7 +10245,7 @@
           </a:lstStyle>
           <a:p>
             <a:r>
-              <a:rPr lang="en-IN" dirty="0"/>
+              <a:rPr lang="en-IN"/>
               <a:t>Graphs</a:t>
             </a:r>
           </a:p>
@@ -9985,10 +10253,10 @@
       </p:sp>
       <p:pic>
         <p:nvPicPr>
-          <p:cNvPr id="3" name="Picture 2" descr="A graph with blue lines&#10;&#10;AI-generated content may be incorrect.">
+          <p:cNvPr id="2" name="Picture 1" descr="A graph of a graph&#10;&#10;AI-generated content may be incorrect.">
             <a:extLst>
               <a:ext uri="{FF2B5EF4-FFF2-40B4-BE49-F238E27FC236}">
-                <a16:creationId xmlns:a16="http://schemas.microsoft.com/office/drawing/2014/main" id="{95B4C659-6578-265B-B5E6-87297BDDDEDA}"/>
+                <a16:creationId xmlns:a16="http://schemas.microsoft.com/office/drawing/2014/main" id="{5A8118D6-74B0-5F83-D434-BCCA93B1F18B}"/>
               </a:ext>
             </a:extLst>
           </p:cNvPr>
@@ -9998,21 +10266,15 @@
           <p:nvPr/>
         </p:nvPicPr>
         <p:blipFill>
-          <a:blip r:embed="rId3">
-            <a:extLst>
-              <a:ext uri="{28A0092B-C50C-407E-A947-70E740481C1C}">
-                <a14:useLocalDpi xmlns:a14="http://schemas.microsoft.com/office/drawing/2010/main" val="0"/>
-              </a:ext>
-            </a:extLst>
-          </a:blip>
+          <a:blip r:embed="rId3"/>
           <a:stretch>
             <a:fillRect/>
           </a:stretch>
         </p:blipFill>
         <p:spPr>
           <a:xfrm>
-            <a:off x="1304602" y="2049909"/>
-            <a:ext cx="9582796" cy="2817668"/>
+            <a:off x="1073854" y="1990392"/>
+            <a:ext cx="10045701" cy="2882857"/>
           </a:xfrm>
           <a:prstGeom prst="rect">
             <a:avLst/>
@@ -10032,7 +10294,76 @@
 </p:sld>
 </file>
 
-<file path=ppt/slides/slide21.xml><?xml version="1.0" encoding="utf-8"?>
+<file path=ppt/slides/slide22.xml><?xml version="1.0" encoding="utf-8"?>
+<p:sld xmlns:a="http://schemas.openxmlformats.org/drawingml/2006/main" xmlns:r="http://schemas.openxmlformats.org/officeDocument/2006/relationships" xmlns:p="http://schemas.openxmlformats.org/presentationml/2006/main">
+  <p:cSld>
+    <p:spTree>
+      <p:nvGrpSpPr>
+        <p:cNvPr id="1" name="">
+          <a:extLst>
+            <a:ext uri="{FF2B5EF4-FFF2-40B4-BE49-F238E27FC236}">
+              <a16:creationId xmlns:a16="http://schemas.microsoft.com/office/drawing/2014/main" id="{1374E0DE-EA38-50A5-5B81-A1805C798F96}"/>
+            </a:ext>
+          </a:extLst>
+        </p:cNvPr>
+        <p:cNvGrpSpPr/>
+        <p:nvPr/>
+      </p:nvGrpSpPr>
+      <p:grpSpPr>
+        <a:xfrm>
+          <a:off x="0" y="0"/>
+          <a:ext cx="0" cy="0"/>
+          <a:chOff x="0" y="0"/>
+          <a:chExt cx="0" cy="0"/>
+        </a:xfrm>
+      </p:grpSpPr>
+      <p:sp>
+        <p:nvSpPr>
+          <p:cNvPr id="2" name="Title 1">
+            <a:extLst>
+              <a:ext uri="{FF2B5EF4-FFF2-40B4-BE49-F238E27FC236}">
+                <a16:creationId xmlns:a16="http://schemas.microsoft.com/office/drawing/2014/main" id="{31015172-0B7F-9E47-906B-2EAAEA6CB02C}"/>
+              </a:ext>
+            </a:extLst>
+          </p:cNvPr>
+          <p:cNvSpPr>
+            <a:spLocks noGrp="1"/>
+          </p:cNvSpPr>
+          <p:nvPr>
+            <p:ph type="title"/>
+          </p:nvPr>
+        </p:nvSpPr>
+        <p:spPr>
+          <a:xfrm>
+            <a:off x="838200" y="2403245"/>
+            <a:ext cx="10515600" cy="1325563"/>
+          </a:xfrm>
+        </p:spPr>
+        <p:txBody>
+          <a:bodyPr/>
+          <a:lstStyle/>
+          <a:p>
+            <a:r>
+              <a:rPr lang="en-US"/>
+              <a:t>CONCLUSION</a:t>
+            </a:r>
+          </a:p>
+        </p:txBody>
+      </p:sp>
+    </p:spTree>
+    <p:extLst>
+      <p:ext uri="{BB962C8B-B14F-4D97-AF65-F5344CB8AC3E}">
+        <p14:creationId xmlns:p14="http://schemas.microsoft.com/office/powerpoint/2010/main" val="1304499960"/>
+      </p:ext>
+    </p:extLst>
+  </p:cSld>
+  <p:clrMapOvr>
+    <a:masterClrMapping/>
+  </p:clrMapOvr>
+</p:sld>
+</file>
+
+<file path=ppt/slides/slide23.xml><?xml version="1.0" encoding="utf-8"?>
 <p:sld xmlns:a="http://schemas.openxmlformats.org/drawingml/2006/main" xmlns:r="http://schemas.openxmlformats.org/officeDocument/2006/relationships" xmlns:p="http://schemas.openxmlformats.org/presentationml/2006/main" showMasterSp="0">
   <p:cSld>
     <p:spTree>
@@ -10078,27 +10409,27 @@
           <a:lstStyle/>
           <a:p>
             <a:r>
-              <a:rPr lang="en-US" b="1" dirty="0"/>
+              <a:rPr lang="en-US" b="1"/>
               <a:t>Parallelization for Fast Pre-Processing</a:t>
             </a:r>
             <a:r>
-              <a:rPr lang="en-US" dirty="0"/>
+              <a:rPr lang="en-US"/>
               <a:t>: One promising direction is to parallelize the preprocessing phase. Since computing local distance information and forming the clusters or ball sets for each vertex can be done independently, distributing this work across multiple processors or cores can significantly reduce the overall runtime.</a:t>
             </a:r>
           </a:p>
           <a:p>
-            <a:endParaRPr lang="en-US" dirty="0"/>
+            <a:endParaRPr lang="en-US"/>
           </a:p>
           <a:p>
             <a:r>
-              <a:rPr lang="en-US" b="1" dirty="0"/>
+              <a:rPr lang="en-US" b="1"/>
               <a:t>Dynamic Updates</a:t>
             </a:r>
             <a:r>
-              <a:rPr lang="en-US" dirty="0"/>
+              <a:rPr lang="en-US"/>
               <a:t>: Enhancing the data structure to support dynamic updates—such as insertions, deletions, or weight modifications—without requiring a full re-preprocessing of the graph would make the oracle more practical for real-time or evolving networks.</a:t>
             </a:r>
-            <a:endParaRPr lang="en-IN" dirty="0"/>
+            <a:endParaRPr lang="en-IN"/>
           </a:p>
         </p:txBody>
       </p:sp>
@@ -10157,7 +10488,7 @@
           </a:lstStyle>
           <a:p>
             <a:r>
-              <a:rPr lang="en-IN" dirty="0"/>
+              <a:rPr lang="en-IN"/>
               <a:t>Future Improvements</a:t>
             </a:r>
           </a:p>
@@ -10193,8 +10524,8 @@
           <a:chExt cx="0" cy="0"/>
         </a:xfrm>
       </p:grpSpPr>
-      <mc:AlternateContent xmlns:mc="http://schemas.openxmlformats.org/markup-compatibility/2006" xmlns:a14="http://schemas.microsoft.com/office/drawing/2010/main">
-        <mc:Choice Requires="a14">
+      <mc:AlternateContent xmlns:mc="http://schemas.openxmlformats.org/markup-compatibility/2006">
+        <mc:Choice xmlns:a14="http://schemas.microsoft.com/office/drawing/2010/main" Requires="a14">
           <p:sp>
             <p:nvSpPr>
               <p:cNvPr id="3" name="Content Placeholder 2">
@@ -10213,8 +10544,8 @@
             </p:nvSpPr>
             <p:spPr>
               <a:xfrm>
-                <a:off x="663246" y="1807538"/>
-                <a:ext cx="10058400" cy="4251739"/>
+                <a:off x="663245" y="1713758"/>
+                <a:ext cx="10535797" cy="4720609"/>
               </a:xfrm>
             </p:spPr>
             <p:txBody>
@@ -10224,7 +10555,7 @@
               <a:lstStyle/>
               <a:p>
                 <a:r>
-                  <a:rPr lang="en-US" sz="2600" dirty="0">
+                  <a:rPr lang="en-US" sz="2600">
                     <a:solidFill>
                       <a:schemeClr val="tx1"/>
                     </a:solidFill>
@@ -10234,97 +10565,205 @@
               </a:p>
               <a:p>
                 <a:r>
-                  <a:rPr lang="en-US" sz="2600" dirty="0">
+                  <a:rPr lang="en-US" sz="2600">
                     <a:solidFill>
                       <a:schemeClr val="tx1"/>
                     </a:solidFill>
                   </a:rPr>
-                  <a:t>Efficiently implement to get time complexity of </a:t>
+                  <a:t>Efficiently implement to get expected pre-processing time </a:t>
                 </a:r>
                 <a14:m>
                   <m:oMath xmlns:m="http://schemas.openxmlformats.org/officeDocument/2006/math">
                     <m:r>
-                      <a:rPr lang="en-US" sz="2600" b="0" i="1" smtClean="0">
+                      <a:rPr lang="en-US" sz="2600" b="1" i="1" smtClean="0">
                         <a:solidFill>
                           <a:schemeClr val="tx1"/>
                         </a:solidFill>
                         <a:latin typeface="Cambria Math" panose="02040503050406030204" pitchFamily="18" charset="0"/>
                       </a:rPr>
-                      <m:t>𝑂</m:t>
-                    </m:r>
-                    <m:r>
-                      <a:rPr lang="en-US" sz="2600" b="0" i="1" smtClean="0">
+                      <m:t>𝑶</m:t>
+                    </m:r>
+                    <m:d>
+                      <m:dPr>
+                        <m:ctrlPr>
+                          <a:rPr lang="en-US" sz="2600" b="1" i="1" smtClean="0">
+                            <a:solidFill>
+                              <a:schemeClr val="tx1"/>
+                            </a:solidFill>
+                            <a:latin typeface="Cambria Math" panose="02040503050406030204" pitchFamily="18" charset="0"/>
+                          </a:rPr>
+                        </m:ctrlPr>
+                      </m:dPr>
+                      <m:e>
+                        <m:r>
+                          <a:rPr lang="en-US" sz="2600" b="1" i="1" smtClean="0">
+                            <a:solidFill>
+                              <a:schemeClr val="tx1"/>
+                            </a:solidFill>
+                            <a:latin typeface="Cambria Math" panose="02040503050406030204" pitchFamily="18" charset="0"/>
+                          </a:rPr>
+                          <m:t>𝒌𝒎</m:t>
+                        </m:r>
+                        <m:sSup>
+                          <m:sSupPr>
+                            <m:ctrlPr>
+                              <a:rPr lang="en-US" sz="2600" b="1" i="1" smtClean="0">
+                                <a:solidFill>
+                                  <a:schemeClr val="tx1"/>
+                                </a:solidFill>
+                                <a:latin typeface="Cambria Math" panose="02040503050406030204" pitchFamily="18" charset="0"/>
+                              </a:rPr>
+                            </m:ctrlPr>
+                          </m:sSupPr>
+                          <m:e>
+                            <m:r>
+                              <a:rPr lang="en-US" sz="2600" b="1" i="1" smtClean="0">
+                                <a:solidFill>
+                                  <a:schemeClr val="tx1"/>
+                                </a:solidFill>
+                                <a:latin typeface="Cambria Math" panose="02040503050406030204" pitchFamily="18" charset="0"/>
+                              </a:rPr>
+                              <m:t>𝒏</m:t>
+                            </m:r>
+                          </m:e>
+                          <m:sup>
+                            <m:f>
+                              <m:fPr>
+                                <m:ctrlPr>
+                                  <a:rPr lang="en-US" sz="2600" b="1" i="1" smtClean="0">
+                                    <a:solidFill>
+                                      <a:schemeClr val="tx1"/>
+                                    </a:solidFill>
+                                    <a:latin typeface="Cambria Math" panose="02040503050406030204" pitchFamily="18" charset="0"/>
+                                  </a:rPr>
+                                </m:ctrlPr>
+                              </m:fPr>
+                              <m:num>
+                                <m:r>
+                                  <a:rPr lang="en-US" sz="2600" b="1" i="1" smtClean="0">
+                                    <a:solidFill>
+                                      <a:schemeClr val="tx1"/>
+                                    </a:solidFill>
+                                    <a:latin typeface="Cambria Math" panose="02040503050406030204" pitchFamily="18" charset="0"/>
+                                  </a:rPr>
+                                  <m:t>𝟏</m:t>
+                                </m:r>
+                              </m:num>
+                              <m:den>
+                                <m:r>
+                                  <a:rPr lang="en-US" sz="2600" b="1" i="1" smtClean="0">
+                                    <a:solidFill>
+                                      <a:schemeClr val="tx1"/>
+                                    </a:solidFill>
+                                    <a:latin typeface="Cambria Math" panose="02040503050406030204" pitchFamily="18" charset="0"/>
+                                  </a:rPr>
+                                  <m:t>𝒌</m:t>
+                                </m:r>
+                              </m:den>
+                            </m:f>
+                          </m:sup>
+                        </m:sSup>
+                      </m:e>
+                    </m:d>
+                    <m:r>
+                      <a:rPr lang="en-IN" sz="2600" b="0" i="1" smtClean="0">
                         <a:solidFill>
                           <a:schemeClr val="tx1"/>
                         </a:solidFill>
                         <a:latin typeface="Cambria Math" panose="02040503050406030204" pitchFamily="18" charset="0"/>
                       </a:rPr>
-                      <m:t>(</m:t>
-                    </m:r>
-                    <m:r>
-                      <a:rPr lang="en-US" sz="2600" b="0" i="1" smtClean="0">
-                        <a:solidFill>
-                          <a:schemeClr val="tx1"/>
-                        </a:solidFill>
-                        <a:latin typeface="Cambria Math" panose="02040503050406030204" pitchFamily="18" charset="0"/>
-                      </a:rPr>
-                      <m:t>𝑘𝑚</m:t>
-                    </m:r>
-                    <m:sSup>
-                      <m:sSupPr>
-                        <m:ctrlPr>
-                          <a:rPr lang="en-US" sz="2600" b="0" i="1" smtClean="0">
-                            <a:solidFill>
-                              <a:schemeClr val="tx1"/>
-                            </a:solidFill>
-                            <a:latin typeface="Cambria Math" panose="02040503050406030204" pitchFamily="18" charset="0"/>
-                          </a:rPr>
-                        </m:ctrlPr>
-                      </m:sSupPr>
-                      <m:e>
-                        <m:r>
-                          <a:rPr lang="en-US" sz="2600" b="0" i="1" smtClean="0">
-                            <a:solidFill>
-                              <a:schemeClr val="tx1"/>
-                            </a:solidFill>
-                            <a:latin typeface="Cambria Math" panose="02040503050406030204" pitchFamily="18" charset="0"/>
-                          </a:rPr>
-                          <m:t>𝑛</m:t>
-                        </m:r>
-                      </m:e>
-                      <m:sup>
-                        <m:r>
-                          <a:rPr lang="en-US" sz="2600" b="0" i="1" smtClean="0">
-                            <a:solidFill>
-                              <a:schemeClr val="tx1"/>
-                            </a:solidFill>
-                            <a:latin typeface="Cambria Math" panose="02040503050406030204" pitchFamily="18" charset="0"/>
-                          </a:rPr>
-                          <m:t>1/</m:t>
-                        </m:r>
-                        <m:r>
-                          <a:rPr lang="en-US" sz="2600" b="0" i="1" smtClean="0">
-                            <a:solidFill>
-                              <a:schemeClr val="tx1"/>
-                            </a:solidFill>
-                            <a:latin typeface="Cambria Math" panose="02040503050406030204" pitchFamily="18" charset="0"/>
-                          </a:rPr>
-                          <m:t>𝑘</m:t>
-                        </m:r>
-                      </m:sup>
-                    </m:sSup>
-                    <m:r>
-                      <a:rPr lang="en-US" sz="2600" b="0" i="1" smtClean="0">
-                        <a:solidFill>
-                          <a:schemeClr val="tx1"/>
-                        </a:solidFill>
-                        <a:latin typeface="Cambria Math" panose="02040503050406030204" pitchFamily="18" charset="0"/>
-                      </a:rPr>
-                      <m:t>)</m:t>
+                      <m:t> </m:t>
                     </m:r>
                   </m:oMath>
                 </a14:m>
-                <a:endParaRPr lang="en-IN" sz="2600" dirty="0">
+                <a:r>
+                  <a:rPr lang="en-US" sz="2600"/>
+                  <a:t>using expected space of </a:t>
+                </a:r>
+                <a14:m>
+                  <m:oMath xmlns:m="http://schemas.openxmlformats.org/officeDocument/2006/math">
+                    <m:r>
+                      <a:rPr lang="en-US" sz="2600" b="1" i="1">
+                        <a:latin typeface="Cambria Math" panose="02040503050406030204" pitchFamily="18" charset="0"/>
+                      </a:rPr>
+                      <m:t>𝑶</m:t>
+                    </m:r>
+                    <m:d>
+                      <m:dPr>
+                        <m:ctrlPr>
+                          <a:rPr lang="en-US" sz="2600" b="1" i="1">
+                            <a:latin typeface="Cambria Math" panose="02040503050406030204" pitchFamily="18" charset="0"/>
+                          </a:rPr>
+                        </m:ctrlPr>
+                      </m:dPr>
+                      <m:e>
+                        <m:r>
+                          <a:rPr lang="en-US" sz="2600" b="1" i="1">
+                            <a:latin typeface="Cambria Math" panose="02040503050406030204" pitchFamily="18" charset="0"/>
+                          </a:rPr>
+                          <m:t>𝒌</m:t>
+                        </m:r>
+                        <m:sSup>
+                          <m:sSupPr>
+                            <m:ctrlPr>
+                              <a:rPr lang="en-US" sz="2600" b="1" i="1">
+                                <a:latin typeface="Cambria Math" panose="02040503050406030204" pitchFamily="18" charset="0"/>
+                              </a:rPr>
+                            </m:ctrlPr>
+                          </m:sSupPr>
+                          <m:e>
+                            <m:r>
+                              <a:rPr lang="en-US" sz="2600" b="1" i="1">
+                                <a:latin typeface="Cambria Math" panose="02040503050406030204" pitchFamily="18" charset="0"/>
+                              </a:rPr>
+                              <m:t>𝒏</m:t>
+                            </m:r>
+                          </m:e>
+                          <m:sup>
+                            <m:r>
+                              <a:rPr lang="en-IN" sz="2600" b="1" i="1" smtClean="0">
+                                <a:latin typeface="Cambria Math" panose="02040503050406030204" pitchFamily="18" charset="0"/>
+                              </a:rPr>
+                              <m:t>𝟏</m:t>
+                            </m:r>
+                            <m:r>
+                              <a:rPr lang="en-IN" sz="2600" b="1" i="1" smtClean="0">
+                                <a:latin typeface="Cambria Math" panose="02040503050406030204" pitchFamily="18" charset="0"/>
+                              </a:rPr>
+                              <m:t>+</m:t>
+                            </m:r>
+                            <m:f>
+                              <m:fPr>
+                                <m:ctrlPr>
+                                  <a:rPr lang="en-US" sz="2600" b="1" i="1">
+                                    <a:latin typeface="Cambria Math" panose="02040503050406030204" pitchFamily="18" charset="0"/>
+                                  </a:rPr>
+                                </m:ctrlPr>
+                              </m:fPr>
+                              <m:num>
+                                <m:r>
+                                  <a:rPr lang="en-US" sz="2600" b="1" i="1">
+                                    <a:latin typeface="Cambria Math" panose="02040503050406030204" pitchFamily="18" charset="0"/>
+                                  </a:rPr>
+                                  <m:t>𝟏</m:t>
+                                </m:r>
+                              </m:num>
+                              <m:den>
+                                <m:r>
+                                  <a:rPr lang="en-US" sz="2600" b="1" i="1">
+                                    <a:latin typeface="Cambria Math" panose="02040503050406030204" pitchFamily="18" charset="0"/>
+                                  </a:rPr>
+                                  <m:t>𝒌</m:t>
+                                </m:r>
+                              </m:den>
+                            </m:f>
+                          </m:sup>
+                        </m:sSup>
+                      </m:e>
+                    </m:d>
+                  </m:oMath>
+                </a14:m>
+                <a:endParaRPr lang="en-IN" sz="2600" b="1">
                   <a:solidFill>
                     <a:schemeClr val="tx1"/>
                   </a:solidFill>
@@ -10332,16 +10771,16 @@
               </a:p>
               <a:p>
                 <a:r>
-                  <a:rPr lang="en-IN" sz="2600" dirty="0">
+                  <a:rPr lang="en-IN" sz="2600">
                     <a:solidFill>
                       <a:schemeClr val="tx1"/>
                     </a:solidFill>
                   </a:rPr>
-                  <a:t>Running on real-world graphs and stretch analysis</a:t>
+                  <a:t>Experimentation on real-world graphs and stretch analysis</a:t>
                 </a:r>
               </a:p>
               <a:p>
-                <a:endParaRPr lang="en-IN" sz="2600" dirty="0">
+                <a:endParaRPr lang="en-IN" sz="2600">
                   <a:solidFill>
                     <a:schemeClr val="tx1"/>
                   </a:solidFill>
@@ -10352,7 +10791,7 @@
                   <a:buNone/>
                 </a:pPr>
                 <a:r>
-                  <a:rPr lang="en-US" sz="2600" dirty="0">
+                  <a:rPr lang="en-US" sz="2600">
                     <a:solidFill>
                       <a:schemeClr val="tx1"/>
                     </a:solidFill>
@@ -10423,7 +10862,7 @@
                   </m:oMath>
                 </a14:m>
                 <a:r>
-                  <a:rPr lang="en-US" sz="2600" dirty="0">
+                  <a:rPr lang="en-US" sz="2600">
                     <a:solidFill>
                       <a:schemeClr val="tx1"/>
                     </a:solidFill>
@@ -10436,7 +10875,7 @@
                   <a:buNone/>
                 </a:pPr>
                 <a:r>
-                  <a:rPr lang="en-US" sz="2600" dirty="0">
+                  <a:rPr lang="en-US" sz="2600">
                     <a:solidFill>
                       <a:schemeClr val="tx1"/>
                     </a:solidFill>
@@ -10493,7 +10932,7 @@
                   </m:oMath>
                 </a14:m>
                 <a:r>
-                  <a:rPr lang="en-US" sz="2600" dirty="0">
+                  <a:rPr lang="en-US" sz="2600">
                     <a:solidFill>
                       <a:schemeClr val="tx1"/>
                     </a:solidFill>
@@ -10574,7 +11013,7 @@
                   </m:oMath>
                 </a14:m>
                 <a:r>
-                  <a:rPr lang="en-US" sz="2600" b="1" dirty="0">
+                  <a:rPr lang="en-US" sz="2600" b="1">
                     <a:solidFill>
                       <a:schemeClr val="tx1"/>
                     </a:solidFill>
@@ -10582,7 +11021,7 @@
                   <a:t> </a:t>
                 </a:r>
                 <a:r>
-                  <a:rPr lang="en-US" sz="2600" dirty="0">
+                  <a:rPr lang="en-US" sz="2600">
                     <a:solidFill>
                       <a:schemeClr val="tx1"/>
                     </a:solidFill>
@@ -10610,27 +11049,27 @@
                       <m:t>(</m:t>
                     </m:r>
                     <m:r>
+                      <a:rPr lang="en-IN" sz="2600" b="1" i="1" smtClean="0">
+                        <a:solidFill>
+                          <a:schemeClr val="tx1"/>
+                        </a:solidFill>
+                        <a:latin typeface="Cambria Math" panose="02040503050406030204" pitchFamily="18" charset="0"/>
+                      </a:rPr>
+                      <m:t>𝒌</m:t>
+                    </m:r>
+                    <m:r>
                       <a:rPr lang="en-US" sz="2600" b="1" i="1">
                         <a:solidFill>
                           <a:schemeClr val="tx1"/>
                         </a:solidFill>
                         <a:latin typeface="Cambria Math" panose="02040503050406030204" pitchFamily="18" charset="0"/>
                       </a:rPr>
-                      <m:t>𝟏</m:t>
-                    </m:r>
-                    <m:r>
-                      <a:rPr lang="en-US" sz="2600" b="1" i="1">
-                        <a:solidFill>
-                          <a:schemeClr val="tx1"/>
-                        </a:solidFill>
-                        <a:latin typeface="Cambria Math" panose="02040503050406030204" pitchFamily="18" charset="0"/>
-                      </a:rPr>
                       <m:t>)</m:t>
                     </m:r>
                   </m:oMath>
                 </a14:m>
                 <a:r>
-                  <a:rPr lang="en-US" sz="2600" dirty="0">
+                  <a:rPr lang="en-US" sz="2600">
                     <a:solidFill>
                       <a:schemeClr val="tx1"/>
                     </a:solidFill>
@@ -10897,7 +11336,7 @@
                     </m:oMath>
                   </m:oMathPara>
                 </a14:m>
-                <a:endParaRPr lang="en-US" sz="2600" dirty="0">
+                <a:endParaRPr lang="en-US" sz="2600">
                   <a:solidFill>
                     <a:schemeClr val="tx1"/>
                   </a:solidFill>
@@ -10921,14 +11360,14 @@
                   </m:oMath>
                 </a14:m>
                 <a:r>
-                  <a:rPr lang="en-US" sz="2600" dirty="0">
+                  <a:rPr lang="en-US" sz="2600">
                     <a:solidFill>
                       <a:schemeClr val="tx1"/>
                     </a:solidFill>
                   </a:rPr>
                   <a:t>: integer </a:t>
                 </a:r>
-                <a:endParaRPr lang="en-IN" sz="2600" dirty="0">
+                <a:endParaRPr lang="en-IN" sz="2600">
                   <a:solidFill>
                     <a:schemeClr val="tx1"/>
                   </a:solidFill>
@@ -10937,7 +11376,7 @@
             </p:txBody>
           </p:sp>
         </mc:Choice>
-        <mc:Fallback xmlns="">
+        <mc:Fallback>
           <p:sp>
             <p:nvSpPr>
               <p:cNvPr id="3" name="Content Placeholder 2">
@@ -10956,13 +11395,13 @@
             </p:nvSpPr>
             <p:spPr>
               <a:xfrm>
-                <a:off x="663246" y="1807538"/>
-                <a:ext cx="10058400" cy="4251739"/>
+                <a:off x="663245" y="1713758"/>
+                <a:ext cx="10535797" cy="4720609"/>
               </a:xfrm>
               <a:blipFill>
                 <a:blip r:embed="rId2"/>
                 <a:stretch>
-                  <a:fillRect l="-1135" t="-2381" b="-298"/>
+                  <a:fillRect l="-1042" t="-1935" r="-1389" b="-903"/>
                 </a:stretch>
               </a:blipFill>
             </p:spPr>
@@ -11036,7 +11475,7 @@
           </a:lstStyle>
           <a:p>
             <a:r>
-              <a:rPr lang="en-IN" dirty="0"/>
+              <a:rPr lang="en-IN"/>
               <a:t>PROBLEM INTRODUCTION</a:t>
             </a:r>
           </a:p>
@@ -11072,8 +11511,8 @@
           <a:chExt cx="0" cy="0"/>
         </a:xfrm>
       </p:grpSpPr>
-      <mc:AlternateContent xmlns:mc="http://schemas.openxmlformats.org/markup-compatibility/2006" xmlns:a14="http://schemas.microsoft.com/office/drawing/2010/main">
-        <mc:Choice Requires="a14">
+      <mc:AlternateContent xmlns:mc="http://schemas.openxmlformats.org/markup-compatibility/2006">
+        <mc:Choice xmlns:a14="http://schemas.microsoft.com/office/drawing/2010/main" Requires="a14">
           <p:sp>
             <p:nvSpPr>
               <p:cNvPr id="3" name="Content Placeholder 2">
@@ -11092,8 +11531,8 @@
             </p:nvSpPr>
             <p:spPr>
               <a:xfrm>
-                <a:off x="682858" y="1850938"/>
-                <a:ext cx="10701440" cy="3225387"/>
+                <a:off x="682857" y="1861824"/>
+                <a:ext cx="11260903" cy="3225387"/>
               </a:xfrm>
             </p:spPr>
             <p:txBody>
@@ -11103,88 +11542,98 @@
               <a:lstStyle/>
               <a:p>
                 <a:r>
-                  <a:rPr lang="en-IN" sz="2600" dirty="0"/>
-                  <a:t>The notion of landmarks and ball as discussed in lecture. </a:t>
+                  <a:rPr lang="en-IN" sz="2600"/>
+                  <a:t>The notion of </a:t>
+                </a:r>
+                <a:r>
+                  <a:rPr lang="en-IN" sz="2600" b="1"/>
+                  <a:t>landmarks</a:t>
+                </a:r>
+                <a:r>
+                  <a:rPr lang="en-IN" sz="2600"/>
+                  <a:t> and </a:t>
+                </a:r>
+                <a:r>
+                  <a:rPr lang="en-IN" sz="2600" b="1"/>
+                  <a:t>ball</a:t>
+                </a:r>
+                <a:r>
+                  <a:rPr lang="en-IN" sz="2600"/>
+                  <a:t> as discussed in lecture. </a:t>
                 </a:r>
               </a:p>
               <a:p>
                 <a:r>
-                  <a:rPr lang="en-IN" sz="2600" dirty="0"/>
-                  <a:t>Workout: Time complexity</a:t>
+                  <a:rPr lang="en-IN" sz="2600"/>
+                  <a:t>Time Complexity: Bottleneck is ball computation in </a:t>
+                </a:r>
+                <a14:m>
+                  <m:oMath xmlns:m="http://schemas.openxmlformats.org/officeDocument/2006/math">
+                    <m:r>
+                      <a:rPr lang="en-US" sz="2600" b="0" i="1" smtClean="0">
+                        <a:latin typeface="Cambria Math" panose="02040503050406030204" pitchFamily="18" charset="0"/>
+                      </a:rPr>
+                      <m:t>𝑂</m:t>
+                    </m:r>
+                    <m:r>
+                      <a:rPr lang="en-US" sz="2600" b="0" i="1" smtClean="0">
+                        <a:latin typeface="Cambria Math" panose="02040503050406030204" pitchFamily="18" charset="0"/>
+                      </a:rPr>
+                      <m:t>(</m:t>
+                    </m:r>
+                    <m:r>
+                      <a:rPr lang="en-US" sz="2600" b="0" i="1" smtClean="0">
+                        <a:latin typeface="Cambria Math" panose="02040503050406030204" pitchFamily="18" charset="0"/>
+                      </a:rPr>
+                      <m:t>𝑚</m:t>
+                    </m:r>
+                    <m:sSup>
+                      <m:sSupPr>
+                        <m:ctrlPr>
+                          <a:rPr lang="en-US" sz="2600" b="0" i="1" smtClean="0">
+                            <a:latin typeface="Cambria Math" panose="02040503050406030204" pitchFamily="18" charset="0"/>
+                          </a:rPr>
+                        </m:ctrlPr>
+                      </m:sSupPr>
+                      <m:e>
+                        <m:r>
+                          <a:rPr lang="en-US" sz="2600" b="0" i="1" smtClean="0">
+                            <a:latin typeface="Cambria Math" panose="02040503050406030204" pitchFamily="18" charset="0"/>
+                          </a:rPr>
+                          <m:t>𝑛</m:t>
+                        </m:r>
+                      </m:e>
+                      <m:sup>
+                        <m:r>
+                          <a:rPr lang="en-US" sz="2600" b="0" i="1" smtClean="0">
+                            <a:latin typeface="Cambria Math" panose="02040503050406030204" pitchFamily="18" charset="0"/>
+                          </a:rPr>
+                          <m:t>1/</m:t>
+                        </m:r>
+                        <m:r>
+                          <a:rPr lang="en-IN" sz="2600" b="0" i="1" smtClean="0">
+                            <a:latin typeface="Cambria Math" panose="02040503050406030204" pitchFamily="18" charset="0"/>
+                          </a:rPr>
+                          <m:t>2</m:t>
+                        </m:r>
+                      </m:sup>
+                    </m:sSup>
+                    <m:r>
+                      <a:rPr lang="en-US" sz="2600" b="0" i="1" smtClean="0">
+                        <a:latin typeface="Cambria Math" panose="02040503050406030204" pitchFamily="18" charset="0"/>
+                      </a:rPr>
+                      <m:t>)</m:t>
+                    </m:r>
+                  </m:oMath>
+                </a14:m>
+                <a:r>
+                  <a:rPr lang="en-IN" sz="2600"/>
+                  <a:t> expected time. </a:t>
                 </a:r>
               </a:p>
               <a:p>
                 <a:r>
-                  <a:rPr lang="en-IN" sz="2600" dirty="0"/>
-                  <a:t>Time Complexity: Bottleneck is ball computation in </a:t>
-                </a:r>
-                <a14:m>
-                  <m:oMath xmlns:m="http://schemas.openxmlformats.org/officeDocument/2006/math">
-                    <m:r>
-                      <a:rPr lang="en-US" sz="2600" b="0" i="1" smtClean="0">
-                        <a:latin typeface="Cambria Math" panose="02040503050406030204" pitchFamily="18" charset="0"/>
-                      </a:rPr>
-                      <m:t>𝑂</m:t>
-                    </m:r>
-                    <m:r>
-                      <a:rPr lang="en-US" sz="2600" b="0" i="1" smtClean="0">
-                        <a:latin typeface="Cambria Math" panose="02040503050406030204" pitchFamily="18" charset="0"/>
-                      </a:rPr>
-                      <m:t>(</m:t>
-                    </m:r>
-                    <m:r>
-                      <a:rPr lang="en-US" sz="2600" b="0" i="1" smtClean="0">
-                        <a:latin typeface="Cambria Math" panose="02040503050406030204" pitchFamily="18" charset="0"/>
-                      </a:rPr>
-                      <m:t>𝑚</m:t>
-                    </m:r>
-                    <m:sSup>
-                      <m:sSupPr>
-                        <m:ctrlPr>
-                          <a:rPr lang="en-US" sz="2600" b="0" i="1" smtClean="0">
-                            <a:latin typeface="Cambria Math" panose="02040503050406030204" pitchFamily="18" charset="0"/>
-                          </a:rPr>
-                        </m:ctrlPr>
-                      </m:sSupPr>
-                      <m:e>
-                        <m:r>
-                          <a:rPr lang="en-US" sz="2600" b="0" i="1" smtClean="0">
-                            <a:latin typeface="Cambria Math" panose="02040503050406030204" pitchFamily="18" charset="0"/>
-                          </a:rPr>
-                          <m:t>𝑛</m:t>
-                        </m:r>
-                      </m:e>
-                      <m:sup>
-                        <m:r>
-                          <a:rPr lang="en-US" sz="2600" b="0" i="1" smtClean="0">
-                            <a:latin typeface="Cambria Math" panose="02040503050406030204" pitchFamily="18" charset="0"/>
-                          </a:rPr>
-                          <m:t>1/</m:t>
-                        </m:r>
-                        <m:r>
-                          <a:rPr lang="en-IN" sz="2600" b="0" i="1" smtClean="0">
-                            <a:latin typeface="Cambria Math" panose="02040503050406030204" pitchFamily="18" charset="0"/>
-                          </a:rPr>
-                          <m:t>2</m:t>
-                        </m:r>
-                      </m:sup>
-                    </m:sSup>
-                    <m:r>
-                      <a:rPr lang="en-US" sz="2600" b="0" i="1" smtClean="0">
-                        <a:latin typeface="Cambria Math" panose="02040503050406030204" pitchFamily="18" charset="0"/>
-                      </a:rPr>
-                      <m:t>)</m:t>
-                    </m:r>
-                  </m:oMath>
-                </a14:m>
-                <a:r>
-                  <a:rPr lang="en-IN" sz="2600" dirty="0"/>
-                  <a:t> time. </a:t>
-                </a:r>
-              </a:p>
-              <a:p>
-                <a:r>
-                  <a:rPr lang="en-IN" sz="2600" dirty="0"/>
+                  <a:rPr lang="en-IN" sz="2600"/>
                   <a:t> E[size of a ball] = </a:t>
                 </a:r>
                 <a14:m>
@@ -11223,8 +11672,16 @@
                   </m:oMath>
                 </a14:m>
                 <a:r>
-                  <a:rPr lang="en-IN" sz="2600" dirty="0"/>
-                  <a:t> but we can’t use Dijkstra as even if we limit vertices explored from vertex u by </a:t>
+                  <a:rPr lang="en-IN" sz="2600"/>
+                  <a:t> but we </a:t>
+                </a:r>
+                <a:r>
+                  <a:rPr lang="en-IN" sz="2600" b="1"/>
+                  <a:t>can’t use full-blown Dijkstra</a:t>
+                </a:r>
+                <a:r>
+                  <a:rPr lang="en-IN" sz="2600"/>
+                  <a:t>, as even if we limit vertices explored from vertex u by </a:t>
                 </a:r>
                 <a14:m>
                   <m:oMath xmlns:m="http://schemas.openxmlformats.org/officeDocument/2006/math">
@@ -11299,8 +11756,8 @@
                   </m:oMath>
                 </a14:m>
                 <a:r>
-                  <a:rPr lang="en-IN" sz="2600" dirty="0"/>
-                  <a:t>(u, L(u)) then we may still need to relax many edges leading to </a:t>
+                  <a:rPr lang="en-IN" sz="2600"/>
+                  <a:t>(u, L(u)), we may still need to relax many edges, leading to </a:t>
                 </a:r>
                 <a14:m>
                   <m:oMath xmlns:m="http://schemas.openxmlformats.org/officeDocument/2006/math">
@@ -11320,12 +11777,12 @@
                       <a:rPr lang="en-US" sz="2600" i="1">
                         <a:latin typeface="Cambria Math" panose="02040503050406030204" pitchFamily="18" charset="0"/>
                       </a:rPr>
-                      <m:t>𝑚𝑛</m:t>
+                      <m:t>𝑚</m:t>
                     </m:r>
                     <m:sSup>
                       <m:sSupPr>
                         <m:ctrlPr>
-                          <a:rPr lang="en-US" sz="2600" i="1">
+                          <a:rPr lang="en-US" sz="2600" i="1" smtClean="0">
                             <a:latin typeface="Cambria Math" panose="02040503050406030204" pitchFamily="18" charset="0"/>
                           </a:rPr>
                         </m:ctrlPr>
@@ -11340,10 +11797,16 @@
                       </m:e>
                       <m:sup>
                         <m:r>
+                          <a:rPr lang="en-IN" sz="2600" b="0" i="1" smtClean="0">
+                            <a:latin typeface="Cambria Math" panose="02040503050406030204" pitchFamily="18" charset="0"/>
+                          </a:rPr>
+                          <m:t>3</m:t>
+                        </m:r>
+                        <m:r>
                           <a:rPr lang="en-US" sz="2600" i="1">
                             <a:latin typeface="Cambria Math" panose="02040503050406030204" pitchFamily="18" charset="0"/>
                           </a:rPr>
-                          <m:t>1/</m:t>
+                          <m:t>/</m:t>
                         </m:r>
                         <m:r>
                           <a:rPr lang="en-IN" sz="2600" i="1">
@@ -11362,14 +11825,14 @@
                   </m:oMath>
                 </a14:m>
                 <a:r>
-                  <a:rPr lang="en-IN" sz="2600" dirty="0"/>
-                  <a:t> time for finding distance from each landmark to all vertices. </a:t>
+                  <a:rPr lang="en-IN" sz="2600"/>
+                  <a:t> expected time for finding distance from each landmark to all vertices. </a:t>
                 </a:r>
               </a:p>
             </p:txBody>
           </p:sp>
         </mc:Choice>
-        <mc:Fallback xmlns="">
+        <mc:Fallback>
           <p:sp>
             <p:nvSpPr>
               <p:cNvPr id="3" name="Content Placeholder 2">
@@ -11388,13 +11851,13 @@
             </p:nvSpPr>
             <p:spPr>
               <a:xfrm>
-                <a:off x="682858" y="1850938"/>
-                <a:ext cx="10701440" cy="3225387"/>
+                <a:off x="682857" y="1861824"/>
+                <a:ext cx="11260903" cy="3225387"/>
               </a:xfrm>
               <a:blipFill>
                 <a:blip r:embed="rId2"/>
                 <a:stretch>
-                  <a:fillRect l="-829" t="-2745" r="-829"/>
+                  <a:fillRect l="-812" t="-2830" r="-1516"/>
                 </a:stretch>
               </a:blipFill>
             </p:spPr>
@@ -12135,7 +12598,7 @@
             <a:lstStyle/>
             <a:p>
               <a:r>
-                <a:rPr lang="en-IN" sz="2000" dirty="0"/>
+                <a:rPr lang="en-IN" sz="2000"/>
                 <a:t>Edges to other vertices relaxed </a:t>
               </a:r>
             </a:p>
@@ -12197,7 +12660,7 @@
           </a:lstStyle>
           <a:p>
             <a:r>
-              <a:rPr lang="en-IN" dirty="0"/>
+              <a:rPr lang="en-IN"/>
               <a:t>3-Approximate Distance Oracle</a:t>
             </a:r>
           </a:p>
@@ -12239,8 +12702,8 @@
           <a:chExt cx="0" cy="0"/>
         </a:xfrm>
       </p:grpSpPr>
-      <mc:AlternateContent xmlns:mc="http://schemas.openxmlformats.org/markup-compatibility/2006" xmlns:a14="http://schemas.microsoft.com/office/drawing/2010/main">
-        <mc:Choice Requires="a14">
+      <mc:AlternateContent xmlns:mc="http://schemas.openxmlformats.org/markup-compatibility/2006">
+        <mc:Choice xmlns:a14="http://schemas.microsoft.com/office/drawing/2010/main" Requires="a14">
           <p:sp>
             <p:nvSpPr>
               <p:cNvPr id="3" name="Content Placeholder 2">
@@ -12259,7 +12722,7 @@
             </p:nvSpPr>
             <p:spPr>
               <a:xfrm>
-                <a:off x="674132" y="1456054"/>
+                <a:off x="909802" y="937580"/>
                 <a:ext cx="10058400" cy="4382888"/>
               </a:xfrm>
             </p:spPr>
@@ -12270,7 +12733,7 @@
               <a:lstStyle/>
               <a:p>
                 <a:r>
-                  <a:rPr lang="en-IN" sz="2600" dirty="0"/>
+                  <a:rPr lang="en-IN" sz="2600"/>
                   <a:t>We try to use the vertex </a:t>
                 </a:r>
                 <a14:m>
@@ -12284,7 +12747,7 @@
                   </m:oMath>
                 </a14:m>
                 <a:r>
-                  <a:rPr lang="en-IN" sz="2600" dirty="0"/>
+                  <a:rPr lang="en-IN" sz="2600"/>
                   <a:t> for computation of vertex </a:t>
                 </a:r>
                 <a14:m>
@@ -12302,7 +12765,7 @@
                   </m:oMath>
                 </a14:m>
                 <a:r>
-                  <a:rPr lang="en-IN" sz="2600" dirty="0"/>
+                  <a:rPr lang="en-IN" sz="2600"/>
                   <a:t> such that  </a:t>
                 </a:r>
                 <a14:m>
@@ -12367,7 +12830,7 @@
                   </m:oMath>
                 </a14:m>
                 <a:r>
-                  <a:rPr lang="en-IN" sz="2600" b="0" dirty="0">
+                  <a:rPr lang="en-IN" sz="2600" b="0">
                     <a:ea typeface="Cambria Math" panose="02040503050406030204" pitchFamily="18" charset="0"/>
                   </a:rPr>
                   <a:t>.</a:t>
@@ -12375,39 +12838,45 @@
               </a:p>
               <a:p>
                 <a:r>
-                  <a:rPr lang="en-IN" sz="2600" dirty="0"/>
+                  <a:rPr lang="en-IN" sz="2600"/>
                   <a:t>Define </a:t>
                 </a:r>
                 <a14:m>
                   <m:oMath xmlns:m="http://schemas.openxmlformats.org/officeDocument/2006/math">
                     <m:r>
-                      <a:rPr lang="en-IN" sz="2600" b="0" i="1" smtClean="0">
-                        <a:latin typeface="Cambria Math" panose="02040503050406030204" pitchFamily="18" charset="0"/>
-                      </a:rPr>
-                      <m:t>𝑔𝑟𝑜𝑢𝑝</m:t>
+                      <a:rPr lang="en-IN" sz="2600" b="1" i="1" smtClean="0">
+                        <a:latin typeface="Cambria Math" panose="02040503050406030204" pitchFamily="18" charset="0"/>
+                      </a:rPr>
+                      <m:t>𝒈𝒓𝒐𝒖𝒑</m:t>
                     </m:r>
                     <m:d>
                       <m:dPr>
                         <m:ctrlPr>
-                          <a:rPr lang="en-IN" sz="2600" b="0" i="1" smtClean="0">
+                          <a:rPr lang="en-IN" sz="2600" b="1" i="1" smtClean="0">
                             <a:latin typeface="Cambria Math" panose="02040503050406030204" pitchFamily="18" charset="0"/>
                           </a:rPr>
                         </m:ctrlPr>
                       </m:dPr>
                       <m:e>
                         <m:r>
-                          <a:rPr lang="en-IN" sz="2600" b="0" i="1" smtClean="0">
-                            <a:latin typeface="Cambria Math" panose="02040503050406030204" pitchFamily="18" charset="0"/>
-                          </a:rPr>
-                          <m:t>𝑢</m:t>
+                          <a:rPr lang="en-IN" sz="2600" b="1" i="1" smtClean="0">
+                            <a:latin typeface="Cambria Math" panose="02040503050406030204" pitchFamily="18" charset="0"/>
+                          </a:rPr>
+                          <m:t>𝒖</m:t>
                         </m:r>
                       </m:e>
                     </m:d>
                     <m:r>
+                      <a:rPr lang="en-IN" sz="2600" b="1" i="1" smtClean="0">
+                        <a:latin typeface="Cambria Math" panose="02040503050406030204" pitchFamily="18" charset="0"/>
+                      </a:rPr>
+                      <m:t> </m:t>
+                    </m:r>
+                    <m:r>
                       <a:rPr lang="en-IN" sz="2600" b="0" i="1" smtClean="0">
                         <a:latin typeface="Cambria Math" panose="02040503050406030204" pitchFamily="18" charset="0"/>
                       </a:rPr>
-                      <m:t> ≔</m:t>
+                      <m:t>≔</m:t>
                     </m:r>
                     <m:d>
                       <m:dPr>
@@ -12497,11 +12966,11 @@
                   </m:oMath>
                 </a14:m>
                 <a:r>
-                  <a:rPr lang="en-IN" sz="2600" dirty="0"/>
+                  <a:rPr lang="en-IN" sz="2600"/>
                   <a:t> for all</a:t>
                 </a:r>
                 <a:r>
-                  <a:rPr lang="en-US" sz="2600" dirty="0"/>
+                  <a:rPr lang="en-US" sz="2600"/>
                   <a:t> landmark points </a:t>
                 </a:r>
                 <a14:m>
@@ -12520,12 +12989,12 @@
                     </m:r>
                   </m:oMath>
                 </a14:m>
-                <a:endParaRPr lang="en-IN" sz="2600" dirty="0"/>
+                <a:endParaRPr lang="en-IN" sz="2600"/>
               </a:p>
               <a:p>
                 <a:r>
-                  <a:rPr lang="en-IN" sz="2600" dirty="0"/>
-                  <a:t>Lemma: On the shortest path from vertex </a:t>
+                  <a:rPr lang="en-IN" sz="2600"/>
+                  <a:t>Lemma: All the vertices lying on the shortest path from vertex </a:t>
                 </a:r>
                 <a14:m>
                   <m:oMath xmlns:m="http://schemas.openxmlformats.org/officeDocument/2006/math">
@@ -12533,13 +13002,13 @@
                       <m:rPr>
                         <m:sty m:val="p"/>
                       </m:rPr>
-                      <a:rPr lang="en-IN" sz="2600" b="0" i="0" smtClean="0">
+                      <a:rPr lang="en-IN" sz="2600">
                         <a:latin typeface="Cambria Math" panose="02040503050406030204" pitchFamily="18" charset="0"/>
                       </a:rPr>
                       <m:t>u</m:t>
                     </m:r>
                     <m:r>
-                      <a:rPr lang="en-IN" sz="2600" b="0" i="0" smtClean="0">
+                      <a:rPr lang="en-IN" sz="2600">
                         <a:latin typeface="Cambria Math" panose="02040503050406030204" pitchFamily="18" charset="0"/>
                       </a:rPr>
                       <m:t> </m:t>
@@ -12547,13 +13016,13 @@
                   </m:oMath>
                 </a14:m>
                 <a:r>
-                  <a:rPr lang="en-IN" sz="2600" dirty="0"/>
+                  <a:rPr lang="en-IN" sz="2600"/>
                   <a:t> to</a:t>
                 </a:r>
                 <a14:m>
                   <m:oMath xmlns:m="http://schemas.openxmlformats.org/officeDocument/2006/math">
                     <m:r>
-                      <a:rPr lang="en-IN" sz="2600" b="0" i="0" smtClean="0">
+                      <a:rPr lang="en-IN" sz="2600">
                         <a:latin typeface="Cambria Math" panose="02040503050406030204" pitchFamily="18" charset="0"/>
                       </a:rPr>
                       <m:t> </m:t>
@@ -12565,7 +13034,7 @@
                       <m:t>𝑣</m:t>
                     </m:r>
                     <m:r>
-                      <a:rPr lang="en-IN" sz="2600" b="0" i="1" smtClean="0">
+                      <a:rPr lang="en-IN" sz="2600" i="1">
                         <a:latin typeface="Cambria Math" panose="02040503050406030204" pitchFamily="18" charset="0"/>
                       </a:rPr>
                       <m:t> </m:t>
@@ -12578,7 +13047,7 @@
                       <m:t>𝜖</m:t>
                     </m:r>
                     <m:r>
-                      <a:rPr lang="en-IN" sz="2600" b="0" i="1" smtClean="0">
+                      <a:rPr lang="en-IN" sz="2600" i="1">
                         <a:latin typeface="Cambria Math" panose="02040503050406030204" pitchFamily="18" charset="0"/>
                         <a:ea typeface="Cambria Math" panose="02040503050406030204" pitchFamily="18" charset="0"/>
                       </a:rPr>
@@ -12607,17 +13076,11 @@
                         </m:r>
                       </m:e>
                     </m:d>
-                    <m:r>
-                      <a:rPr lang="en-IN" sz="2600" i="1">
-                        <a:latin typeface="Cambria Math" panose="02040503050406030204" pitchFamily="18" charset="0"/>
-                      </a:rPr>
-                      <m:t> </m:t>
-                    </m:r>
                   </m:oMath>
                 </a14:m>
                 <a:r>
-                  <a:rPr lang="en-IN" sz="2600" dirty="0"/>
-                  <a:t>, all the vertices must also belong to </a:t>
+                  <a:rPr lang="en-IN" sz="2600"/>
+                  <a:t>, must also belong to </a:t>
                 </a:r>
                 <a14:m>
                   <m:oMath xmlns:m="http://schemas.openxmlformats.org/officeDocument/2006/math">
@@ -12652,41 +13115,45 @@
                     </m:r>
                   </m:oMath>
                 </a14:m>
-                <a:endParaRPr lang="en-IN" sz="2600" dirty="0"/>
+                <a:endParaRPr lang="en-IN" sz="2600"/>
               </a:p>
               <a:p>
                 <a:r>
-                  <a:rPr lang="en-IN" sz="2600" dirty="0"/>
+                  <a:rPr lang="en-IN" sz="2600"/>
                   <a:t>Property: As Dijkstra progresses, the distance computed never increases.</a:t>
                 </a:r>
               </a:p>
               <a:p>
                 <a:r>
-                  <a:rPr lang="en-IN" sz="2600" dirty="0"/>
-                  <a:t>Using both of above, we need to visit only those vertices which belong to </a:t>
+                  <a:rPr lang="en-IN" sz="2600"/>
+                  <a:t>Using both of above, we need to </a:t>
+                </a:r>
+                <a:r>
+                  <a:rPr lang="en-IN" sz="2600" b="1"/>
+                  <a:t>visit only those vertices which belong to </a:t>
                 </a:r>
                 <a14:m>
                   <m:oMath xmlns:m="http://schemas.openxmlformats.org/officeDocument/2006/math">
                     <m:r>
-                      <a:rPr lang="en-IN" sz="2600" b="0" i="1" smtClean="0">
-                        <a:latin typeface="Cambria Math" panose="02040503050406030204" pitchFamily="18" charset="0"/>
-                      </a:rPr>
-                      <m:t>𝑔𝑟𝑜𝑢𝑝</m:t>
-                    </m:r>
-                    <m:r>
-                      <a:rPr lang="en-IN" sz="2600" b="0" i="1" smtClean="0">
+                      <a:rPr lang="en-IN" sz="2600" b="1" i="1" smtClean="0">
+                        <a:latin typeface="Cambria Math" panose="02040503050406030204" pitchFamily="18" charset="0"/>
+                      </a:rPr>
+                      <m:t>𝒈𝒓𝒐𝒖𝒑</m:t>
+                    </m:r>
+                    <m:r>
+                      <a:rPr lang="en-IN" sz="2600" b="1" i="1" smtClean="0">
                         <a:latin typeface="Cambria Math" panose="02040503050406030204" pitchFamily="18" charset="0"/>
                       </a:rPr>
                       <m:t>(</m:t>
                     </m:r>
                     <m:r>
-                      <a:rPr lang="en-IN" sz="2600" b="0" i="1" smtClean="0">
-                        <a:latin typeface="Cambria Math" panose="02040503050406030204" pitchFamily="18" charset="0"/>
-                      </a:rPr>
-                      <m:t>𝑢</m:t>
-                    </m:r>
-                    <m:r>
-                      <a:rPr lang="en-IN" sz="2600" b="0" i="1" smtClean="0">
+                      <a:rPr lang="en-IN" sz="2600" b="1" i="1" smtClean="0">
+                        <a:latin typeface="Cambria Math" panose="02040503050406030204" pitchFamily="18" charset="0"/>
+                      </a:rPr>
+                      <m:t>𝒖</m:t>
+                    </m:r>
+                    <m:r>
+                      <a:rPr lang="en-IN" sz="2600" b="1" i="1" smtClean="0">
                         <a:latin typeface="Cambria Math" panose="02040503050406030204" pitchFamily="18" charset="0"/>
                       </a:rPr>
                       <m:t>)</m:t>
@@ -12694,8 +13161,12 @@
                   </m:oMath>
                 </a14:m>
                 <a:r>
-                  <a:rPr lang="en-IN" sz="2600" dirty="0"/>
-                  <a:t> at any point in Dijkstra. This means, an edge (</a:t>
+                  <a:rPr lang="en-IN" sz="2600" b="1"/>
+                  <a:t> </a:t>
+                </a:r>
+                <a:r>
+                  <a:rPr lang="en-IN" sz="2600"/>
+                  <a:t>at any point in Dijkstra. This means, an edge (</a:t>
                 </a:r>
                 <a14:m>
                   <m:oMath xmlns:m="http://schemas.openxmlformats.org/officeDocument/2006/math">
@@ -12708,7 +13179,7 @@
                   </m:oMath>
                 </a14:m>
                 <a:r>
-                  <a:rPr lang="en-IN" sz="2600" dirty="0"/>
+                  <a:rPr lang="en-IN" sz="2600"/>
                   <a:t>, </a:t>
                 </a:r>
                 <a14:m>
@@ -12722,7 +13193,7 @@
                   </m:oMath>
                 </a14:m>
                 <a:r>
-                  <a:rPr lang="en-IN" sz="2600" dirty="0"/>
+                  <a:rPr lang="en-IN" sz="2600"/>
                   <a:t>) is relaxed using an addition condition from vertex </a:t>
                 </a:r>
                 <a14:m>
@@ -12736,20 +13207,55 @@
                   </m:oMath>
                 </a14:m>
                 <a:r>
-                  <a:rPr lang="en-IN" sz="2600" dirty="0"/>
+                  <a:rPr lang="en-IN" sz="2600"/>
                   <a:t> which is:</a:t>
                 </a:r>
               </a:p>
               <a:p>
-                <a:endParaRPr lang="en-IN" sz="2600" dirty="0"/>
+                <a:endParaRPr lang="en-IN" sz="2600"/>
               </a:p>
               <a:p>
-                <a:endParaRPr lang="en-IN" sz="2600" dirty="0"/>
+                <a:pPr marL="0" indent="0">
+                  <a:buNone/>
+                </a:pPr>
+                <a:r>
+                  <a:rPr lang="en-IN" sz="2600"/>
+                  <a:t>    </a:t>
+                </a:r>
+              </a:p>
+              <a:p>
+                <a:pPr marL="0" indent="0">
+                  <a:buNone/>
+                </a:pPr>
+                <a:r>
+                  <a:rPr lang="en-IN" sz="2600"/>
+                  <a:t>       This modified algorithm is called </a:t>
+                </a:r>
+                <a:r>
+                  <a:rPr lang="en-IN" sz="2600" b="1"/>
+                  <a:t>trimmed Dijkstra</a:t>
+                </a:r>
+                <a:r>
+                  <a:rPr lang="en-IN" sz="2600"/>
+                  <a:t>, henceforth.</a:t>
+                </a:r>
+              </a:p>
+              <a:p>
+                <a:endParaRPr lang="en-IN" sz="2600"/>
+              </a:p>
+              <a:p>
+                <a:pPr marL="0" indent="0">
+                  <a:buNone/>
+                </a:pPr>
+                <a:endParaRPr lang="en-IN" sz="2600"/>
+              </a:p>
+              <a:p>
+                <a:endParaRPr lang="en-IN" sz="2600"/>
               </a:p>
             </p:txBody>
           </p:sp>
         </mc:Choice>
-        <mc:Fallback xmlns="">
+        <mc:Fallback>
           <p:sp>
             <p:nvSpPr>
               <p:cNvPr id="3" name="Content Placeholder 2">
@@ -12768,13 +13274,13 @@
             </p:nvSpPr>
             <p:spPr>
               <a:xfrm>
-                <a:off x="674132" y="1456054"/>
+                <a:off x="909802" y="937580"/>
                 <a:ext cx="10058400" cy="4382888"/>
               </a:xfrm>
               <a:blipFill>
                 <a:blip r:embed="rId2"/>
                 <a:stretch>
-                  <a:fillRect l="-1009" t="-2023" r="-757"/>
+                  <a:fillRect l="-909" t="-2086" b="-31711"/>
                 </a:stretch>
               </a:blipFill>
             </p:spPr>
@@ -12793,8 +13299,8 @@
           </p:sp>
         </mc:Fallback>
       </mc:AlternateContent>
-      <mc:AlternateContent xmlns:mc="http://schemas.openxmlformats.org/markup-compatibility/2006" xmlns:a14="http://schemas.microsoft.com/office/drawing/2010/main">
-        <mc:Choice Requires="a14">
+      <mc:AlternateContent xmlns:mc="http://schemas.openxmlformats.org/markup-compatibility/2006">
+        <mc:Choice xmlns:a14="http://schemas.microsoft.com/office/drawing/2010/main" Requires="a14">
           <p:sp>
             <p:nvSpPr>
               <p:cNvPr id="13" name="TextBox 12">
@@ -12809,7 +13315,7 @@
             </p:nvSpPr>
             <p:spPr>
               <a:xfrm>
-                <a:off x="3453426" y="6027549"/>
+                <a:off x="3689096" y="5320468"/>
                 <a:ext cx="4499812" cy="400110"/>
               </a:xfrm>
               <a:prstGeom prst="rect">
@@ -13040,14 +13546,14 @@
                   </m:oMath>
                 </a14:m>
                 <a:r>
-                  <a:rPr lang="en-IN" sz="2000" dirty="0"/>
+                  <a:rPr lang="en-IN" sz="2000"/>
                   <a:t>)</a:t>
                 </a:r>
               </a:p>
             </p:txBody>
           </p:sp>
         </mc:Choice>
-        <mc:Fallback xmlns="">
+        <mc:Fallback>
           <p:sp>
             <p:nvSpPr>
               <p:cNvPr id="13" name="TextBox 12">
@@ -13064,7 +13570,7 @@
             </p:nvSpPr>
             <p:spPr>
               <a:xfrm>
-                <a:off x="3453426" y="6027549"/>
+                <a:off x="3689096" y="5320468"/>
                 <a:ext cx="4499812" cy="400110"/>
               </a:xfrm>
               <a:prstGeom prst="rect">
@@ -13073,7 +13579,7 @@
               <a:blipFill>
                 <a:blip r:embed="rId3"/>
                 <a:stretch>
-                  <a:fillRect t="-6061" b="-27273"/>
+                  <a:fillRect t="-5970" b="-26866"/>
                 </a:stretch>
               </a:blipFill>
               <a:ln w="12700">
@@ -13146,7 +13652,7 @@
         <p:spPr>
           <a:xfrm>
             <a:off x="663246" y="1828800"/>
-            <a:ext cx="10058399" cy="1290041"/>
+            <a:ext cx="10790321" cy="1290041"/>
           </a:xfrm>
         </p:spPr>
         <p:txBody>
@@ -13159,14 +13665,22 @@
               <a:buNone/>
             </a:pPr>
             <a:r>
-              <a:rPr lang="en-IN" sz="2600" dirty="0"/>
-              <a:t>Since, the space utilized may blowup even if some balls are quite large and some balls are still small. So, we use sum of sizes of balls as an indicator of space utilized instead of individual ball size. </a:t>
+              <a:rPr lang="en-IN" sz="2600"/>
+              <a:t>Space utilization is bounded even if some balls are quite large and other balls are still small. So, we should be more concerned about </a:t>
+            </a:r>
+            <a:r>
+              <a:rPr lang="en-IN" sz="2600" b="1"/>
+              <a:t>total size of balls instead of individual ball sizes</a:t>
+            </a:r>
+            <a:r>
+              <a:rPr lang="en-IN" sz="2600"/>
+              <a:t>. </a:t>
             </a:r>
           </a:p>
         </p:txBody>
       </p:sp>
-      <mc:AlternateContent xmlns:mc="http://schemas.openxmlformats.org/markup-compatibility/2006" xmlns:a14="http://schemas.microsoft.com/office/drawing/2010/main">
-        <mc:Choice Requires="a14">
+      <mc:AlternateContent xmlns:mc="http://schemas.openxmlformats.org/markup-compatibility/2006">
+        <mc:Choice xmlns:a14="http://schemas.microsoft.com/office/drawing/2010/main" Requires="a14">
           <p:sp>
             <p:nvSpPr>
               <p:cNvPr id="6" name="TextBox 5">
@@ -13182,7 +13696,7 @@
             <p:spPr>
               <a:xfrm>
                 <a:off x="3243943" y="3309529"/>
-                <a:ext cx="4655873" cy="489173"/>
+                <a:ext cx="4957377" cy="465769"/>
               </a:xfrm>
               <a:prstGeom prst="rect">
                 <a:avLst/>
@@ -13292,29 +13806,36 @@
                         </a:rPr>
                         <m:t>𝑛</m:t>
                       </m:r>
-                      <m:r>
-                        <a:rPr lang="en-IN" sz="2400" b="0" i="1" smtClean="0">
-                          <a:latin typeface="Cambria Math" panose="02040503050406030204" pitchFamily="18" charset="0"/>
-                          <a:ea typeface="Cambria Math" panose="02040503050406030204" pitchFamily="18" charset="0"/>
-                        </a:rPr>
-                        <m:t>√</m:t>
-                      </m:r>
-                      <m:r>
-                        <a:rPr lang="en-IN" sz="2400" b="0" i="1" smtClean="0">
-                          <a:latin typeface="Cambria Math" panose="02040503050406030204" pitchFamily="18" charset="0"/>
-                          <a:ea typeface="Cambria Math" panose="02040503050406030204" pitchFamily="18" charset="0"/>
-                        </a:rPr>
-                        <m:t>𝑛</m:t>
-                      </m:r>
+                      <m:rad>
+                        <m:radPr>
+                          <m:degHide m:val="on"/>
+                          <m:ctrlPr>
+                            <a:rPr lang="en-IN" sz="2400" b="0" i="1" smtClean="0">
+                              <a:latin typeface="Cambria Math" panose="02040503050406030204" pitchFamily="18" charset="0"/>
+                              <a:ea typeface="Cambria Math" panose="02040503050406030204" pitchFamily="18" charset="0"/>
+                            </a:rPr>
+                          </m:ctrlPr>
+                        </m:radPr>
+                        <m:deg/>
+                        <m:e>
+                          <m:r>
+                            <a:rPr lang="en-IN" sz="2400" b="0" i="1" smtClean="0">
+                              <a:latin typeface="Cambria Math" panose="02040503050406030204" pitchFamily="18" charset="0"/>
+                              <a:ea typeface="Cambria Math" panose="02040503050406030204" pitchFamily="18" charset="0"/>
+                            </a:rPr>
+                            <m:t>𝑛</m:t>
+                          </m:r>
+                        </m:e>
+                      </m:rad>
                     </m:oMath>
                   </m:oMathPara>
                 </a14:m>
-                <a:endParaRPr lang="en-IN" sz="2400" dirty="0"/>
+                <a:endParaRPr lang="en-IN" sz="2400"/>
               </a:p>
             </p:txBody>
           </p:sp>
         </mc:Choice>
-        <mc:Fallback xmlns="">
+        <mc:Fallback>
           <p:sp>
             <p:nvSpPr>
               <p:cNvPr id="6" name="TextBox 5">
@@ -13332,7 +13853,7 @@
             <p:spPr>
               <a:xfrm>
                 <a:off x="3243943" y="3309529"/>
-                <a:ext cx="4655873" cy="489173"/>
+                <a:ext cx="4957377" cy="465769"/>
               </a:xfrm>
               <a:prstGeom prst="rect">
                 <a:avLst/>
@@ -13340,7 +13861,7 @@
               <a:blipFill>
                 <a:blip r:embed="rId2"/>
                 <a:stretch>
-                  <a:fillRect b="-17500"/>
+                  <a:fillRect b="-15385"/>
                 </a:stretch>
               </a:blipFill>
               <a:ln w="12700">
@@ -13364,8 +13885,8 @@
           </p:sp>
         </mc:Fallback>
       </mc:AlternateContent>
-      <mc:AlternateContent xmlns:mc="http://schemas.openxmlformats.org/markup-compatibility/2006" xmlns:a14="http://schemas.microsoft.com/office/drawing/2010/main">
-        <mc:Choice Requires="a14">
+      <mc:AlternateContent xmlns:mc="http://schemas.openxmlformats.org/markup-compatibility/2006">
+        <mc:Choice xmlns:a14="http://schemas.microsoft.com/office/drawing/2010/main" Requires="a14">
           <p:sp>
             <p:nvSpPr>
               <p:cNvPr id="7" name="Content Placeholder 2">
@@ -13626,7 +14147,7 @@
                   <a:buChar char="§"/>
                 </a:pPr>
                 <a:r>
-                  <a:rPr lang="en-IN" sz="2600" dirty="0">
+                  <a:rPr lang="en-IN" sz="2600">
                     <a:solidFill>
                       <a:schemeClr val="tx1"/>
                     </a:solidFill>
@@ -13775,7 +14296,7 @@
                     </m:rad>
                   </m:oMath>
                 </a14:m>
-                <a:endParaRPr lang="en-IN" sz="2600" b="0" dirty="0">
+                <a:endParaRPr lang="en-IN" sz="2600" b="0">
                   <a:solidFill>
                     <a:schemeClr val="tx1"/>
                   </a:solidFill>
@@ -13788,7 +14309,7 @@
                   <a:buChar char="§"/>
                 </a:pPr>
                 <a:r>
-                  <a:rPr lang="en-IN" sz="2600" dirty="0">
+                  <a:rPr lang="en-IN" sz="2600">
                     <a:solidFill>
                       <a:schemeClr val="tx1"/>
                     </a:solidFill>
@@ -13885,7 +14406,7 @@
                     </m:r>
                   </m:oMath>
                 </a14:m>
-                <a:endParaRPr lang="en-IN" sz="2600" dirty="0">
+                <a:endParaRPr lang="en-IN" sz="2600">
                   <a:solidFill>
                     <a:schemeClr val="tx1"/>
                   </a:solidFill>
@@ -14074,11 +14595,58 @@
                         </a:solidFill>
                         <a:latin typeface="Cambria Math" panose="02040503050406030204" pitchFamily="18" charset="0"/>
                       </a:rPr>
-                      <m:t>𝑐𝑜𝑛𝑠𝑡𝑎𝑛𝑡</m:t>
+                      <m:t>𝑐</m:t>
+                    </m:r>
+                    <m:r>
+                      <a:rPr lang="en-IN" sz="2600" i="1">
+                        <a:solidFill>
+                          <a:schemeClr val="tx1"/>
+                        </a:solidFill>
+                        <a:latin typeface="Cambria Math" panose="02040503050406030204" pitchFamily="18" charset="0"/>
+                      </a:rPr>
+                      <m:t>/</m:t>
+                    </m:r>
+                    <m:r>
+                      <a:rPr lang="en-IN" sz="2600" b="0" i="1" smtClean="0">
+                        <a:solidFill>
+                          <a:schemeClr val="tx1"/>
+                        </a:solidFill>
+                        <a:latin typeface="Cambria Math" panose="02040503050406030204" pitchFamily="18" charset="0"/>
+                      </a:rPr>
+                      <m:t>(</m:t>
+                    </m:r>
+                    <m:r>
+                      <a:rPr lang="en-IN" sz="2600" i="1">
+                        <a:solidFill>
+                          <a:schemeClr val="tx1"/>
+                        </a:solidFill>
+                        <a:latin typeface="Cambria Math" panose="02040503050406030204" pitchFamily="18" charset="0"/>
+                      </a:rPr>
+                      <m:t>𝑐</m:t>
+                    </m:r>
+                    <m:r>
+                      <a:rPr lang="en-IN" sz="2600" b="0" i="1" smtClean="0">
+                        <a:solidFill>
+                          <a:schemeClr val="tx1"/>
+                        </a:solidFill>
+                        <a:latin typeface="Cambria Math" panose="02040503050406030204" pitchFamily="18" charset="0"/>
+                      </a:rPr>
+                      <m:t>−1)</m:t>
                     </m:r>
                   </m:oMath>
                 </a14:m>
-                <a:endParaRPr lang="en-IN" sz="2600" dirty="0">
+                <a:endParaRPr lang="en-IN" sz="2600">
+                  <a:solidFill>
+                    <a:schemeClr val="tx1"/>
+                  </a:solidFill>
+                </a:endParaRPr>
+              </a:p>
+              <a:p>
+                <a:pPr>
+                  <a:buFont typeface="Wingdings" pitchFamily="2" charset="2"/>
+                  <a:buChar char="§"/>
+                </a:pPr>
+                <a:endParaRPr lang="en-IN" sz="2600">
                   <a:solidFill>
                     <a:schemeClr val="tx1"/>
                   </a:solidFill>
@@ -14087,7 +14655,7 @@
             </p:txBody>
           </p:sp>
         </mc:Choice>
-        <mc:Fallback xmlns="">
+        <mc:Fallback>
           <p:sp>
             <p:nvSpPr>
               <p:cNvPr id="7" name="Content Placeholder 2">
@@ -14113,7 +14681,7 @@
               <a:blipFill>
                 <a:blip r:embed="rId3"/>
                 <a:stretch>
-                  <a:fillRect l="-519" t="-1829"/>
+                  <a:fillRect l="-561" t="-2360"/>
                 </a:stretch>
               </a:blipFill>
             </p:spPr>
@@ -14187,7 +14755,7 @@
           </a:lstStyle>
           <a:p>
             <a:r>
-              <a:rPr lang="en-IN" dirty="0"/>
+              <a:rPr lang="en-IN"/>
               <a:t>Bound on space utilized</a:t>
             </a:r>
           </a:p>
@@ -14223,8 +14791,8 @@
           <a:chExt cx="0" cy="0"/>
         </a:xfrm>
       </p:grpSpPr>
-      <mc:AlternateContent xmlns:mc="http://schemas.openxmlformats.org/markup-compatibility/2006" xmlns:a14="http://schemas.microsoft.com/office/drawing/2010/main">
-        <mc:Choice Requires="a14">
+      <mc:AlternateContent xmlns:mc="http://schemas.openxmlformats.org/markup-compatibility/2006">
+        <mc:Choice xmlns:a14="http://schemas.microsoft.com/office/drawing/2010/main" Requires="a14">
           <p:sp>
             <p:nvSpPr>
               <p:cNvPr id="3" name="Content Placeholder 2">
@@ -14254,7 +14822,7 @@
               <a:lstStyle/>
               <a:p>
                 <a:r>
-                  <a:rPr lang="en-IN" sz="2600" dirty="0"/>
+                  <a:rPr lang="en-IN" sz="2600"/>
                   <a:t>To get a greater stretch, we need to use a loose bound on </a:t>
                 </a:r>
                 <a14:m>
@@ -14300,7 +14868,7 @@
                             <a:latin typeface="Cambria Math" panose="02040503050406030204" pitchFamily="18" charset="0"/>
                             <a:ea typeface="Cambria Math" panose="02040503050406030204" pitchFamily="18" charset="0"/>
                           </a:rPr>
-                          <m:t> </m:t>
+                          <m:t>, </m:t>
                         </m:r>
                         <m:r>
                           <a:rPr lang="en-IN" sz="2600" b="1" i="1" smtClean="0">
@@ -14342,7 +14910,7 @@
                   </m:oMath>
                 </a14:m>
                 <a:r>
-                  <a:rPr lang="en-IN" sz="2600" dirty="0"/>
+                  <a:rPr lang="en-IN" sz="2600"/>
                   <a:t> than </a:t>
                 </a:r>
                 <a14:m>
@@ -14400,13 +14968,13 @@
                   </m:oMath>
                 </a14:m>
                 <a:r>
-                  <a:rPr lang="en-IN" sz="2600" dirty="0"/>
+                  <a:rPr lang="en-IN" sz="2600"/>
                   <a:t>). So, we sample more points from first sampling of landmarks.</a:t>
                 </a:r>
               </a:p>
               <a:p>
                 <a:r>
-                  <a:rPr lang="en-IN" sz="2600" dirty="0"/>
+                  <a:rPr lang="en-IN" sz="2600"/>
                   <a:t>First sampling </a:t>
                 </a:r>
                 <a14:m>
@@ -14439,7 +15007,7 @@
                   </m:oMath>
                 </a14:m>
                 <a:r>
-                  <a:rPr lang="en-IN" sz="2600" dirty="0"/>
+                  <a:rPr lang="en-IN" sz="2600"/>
                   <a:t> is done with </a:t>
                 </a:r>
                 <a14:m>
@@ -14552,7 +15120,7 @@
                   </m:oMath>
                 </a14:m>
                 <a:r>
-                  <a:rPr lang="en-IN" sz="2600" dirty="0"/>
+                  <a:rPr lang="en-IN" sz="2600"/>
                   <a:t> from vertex set </a:t>
                 </a:r>
                 <a14:m>
@@ -14570,13 +15138,13 @@
                   </m:oMath>
                 </a14:m>
                 <a:r>
-                  <a:rPr lang="en-IN" sz="2600" dirty="0"/>
+                  <a:rPr lang="en-IN" sz="2600"/>
                   <a:t>. </a:t>
                 </a:r>
               </a:p>
               <a:p>
                 <a:r>
-                  <a:rPr lang="en-IN" sz="2600" dirty="0"/>
+                  <a:rPr lang="en-IN" sz="2600"/>
                   <a:t>Second sampling </a:t>
                 </a:r>
                 <a14:m>
@@ -14609,7 +15177,7 @@
                   </m:oMath>
                 </a14:m>
                 <a:r>
-                  <a:rPr lang="en-IN" sz="2600" dirty="0"/>
+                  <a:rPr lang="en-IN" sz="2600"/>
                   <a:t> is done with </a:t>
                 </a:r>
                 <a14:m>
@@ -14722,7 +15290,7 @@
                   </m:oMath>
                 </a14:m>
                 <a:r>
-                  <a:rPr lang="en-IN" sz="2600" dirty="0"/>
+                  <a:rPr lang="en-IN" sz="2600"/>
                   <a:t> from vertex set </a:t>
                 </a:r>
                 <a14:m>
@@ -14750,14 +15318,14 @@
                   </m:oMath>
                 </a14:m>
                 <a:r>
-                  <a:rPr lang="en-IN" sz="2600" dirty="0"/>
+                  <a:rPr lang="en-IN" sz="2600"/>
                   <a:t>. </a:t>
                 </a:r>
               </a:p>
             </p:txBody>
           </p:sp>
         </mc:Choice>
-        <mc:Fallback xmlns="">
+        <mc:Fallback>
           <p:sp>
             <p:nvSpPr>
               <p:cNvPr id="3" name="Content Placeholder 2">
@@ -14782,7 +15350,7 @@
               <a:blipFill>
                 <a:blip r:embed="rId2"/>
                 <a:stretch>
-                  <a:fillRect l="-815" t="-1961"/>
+                  <a:fillRect l="-895" t="-2128"/>
                 </a:stretch>
               </a:blipFill>
             </p:spPr>
@@ -14816,9 +15384,9 @@
         <p:grpSpPr>
           <a:xfrm>
             <a:off x="2177316" y="3703538"/>
-            <a:ext cx="7386409" cy="2909995"/>
+            <a:ext cx="7510797" cy="2909995"/>
             <a:chOff x="1143001" y="3658568"/>
-            <a:chExt cx="7386409" cy="2909995"/>
+            <a:chExt cx="7510797" cy="2909995"/>
           </a:xfrm>
         </p:grpSpPr>
         <p:sp>
@@ -14850,7 +15418,7 @@
             <a:lstStyle/>
             <a:p>
               <a:r>
-                <a:rPr lang="en-IN" sz="5400" dirty="0"/>
+                <a:rPr lang="en-IN" sz="5400"/>
                 <a:t>…........</a:t>
               </a:r>
             </a:p>
@@ -14885,7 +15453,7 @@
             <a:lstStyle/>
             <a:p>
               <a:r>
-                <a:rPr lang="en-IN" sz="5400" dirty="0"/>
+                <a:rPr lang="en-IN" sz="5400"/>
                 <a:t>…...</a:t>
               </a:r>
             </a:p>
@@ -15643,7 +16211,7 @@
             <a:lstStyle/>
             <a:p>
               <a:r>
-                <a:rPr lang="en-IN" sz="5400" dirty="0"/>
+                <a:rPr lang="en-IN" sz="5400"/>
                 <a:t>…......</a:t>
               </a:r>
             </a:p>
@@ -15678,11 +16246,11 @@
             <a:lstStyle/>
             <a:p>
               <a:r>
-                <a:rPr lang="en-IN" sz="2200" dirty="0"/>
+                <a:rPr lang="en-IN" sz="2200"/>
                 <a:t>First level of landmarks L</a:t>
               </a:r>
               <a:r>
-                <a:rPr lang="en-IN" sz="2200" baseline="-25000" dirty="0"/>
+                <a:rPr lang="en-IN" sz="2200" baseline="-25000"/>
                 <a:t>1</a:t>
               </a:r>
             </a:p>
@@ -15703,7 +16271,7 @@
           <p:spPr>
             <a:xfrm>
               <a:off x="4876800" y="4144278"/>
-              <a:ext cx="3652610" cy="430887"/>
+              <a:ext cx="3776998" cy="430887"/>
             </a:xfrm>
             <a:prstGeom prst="rect">
               <a:avLst/>
@@ -15717,11 +16285,11 @@
             <a:lstStyle/>
             <a:p>
               <a:r>
-                <a:rPr lang="en-IN" sz="2200" dirty="0"/>
+                <a:rPr lang="en-IN" sz="2200"/>
                 <a:t>Second level of landmarks L</a:t>
               </a:r>
               <a:r>
-                <a:rPr lang="en-IN" sz="2200" baseline="-25000" dirty="0"/>
+                <a:rPr lang="en-IN" sz="2200" baseline="-25000"/>
                 <a:t>2</a:t>
               </a:r>
             </a:p>
@@ -15783,7 +16351,7 @@
           </a:lstStyle>
           <a:p>
             <a:r>
-              <a:rPr lang="en-IN" dirty="0"/>
+              <a:rPr lang="en-IN"/>
               <a:t>Generalization of k = 2 to k = 3</a:t>
             </a:r>
           </a:p>
@@ -15803,386 +16371,6 @@
 </file>
 
 <file path=ppt/slides/slide8.xml><?xml version="1.0" encoding="utf-8"?>
-<p:sld xmlns:a="http://schemas.openxmlformats.org/drawingml/2006/main" xmlns:r="http://schemas.openxmlformats.org/officeDocument/2006/relationships" xmlns:p="http://schemas.openxmlformats.org/presentationml/2006/main" showMasterSp="0">
-  <p:cSld>
-    <p:spTree>
-      <p:nvGrpSpPr>
-        <p:cNvPr id="1" name=""/>
-        <p:cNvGrpSpPr/>
-        <p:nvPr/>
-      </p:nvGrpSpPr>
-      <p:grpSpPr>
-        <a:xfrm>
-          <a:off x="0" y="0"/>
-          <a:ext cx="0" cy="0"/>
-          <a:chOff x="0" y="0"/>
-          <a:chExt cx="0" cy="0"/>
-        </a:xfrm>
-      </p:grpSpPr>
-      <mc:AlternateContent xmlns:mc="http://schemas.openxmlformats.org/markup-compatibility/2006" xmlns:a14="http://schemas.microsoft.com/office/drawing/2010/main">
-        <mc:Choice Requires="a14">
-          <p:sp>
-            <p:nvSpPr>
-              <p:cNvPr id="3" name="Content Placeholder 2">
-                <a:extLst>
-                  <a:ext uri="{FF2B5EF4-FFF2-40B4-BE49-F238E27FC236}">
-                    <a16:creationId xmlns:a16="http://schemas.microsoft.com/office/drawing/2014/main" id="{98455BAA-64DD-088E-9F0A-043D78AF03F6}"/>
-                  </a:ext>
-                </a:extLst>
-              </p:cNvPr>
-              <p:cNvSpPr>
-                <a:spLocks noGrp="1"/>
-              </p:cNvSpPr>
-              <p:nvPr>
-                <p:ph idx="1"/>
-              </p:nvPr>
-            </p:nvSpPr>
-            <p:spPr>
-              <a:xfrm>
-                <a:off x="663246" y="2049909"/>
-                <a:ext cx="10348759" cy="3567660"/>
-              </a:xfrm>
-            </p:spPr>
-            <p:txBody>
-              <a:bodyPr>
-                <a:normAutofit/>
-              </a:bodyPr>
-              <a:lstStyle/>
-              <a:p>
-                <a:r>
-                  <a:rPr lang="en-IN" sz="2600" dirty="0"/>
-                  <a:t>For every vertex </a:t>
-                </a:r>
-                <a:r>
-                  <a:rPr lang="en-IN" sz="2600" i="1" dirty="0"/>
-                  <a:t>u, </a:t>
-                </a:r>
-                <a:r>
-                  <a:rPr lang="en-IN" sz="2600" dirty="0"/>
-                  <a:t>we store:</a:t>
-                </a:r>
-              </a:p>
-              <a:p>
-                <a:r>
-                  <a:rPr lang="en-IN" sz="2600" dirty="0"/>
-                  <a:t>Distance to all vertices of set </a:t>
-                </a:r>
-                <a:r>
-                  <a:rPr lang="en-IN" sz="2600" i="1" dirty="0"/>
-                  <a:t>V </a:t>
-                </a:r>
-                <a:r>
-                  <a:rPr lang="en-IN" sz="2600" dirty="0"/>
-                  <a:t>which are closer than </a:t>
-                </a:r>
-                <a14:m>
-                  <m:oMath xmlns:m="http://schemas.openxmlformats.org/officeDocument/2006/math">
-                    <m:sSub>
-                      <m:sSubPr>
-                        <m:ctrlPr>
-                          <a:rPr lang="en-IN" sz="2600" i="1" smtClean="0">
-                            <a:latin typeface="Cambria Math" panose="02040503050406030204" pitchFamily="18" charset="0"/>
-                          </a:rPr>
-                        </m:ctrlPr>
-                      </m:sSubPr>
-                      <m:e>
-                        <m:r>
-                          <a:rPr lang="en-IN" sz="2600" b="0" i="1" smtClean="0">
-                            <a:latin typeface="Cambria Math" panose="02040503050406030204" pitchFamily="18" charset="0"/>
-                          </a:rPr>
-                          <m:t>𝐿</m:t>
-                        </m:r>
-                      </m:e>
-                      <m:sub>
-                        <m:r>
-                          <a:rPr lang="en-IN" sz="2600" b="0" i="1" smtClean="0">
-                            <a:latin typeface="Cambria Math" panose="02040503050406030204" pitchFamily="18" charset="0"/>
-                          </a:rPr>
-                          <m:t>1</m:t>
-                        </m:r>
-                      </m:sub>
-                    </m:sSub>
-                    <m:d>
-                      <m:dPr>
-                        <m:ctrlPr>
-                          <a:rPr lang="en-IN" sz="2600" b="0" i="1" smtClean="0">
-                            <a:latin typeface="Cambria Math" panose="02040503050406030204" pitchFamily="18" charset="0"/>
-                          </a:rPr>
-                        </m:ctrlPr>
-                      </m:dPr>
-                      <m:e>
-                        <m:r>
-                          <a:rPr lang="en-IN" sz="2600" b="0" i="1" smtClean="0">
-                            <a:latin typeface="Cambria Math" panose="02040503050406030204" pitchFamily="18" charset="0"/>
-                          </a:rPr>
-                          <m:t>𝑢</m:t>
-                        </m:r>
-                      </m:e>
-                    </m:d>
-                  </m:oMath>
-                </a14:m>
-                <a:endParaRPr lang="en-IN" sz="2600" b="0" dirty="0"/>
-              </a:p>
-              <a:p>
-                <a:r>
-                  <a:rPr lang="en-IN" sz="2600" dirty="0"/>
-                  <a:t>Distances to all vertices of set </a:t>
-                </a:r>
-                <a14:m>
-                  <m:oMath xmlns:m="http://schemas.openxmlformats.org/officeDocument/2006/math">
-                    <m:sSub>
-                      <m:sSubPr>
-                        <m:ctrlPr>
-                          <a:rPr lang="en-IN" sz="2600" i="1">
-                            <a:latin typeface="Cambria Math" panose="02040503050406030204" pitchFamily="18" charset="0"/>
-                          </a:rPr>
-                        </m:ctrlPr>
-                      </m:sSubPr>
-                      <m:e>
-                        <m:r>
-                          <a:rPr lang="en-IN" sz="2600" i="1">
-                            <a:latin typeface="Cambria Math" panose="02040503050406030204" pitchFamily="18" charset="0"/>
-                          </a:rPr>
-                          <m:t>𝐿</m:t>
-                        </m:r>
-                      </m:e>
-                      <m:sub>
-                        <m:r>
-                          <a:rPr lang="en-IN" sz="2600" i="1">
-                            <a:latin typeface="Cambria Math" panose="02040503050406030204" pitchFamily="18" charset="0"/>
-                          </a:rPr>
-                          <m:t>1</m:t>
-                        </m:r>
-                      </m:sub>
-                    </m:sSub>
-                  </m:oMath>
-                </a14:m>
-                <a:r>
-                  <a:rPr lang="en-IN" sz="2600" dirty="0"/>
-                  <a:t> which are closer than </a:t>
-                </a:r>
-                <a14:m>
-                  <m:oMath xmlns:m="http://schemas.openxmlformats.org/officeDocument/2006/math">
-                    <m:sSub>
-                      <m:sSubPr>
-                        <m:ctrlPr>
-                          <a:rPr lang="en-IN" sz="2600" i="1">
-                            <a:latin typeface="Cambria Math" panose="02040503050406030204" pitchFamily="18" charset="0"/>
-                          </a:rPr>
-                        </m:ctrlPr>
-                      </m:sSubPr>
-                      <m:e>
-                        <m:r>
-                          <a:rPr lang="en-IN" sz="2600" i="1">
-                            <a:latin typeface="Cambria Math" panose="02040503050406030204" pitchFamily="18" charset="0"/>
-                          </a:rPr>
-                          <m:t>𝐿</m:t>
-                        </m:r>
-                      </m:e>
-                      <m:sub>
-                        <m:r>
-                          <a:rPr lang="en-IN" sz="2600" b="0" i="1" smtClean="0">
-                            <a:latin typeface="Cambria Math" panose="02040503050406030204" pitchFamily="18" charset="0"/>
-                          </a:rPr>
-                          <m:t>2</m:t>
-                        </m:r>
-                      </m:sub>
-                    </m:sSub>
-                    <m:r>
-                      <a:rPr lang="en-IN" sz="2600" b="0" i="1" smtClean="0">
-                        <a:latin typeface="Cambria Math" panose="02040503050406030204" pitchFamily="18" charset="0"/>
-                      </a:rPr>
-                      <m:t>(</m:t>
-                    </m:r>
-                    <m:r>
-                      <a:rPr lang="en-IN" sz="2600" b="0" i="1" smtClean="0">
-                        <a:latin typeface="Cambria Math" panose="02040503050406030204" pitchFamily="18" charset="0"/>
-                      </a:rPr>
-                      <m:t>𝑢</m:t>
-                    </m:r>
-                    <m:r>
-                      <a:rPr lang="en-IN" sz="2600" b="0" i="1" smtClean="0">
-                        <a:latin typeface="Cambria Math" panose="02040503050406030204" pitchFamily="18" charset="0"/>
-                      </a:rPr>
-                      <m:t>)</m:t>
-                    </m:r>
-                  </m:oMath>
-                </a14:m>
-                <a:r>
-                  <a:rPr lang="en-IN" sz="2600" dirty="0"/>
-                  <a:t> </a:t>
-                </a:r>
-              </a:p>
-              <a:p>
-                <a:r>
-                  <a:rPr lang="en-IN" sz="2600" dirty="0"/>
-                  <a:t>Distances to all vertices of set </a:t>
-                </a:r>
-                <a14:m>
-                  <m:oMath xmlns:m="http://schemas.openxmlformats.org/officeDocument/2006/math">
-                    <m:sSub>
-                      <m:sSubPr>
-                        <m:ctrlPr>
-                          <a:rPr lang="en-IN" sz="2600" i="1">
-                            <a:latin typeface="Cambria Math" panose="02040503050406030204" pitchFamily="18" charset="0"/>
-                          </a:rPr>
-                        </m:ctrlPr>
-                      </m:sSubPr>
-                      <m:e>
-                        <m:r>
-                          <a:rPr lang="en-IN" sz="2600" i="1">
-                            <a:latin typeface="Cambria Math" panose="02040503050406030204" pitchFamily="18" charset="0"/>
-                          </a:rPr>
-                          <m:t>𝐿</m:t>
-                        </m:r>
-                      </m:e>
-                      <m:sub>
-                        <m:r>
-                          <a:rPr lang="en-IN" sz="2600" b="0" i="1" smtClean="0">
-                            <a:latin typeface="Cambria Math" panose="02040503050406030204" pitchFamily="18" charset="0"/>
-                          </a:rPr>
-                          <m:t>2</m:t>
-                        </m:r>
-                      </m:sub>
-                    </m:sSub>
-                    <m:r>
-                      <a:rPr lang="en-IN" sz="2600" b="0" i="1" smtClean="0">
-                        <a:latin typeface="Cambria Math" panose="02040503050406030204" pitchFamily="18" charset="0"/>
-                      </a:rPr>
-                      <m:t>. </m:t>
-                    </m:r>
-                  </m:oMath>
-                </a14:m>
-                <a:endParaRPr lang="en-IN" sz="2600" b="0" dirty="0"/>
-              </a:p>
-              <a:p>
-                <a:endParaRPr lang="en-IN" sz="2600" dirty="0"/>
-              </a:p>
-              <a:p>
-                <a:endParaRPr lang="en-IN" sz="2600" dirty="0"/>
-              </a:p>
-            </p:txBody>
-          </p:sp>
-        </mc:Choice>
-        <mc:Fallback xmlns="">
-          <p:sp>
-            <p:nvSpPr>
-              <p:cNvPr id="3" name="Content Placeholder 2">
-                <a:extLst>
-                  <a:ext uri="{FF2B5EF4-FFF2-40B4-BE49-F238E27FC236}">
-                    <a16:creationId xmlns:a16="http://schemas.microsoft.com/office/drawing/2014/main" id="{98455BAA-64DD-088E-9F0A-043D78AF03F6}"/>
-                  </a:ext>
-                </a:extLst>
-              </p:cNvPr>
-              <p:cNvSpPr>
-                <a:spLocks noGrp="1" noRot="1" noChangeAspect="1" noMove="1" noResize="1" noEditPoints="1" noAdjustHandles="1" noChangeArrowheads="1" noChangeShapeType="1" noTextEdit="1"/>
-              </p:cNvSpPr>
-              <p:nvPr>
-                <p:ph idx="1"/>
-              </p:nvPr>
-            </p:nvSpPr>
-            <p:spPr>
-              <a:xfrm>
-                <a:off x="663246" y="2049909"/>
-                <a:ext cx="10348759" cy="3567660"/>
-              </a:xfrm>
-              <a:blipFill>
-                <a:blip r:embed="rId2"/>
-                <a:stretch>
-                  <a:fillRect l="-982" t="-2482"/>
-                </a:stretch>
-              </a:blipFill>
-            </p:spPr>
-            <p:txBody>
-              <a:bodyPr/>
-              <a:lstStyle/>
-              <a:p>
-                <a:r>
-                  <a:rPr lang="en-US">
-                    <a:noFill/>
-                  </a:rPr>
-                  <a:t> </a:t>
-                </a:r>
-              </a:p>
-            </p:txBody>
-          </p:sp>
-        </mc:Fallback>
-      </mc:AlternateContent>
-      <p:sp>
-        <p:nvSpPr>
-          <p:cNvPr id="4" name="Title 1">
-            <a:extLst>
-              <a:ext uri="{FF2B5EF4-FFF2-40B4-BE49-F238E27FC236}">
-                <a16:creationId xmlns:a16="http://schemas.microsoft.com/office/drawing/2014/main" id="{212CFE83-6CBB-F669-12A1-D045752E11F7}"/>
-              </a:ext>
-            </a:extLst>
-          </p:cNvPr>
-          <p:cNvSpPr txBox="1">
-            <a:spLocks/>
-          </p:cNvSpPr>
-          <p:nvPr/>
-        </p:nvSpPr>
-        <p:spPr>
-          <a:xfrm>
-            <a:off x="663246" y="440565"/>
-            <a:ext cx="10058400" cy="1609344"/>
-          </a:xfrm>
-          <a:prstGeom prst="rect">
-            <a:avLst/>
-          </a:prstGeom>
-        </p:spPr>
-        <p:txBody>
-          <a:bodyPr vert="horz" lIns="91440" tIns="45720" rIns="91440" bIns="45720" rtlCol="0" anchor="ctr">
-            <a:normAutofit/>
-          </a:bodyPr>
-          <a:lstStyle>
-            <a:lvl1pPr algn="l" defTabSz="914400" rtl="0" eaLnBrk="1" latinLnBrk="0" hangingPunct="1">
-              <a:lnSpc>
-                <a:spcPct val="90000"/>
-              </a:lnSpc>
-              <a:spcBef>
-                <a:spcPct val="0"/>
-              </a:spcBef>
-              <a:buNone/>
-              <a:defRPr sz="5400" kern="1200" cap="all" baseline="0">
-                <a:blipFill>
-                  <a:blip r:embed="rId3">
-                    <a:extLst>
-                      <a:ext uri="{28A0092B-C50C-407E-A947-70E740481C1C}">
-                        <a14:useLocalDpi xmlns:a14="http://schemas.microsoft.com/office/drawing/2010/main" val="0"/>
-                      </a:ext>
-                    </a:extLst>
-                  </a:blip>
-                  <a:tile tx="6350" ty="-127000" sx="65000" sy="64000" flip="none" algn="tl"/>
-                </a:blipFill>
-                <a:latin typeface="+mj-lt"/>
-                <a:ea typeface="+mj-ea"/>
-                <a:cs typeface="+mj-cs"/>
-              </a:defRPr>
-            </a:lvl1pPr>
-          </a:lstStyle>
-          <a:p>
-            <a:r>
-              <a:rPr lang="en-IN" dirty="0"/>
-              <a:t>Distance Information stored</a:t>
-            </a:r>
-          </a:p>
-        </p:txBody>
-      </p:sp>
-    </p:spTree>
-    <p:extLst>
-      <p:ext uri="{BB962C8B-B14F-4D97-AF65-F5344CB8AC3E}">
-        <p14:creationId xmlns:p14="http://schemas.microsoft.com/office/powerpoint/2010/main" val="1373113221"/>
-      </p:ext>
-    </p:extLst>
-  </p:cSld>
-  <p:clrMapOvr>
-    <a:masterClrMapping/>
-  </p:clrMapOvr>
-</p:sld>
-</file>
-
-<file path=ppt/slides/slide9.xml><?xml version="1.0" encoding="utf-8"?>
 <p:sld xmlns:a="http://schemas.openxmlformats.org/drawingml/2006/main" xmlns:r="http://schemas.openxmlformats.org/officeDocument/2006/relationships" xmlns:p="http://schemas.openxmlformats.org/presentationml/2006/main" showMasterSp="0">
   <p:cSld>
     <p:spTree>
@@ -16231,7 +16419,7 @@
               <a:buNone/>
             </a:pPr>
             <a:r>
-              <a:rPr lang="en-IN" dirty="0"/>
+              <a:rPr lang="en-IN"/>
               <a:t>We get a stretch of 7 if we use an intermediate landmark point for query processing.</a:t>
             </a:r>
           </a:p>
@@ -16251,10 +16439,10 @@
         </p:nvGrpSpPr>
         <p:grpSpPr>
           <a:xfrm>
-            <a:off x="2257621" y="2148563"/>
-            <a:ext cx="1714116" cy="1973037"/>
-            <a:chOff x="2122711" y="2148563"/>
-            <a:chExt cx="1714116" cy="1973037"/>
+            <a:off x="2203194" y="2148563"/>
+            <a:ext cx="1768543" cy="1773940"/>
+            <a:chOff x="2068284" y="2148563"/>
+            <a:chExt cx="1768543" cy="1773940"/>
           </a:xfrm>
         </p:grpSpPr>
         <p:sp>
@@ -16605,8 +16793,8 @@
           </p:nvSpPr>
           <p:spPr>
             <a:xfrm>
-              <a:off x="2122711" y="2496914"/>
-              <a:ext cx="1698174" cy="1624686"/>
+              <a:off x="2068284" y="2496914"/>
+              <a:ext cx="1273631" cy="1167487"/>
             </a:xfrm>
             <a:prstGeom prst="ellipse">
               <a:avLst/>
@@ -16847,8 +17035,8 @@
           </p:style>
         </p:cxnSp>
       </p:grpSp>
-      <mc:AlternateContent xmlns:mc="http://schemas.openxmlformats.org/markup-compatibility/2006" xmlns:a14="http://schemas.microsoft.com/office/drawing/2010/main">
-        <mc:Choice Requires="a14">
+      <mc:AlternateContent xmlns:mc="http://schemas.openxmlformats.org/markup-compatibility/2006">
+        <mc:Choice xmlns:a14="http://schemas.microsoft.com/office/drawing/2010/main" Requires="a14">
           <p:sp>
             <p:nvSpPr>
               <p:cNvPr id="26" name="TextBox 25">
@@ -16863,8 +17051,8 @@
             </p:nvSpPr>
             <p:spPr>
               <a:xfrm>
-                <a:off x="4585525" y="2840485"/>
-                <a:ext cx="6282344" cy="813043"/>
+                <a:off x="4591478" y="2840485"/>
+                <a:ext cx="6965784" cy="474489"/>
               </a:xfrm>
               <a:prstGeom prst="rect">
                 <a:avLst/>
@@ -17079,7 +17267,7 @@
                   </m:oMath>
                 </a14:m>
                 <a:r>
-                  <a:rPr lang="en-IN" sz="2200" dirty="0"/>
+                  <a:rPr lang="en-IN" sz="2200"/>
                   <a:t> + </a:t>
                 </a:r>
                 <a14:m>
@@ -17160,7 +17348,7 @@
                   </m:oMath>
                 </a14:m>
                 <a:r>
-                  <a:rPr lang="en-IN" sz="2200" dirty="0"/>
+                  <a:rPr lang="en-IN" sz="2200"/>
                   <a:t> </a:t>
                 </a:r>
                 <a14:m>
@@ -17228,12 +17416,12 @@
                     </m:d>
                   </m:oMath>
                 </a14:m>
-                <a:endParaRPr lang="en-IN" sz="2200" dirty="0"/>
+                <a:endParaRPr lang="en-IN" sz="2200"/>
               </a:p>
             </p:txBody>
           </p:sp>
         </mc:Choice>
-        <mc:Fallback xmlns="">
+        <mc:Fallback>
           <p:sp>
             <p:nvSpPr>
               <p:cNvPr id="26" name="TextBox 25">
@@ -17250,8 +17438,8 @@
             </p:nvSpPr>
             <p:spPr>
               <a:xfrm>
-                <a:off x="4585525" y="2840485"/>
-                <a:ext cx="6282344" cy="813043"/>
+                <a:off x="4591478" y="2840485"/>
+                <a:ext cx="6965784" cy="474489"/>
               </a:xfrm>
               <a:prstGeom prst="rect">
                 <a:avLst/>
@@ -17259,7 +17447,7 @@
               <a:blipFill>
                 <a:blip r:embed="rId2"/>
                 <a:stretch>
-                  <a:fillRect/>
+                  <a:fillRect t="-1250" b="-20000"/>
                 </a:stretch>
               </a:blipFill>
               <a:ln>
@@ -17286,8 +17474,8 @@
           </p:sp>
         </mc:Fallback>
       </mc:AlternateContent>
-      <mc:AlternateContent xmlns:mc="http://schemas.openxmlformats.org/markup-compatibility/2006" xmlns:a14="http://schemas.microsoft.com/office/drawing/2010/main">
-        <mc:Choice Requires="a14">
+      <mc:AlternateContent xmlns:mc="http://schemas.openxmlformats.org/markup-compatibility/2006">
+        <mc:Choice xmlns:a14="http://schemas.microsoft.com/office/drawing/2010/main" Requires="a14">
           <p:sp>
             <p:nvSpPr>
               <p:cNvPr id="40" name="TextBox 39">
@@ -17491,7 +17679,7 @@
                   </m:oMath>
                 </a14:m>
                 <a:r>
-                  <a:rPr lang="en-IN" sz="2200" dirty="0"/>
+                  <a:rPr lang="en-IN" sz="2200"/>
                   <a:t> </a:t>
                 </a:r>
                 <a14:m>
@@ -17559,12 +17747,12 @@
                     </m:d>
                   </m:oMath>
                 </a14:m>
-                <a:endParaRPr lang="en-IN" sz="2200" dirty="0"/>
+                <a:endParaRPr lang="en-IN" sz="2200"/>
               </a:p>
             </p:txBody>
           </p:sp>
         </mc:Choice>
-        <mc:Fallback xmlns="">
+        <mc:Fallback>
           <p:sp>
             <p:nvSpPr>
               <p:cNvPr id="40" name="TextBox 39">
@@ -17616,8 +17804,8 @@
           </p:sp>
         </mc:Fallback>
       </mc:AlternateContent>
-      <mc:AlternateContent xmlns:mc="http://schemas.openxmlformats.org/markup-compatibility/2006" xmlns:a14="http://schemas.microsoft.com/office/drawing/2010/main">
-        <mc:Choice Requires="a14">
+      <mc:AlternateContent xmlns:mc="http://schemas.openxmlformats.org/markup-compatibility/2006">
+        <mc:Choice xmlns:a14="http://schemas.microsoft.com/office/drawing/2010/main" Requires="a14">
           <p:sp>
             <p:nvSpPr>
               <p:cNvPr id="41" name="Content Placeholder 2">
@@ -17877,11 +18065,11 @@
                   <a:buNone/>
                 </a:pPr>
                 <a:r>
-                  <a:rPr lang="en-IN" sz="2600" dirty="0"/>
+                  <a:rPr lang="en-IN" sz="2600"/>
                   <a:t>So, </a:t>
                 </a:r>
                 <a:r>
-                  <a:rPr lang="en-IN" sz="2600" dirty="0">
+                  <a:rPr lang="en-IN" sz="2600">
                     <a:solidFill>
                       <a:schemeClr val="tx1"/>
                     </a:solidFill>
@@ -17889,7 +18077,7 @@
                   <a:t>we</a:t>
                 </a:r>
                 <a:r>
-                  <a:rPr lang="en-IN" sz="2600" dirty="0"/>
+                  <a:rPr lang="en-IN" sz="2600"/>
                   <a:t> must use vertex </a:t>
                 </a:r>
                 <a14:m>
@@ -17982,14 +18170,14 @@
                   </m:oMath>
                 </a14:m>
                 <a:r>
-                  <a:rPr lang="en-IN" sz="2600" dirty="0"/>
+                  <a:rPr lang="en-IN" sz="2600"/>
                   <a:t> for query processing.  </a:t>
                 </a:r>
               </a:p>
             </p:txBody>
           </p:sp>
         </mc:Choice>
-        <mc:Fallback xmlns="">
+        <mc:Fallback>
           <p:sp>
             <p:nvSpPr>
               <p:cNvPr id="41" name="Content Placeholder 2">
@@ -18015,7 +18203,7 @@
               <a:blipFill>
                 <a:blip r:embed="rId4"/>
                 <a:stretch>
-                  <a:fillRect l="-1200" t="-6557"/>
+                  <a:fillRect l="-1153" t="-7143"/>
                 </a:stretch>
               </a:blipFill>
             </p:spPr>
@@ -18530,6 +18718,7 @@
               </a:extLst>
             </p:cNvPr>
             <p:cNvCxnSpPr>
+              <a:cxnSpLocks/>
               <a:endCxn id="29" idx="0"/>
             </p:cNvCxnSpPr>
             <p:nvPr/>
@@ -18701,7 +18890,7 @@
           </a:lstStyle>
           <a:p>
             <a:r>
-              <a:rPr lang="en-IN" dirty="0"/>
+              <a:rPr lang="en-IN"/>
               <a:t>Justification of stretch 5</a:t>
             </a:r>
           </a:p>
@@ -18711,6 +18900,386 @@
     <p:extLst>
       <p:ext uri="{BB962C8B-B14F-4D97-AF65-F5344CB8AC3E}">
         <p14:creationId xmlns:p14="http://schemas.microsoft.com/office/powerpoint/2010/main" val="3416041453"/>
+      </p:ext>
+    </p:extLst>
+  </p:cSld>
+  <p:clrMapOvr>
+    <a:masterClrMapping/>
+  </p:clrMapOvr>
+</p:sld>
+</file>
+
+<file path=ppt/slides/slide9.xml><?xml version="1.0" encoding="utf-8"?>
+<p:sld xmlns:a="http://schemas.openxmlformats.org/drawingml/2006/main" xmlns:r="http://schemas.openxmlformats.org/officeDocument/2006/relationships" xmlns:p="http://schemas.openxmlformats.org/presentationml/2006/main" showMasterSp="0">
+  <p:cSld>
+    <p:spTree>
+      <p:nvGrpSpPr>
+        <p:cNvPr id="1" name=""/>
+        <p:cNvGrpSpPr/>
+        <p:nvPr/>
+      </p:nvGrpSpPr>
+      <p:grpSpPr>
+        <a:xfrm>
+          <a:off x="0" y="0"/>
+          <a:ext cx="0" cy="0"/>
+          <a:chOff x="0" y="0"/>
+          <a:chExt cx="0" cy="0"/>
+        </a:xfrm>
+      </p:grpSpPr>
+      <mc:AlternateContent xmlns:mc="http://schemas.openxmlformats.org/markup-compatibility/2006">
+        <mc:Choice xmlns:a14="http://schemas.microsoft.com/office/drawing/2010/main" Requires="a14">
+          <p:sp>
+            <p:nvSpPr>
+              <p:cNvPr id="3" name="Content Placeholder 2">
+                <a:extLst>
+                  <a:ext uri="{FF2B5EF4-FFF2-40B4-BE49-F238E27FC236}">
+                    <a16:creationId xmlns:a16="http://schemas.microsoft.com/office/drawing/2014/main" id="{98455BAA-64DD-088E-9F0A-043D78AF03F6}"/>
+                  </a:ext>
+                </a:extLst>
+              </p:cNvPr>
+              <p:cNvSpPr>
+                <a:spLocks noGrp="1"/>
+              </p:cNvSpPr>
+              <p:nvPr>
+                <p:ph idx="1"/>
+              </p:nvPr>
+            </p:nvSpPr>
+            <p:spPr>
+              <a:xfrm>
+                <a:off x="663246" y="2049909"/>
+                <a:ext cx="10348759" cy="3567660"/>
+              </a:xfrm>
+            </p:spPr>
+            <p:txBody>
+              <a:bodyPr>
+                <a:normAutofit/>
+              </a:bodyPr>
+              <a:lstStyle/>
+              <a:p>
+                <a:r>
+                  <a:rPr lang="en-IN" sz="2600"/>
+                  <a:t>For every vertex </a:t>
+                </a:r>
+                <a:r>
+                  <a:rPr lang="en-IN" sz="2600" i="1"/>
+                  <a:t>u, </a:t>
+                </a:r>
+                <a:r>
+                  <a:rPr lang="en-IN" sz="2600"/>
+                  <a:t>we store:</a:t>
+                </a:r>
+              </a:p>
+              <a:p>
+                <a:r>
+                  <a:rPr lang="en-IN" sz="2600"/>
+                  <a:t>Distance to all vertices of set </a:t>
+                </a:r>
+                <a:r>
+                  <a:rPr lang="en-IN" sz="2600" i="1"/>
+                  <a:t>V </a:t>
+                </a:r>
+                <a:r>
+                  <a:rPr lang="en-IN" sz="2600"/>
+                  <a:t>which are closer than </a:t>
+                </a:r>
+                <a14:m>
+                  <m:oMath xmlns:m="http://schemas.openxmlformats.org/officeDocument/2006/math">
+                    <m:sSub>
+                      <m:sSubPr>
+                        <m:ctrlPr>
+                          <a:rPr lang="en-IN" sz="2600" i="1" smtClean="0">
+                            <a:latin typeface="Cambria Math" panose="02040503050406030204" pitchFamily="18" charset="0"/>
+                          </a:rPr>
+                        </m:ctrlPr>
+                      </m:sSubPr>
+                      <m:e>
+                        <m:r>
+                          <a:rPr lang="en-IN" sz="2600" b="0" i="1" smtClean="0">
+                            <a:latin typeface="Cambria Math" panose="02040503050406030204" pitchFamily="18" charset="0"/>
+                          </a:rPr>
+                          <m:t>𝐿</m:t>
+                        </m:r>
+                      </m:e>
+                      <m:sub>
+                        <m:r>
+                          <a:rPr lang="en-IN" sz="2600" b="0" i="1" smtClean="0">
+                            <a:latin typeface="Cambria Math" panose="02040503050406030204" pitchFamily="18" charset="0"/>
+                          </a:rPr>
+                          <m:t>1</m:t>
+                        </m:r>
+                      </m:sub>
+                    </m:sSub>
+                    <m:d>
+                      <m:dPr>
+                        <m:ctrlPr>
+                          <a:rPr lang="en-IN" sz="2600" b="0" i="1" smtClean="0">
+                            <a:latin typeface="Cambria Math" panose="02040503050406030204" pitchFamily="18" charset="0"/>
+                          </a:rPr>
+                        </m:ctrlPr>
+                      </m:dPr>
+                      <m:e>
+                        <m:r>
+                          <a:rPr lang="en-IN" sz="2600" b="0" i="1" smtClean="0">
+                            <a:latin typeface="Cambria Math" panose="02040503050406030204" pitchFamily="18" charset="0"/>
+                          </a:rPr>
+                          <m:t>𝑢</m:t>
+                        </m:r>
+                      </m:e>
+                    </m:d>
+                  </m:oMath>
+                </a14:m>
+                <a:endParaRPr lang="en-IN" sz="2600" b="0"/>
+              </a:p>
+              <a:p>
+                <a:r>
+                  <a:rPr lang="en-IN" sz="2600"/>
+                  <a:t>Distances to all vertices of set </a:t>
+                </a:r>
+                <a14:m>
+                  <m:oMath xmlns:m="http://schemas.openxmlformats.org/officeDocument/2006/math">
+                    <m:sSub>
+                      <m:sSubPr>
+                        <m:ctrlPr>
+                          <a:rPr lang="en-IN" sz="2600" i="1">
+                            <a:latin typeface="Cambria Math" panose="02040503050406030204" pitchFamily="18" charset="0"/>
+                          </a:rPr>
+                        </m:ctrlPr>
+                      </m:sSubPr>
+                      <m:e>
+                        <m:r>
+                          <a:rPr lang="en-IN" sz="2600" i="1">
+                            <a:latin typeface="Cambria Math" panose="02040503050406030204" pitchFamily="18" charset="0"/>
+                          </a:rPr>
+                          <m:t>𝐿</m:t>
+                        </m:r>
+                      </m:e>
+                      <m:sub>
+                        <m:r>
+                          <a:rPr lang="en-IN" sz="2600" i="1">
+                            <a:latin typeface="Cambria Math" panose="02040503050406030204" pitchFamily="18" charset="0"/>
+                          </a:rPr>
+                          <m:t>1</m:t>
+                        </m:r>
+                      </m:sub>
+                    </m:sSub>
+                  </m:oMath>
+                </a14:m>
+                <a:r>
+                  <a:rPr lang="en-IN" sz="2600"/>
+                  <a:t> which are closer than </a:t>
+                </a:r>
+                <a14:m>
+                  <m:oMath xmlns:m="http://schemas.openxmlformats.org/officeDocument/2006/math">
+                    <m:sSub>
+                      <m:sSubPr>
+                        <m:ctrlPr>
+                          <a:rPr lang="en-IN" sz="2600" i="1">
+                            <a:latin typeface="Cambria Math" panose="02040503050406030204" pitchFamily="18" charset="0"/>
+                          </a:rPr>
+                        </m:ctrlPr>
+                      </m:sSubPr>
+                      <m:e>
+                        <m:r>
+                          <a:rPr lang="en-IN" sz="2600" i="1">
+                            <a:latin typeface="Cambria Math" panose="02040503050406030204" pitchFamily="18" charset="0"/>
+                          </a:rPr>
+                          <m:t>𝐿</m:t>
+                        </m:r>
+                      </m:e>
+                      <m:sub>
+                        <m:r>
+                          <a:rPr lang="en-IN" sz="2600" b="0" i="1" smtClean="0">
+                            <a:latin typeface="Cambria Math" panose="02040503050406030204" pitchFamily="18" charset="0"/>
+                          </a:rPr>
+                          <m:t>2</m:t>
+                        </m:r>
+                      </m:sub>
+                    </m:sSub>
+                    <m:r>
+                      <a:rPr lang="en-IN" sz="2600" b="0" i="1" smtClean="0">
+                        <a:latin typeface="Cambria Math" panose="02040503050406030204" pitchFamily="18" charset="0"/>
+                      </a:rPr>
+                      <m:t>(</m:t>
+                    </m:r>
+                    <m:r>
+                      <a:rPr lang="en-IN" sz="2600" b="0" i="1" smtClean="0">
+                        <a:latin typeface="Cambria Math" panose="02040503050406030204" pitchFamily="18" charset="0"/>
+                      </a:rPr>
+                      <m:t>𝑢</m:t>
+                    </m:r>
+                    <m:r>
+                      <a:rPr lang="en-IN" sz="2600" b="0" i="1" smtClean="0">
+                        <a:latin typeface="Cambria Math" panose="02040503050406030204" pitchFamily="18" charset="0"/>
+                      </a:rPr>
+                      <m:t>)</m:t>
+                    </m:r>
+                  </m:oMath>
+                </a14:m>
+                <a:r>
+                  <a:rPr lang="en-IN" sz="2600"/>
+                  <a:t> </a:t>
+                </a:r>
+              </a:p>
+              <a:p>
+                <a:r>
+                  <a:rPr lang="en-IN" sz="2600"/>
+                  <a:t>Distances to all vertices of set </a:t>
+                </a:r>
+                <a14:m>
+                  <m:oMath xmlns:m="http://schemas.openxmlformats.org/officeDocument/2006/math">
+                    <m:sSub>
+                      <m:sSubPr>
+                        <m:ctrlPr>
+                          <a:rPr lang="en-IN" sz="2600" i="1">
+                            <a:latin typeface="Cambria Math" panose="02040503050406030204" pitchFamily="18" charset="0"/>
+                          </a:rPr>
+                        </m:ctrlPr>
+                      </m:sSubPr>
+                      <m:e>
+                        <m:r>
+                          <a:rPr lang="en-IN" sz="2600" i="1">
+                            <a:latin typeface="Cambria Math" panose="02040503050406030204" pitchFamily="18" charset="0"/>
+                          </a:rPr>
+                          <m:t>𝐿</m:t>
+                        </m:r>
+                      </m:e>
+                      <m:sub>
+                        <m:r>
+                          <a:rPr lang="en-IN" sz="2600" b="0" i="1" smtClean="0">
+                            <a:latin typeface="Cambria Math" panose="02040503050406030204" pitchFamily="18" charset="0"/>
+                          </a:rPr>
+                          <m:t>2</m:t>
+                        </m:r>
+                      </m:sub>
+                    </m:sSub>
+                    <m:r>
+                      <a:rPr lang="en-IN" sz="2600" b="0" i="1" smtClean="0">
+                        <a:latin typeface="Cambria Math" panose="02040503050406030204" pitchFamily="18" charset="0"/>
+                      </a:rPr>
+                      <m:t>. </m:t>
+                    </m:r>
+                  </m:oMath>
+                </a14:m>
+                <a:endParaRPr lang="en-IN" sz="2600" b="0"/>
+              </a:p>
+              <a:p>
+                <a:endParaRPr lang="en-IN" sz="2600"/>
+              </a:p>
+              <a:p>
+                <a:endParaRPr lang="en-IN" sz="2600"/>
+              </a:p>
+            </p:txBody>
+          </p:sp>
+        </mc:Choice>
+        <mc:Fallback>
+          <p:sp>
+            <p:nvSpPr>
+              <p:cNvPr id="3" name="Content Placeholder 2">
+                <a:extLst>
+                  <a:ext uri="{FF2B5EF4-FFF2-40B4-BE49-F238E27FC236}">
+                    <a16:creationId xmlns:a16="http://schemas.microsoft.com/office/drawing/2014/main" id="{98455BAA-64DD-088E-9F0A-043D78AF03F6}"/>
+                  </a:ext>
+                </a:extLst>
+              </p:cNvPr>
+              <p:cNvSpPr>
+                <a:spLocks noGrp="1" noRot="1" noChangeAspect="1" noMove="1" noResize="1" noEditPoints="1" noAdjustHandles="1" noChangeArrowheads="1" noChangeShapeType="1" noTextEdit="1"/>
+              </p:cNvSpPr>
+              <p:nvPr>
+                <p:ph idx="1"/>
+              </p:nvPr>
+            </p:nvSpPr>
+            <p:spPr>
+              <a:xfrm>
+                <a:off x="663246" y="2049909"/>
+                <a:ext cx="10348759" cy="3567660"/>
+              </a:xfrm>
+              <a:blipFill>
+                <a:blip r:embed="rId2"/>
+                <a:stretch>
+                  <a:fillRect l="-943" t="-2560"/>
+                </a:stretch>
+              </a:blipFill>
+            </p:spPr>
+            <p:txBody>
+              <a:bodyPr/>
+              <a:lstStyle/>
+              <a:p>
+                <a:r>
+                  <a:rPr lang="en-US">
+                    <a:noFill/>
+                  </a:rPr>
+                  <a:t> </a:t>
+                </a:r>
+              </a:p>
+            </p:txBody>
+          </p:sp>
+        </mc:Fallback>
+      </mc:AlternateContent>
+      <p:sp>
+        <p:nvSpPr>
+          <p:cNvPr id="4" name="Title 1">
+            <a:extLst>
+              <a:ext uri="{FF2B5EF4-FFF2-40B4-BE49-F238E27FC236}">
+                <a16:creationId xmlns:a16="http://schemas.microsoft.com/office/drawing/2014/main" id="{212CFE83-6CBB-F669-12A1-D045752E11F7}"/>
+              </a:ext>
+            </a:extLst>
+          </p:cNvPr>
+          <p:cNvSpPr txBox="1">
+            <a:spLocks/>
+          </p:cNvSpPr>
+          <p:nvPr/>
+        </p:nvSpPr>
+        <p:spPr>
+          <a:xfrm>
+            <a:off x="663246" y="440565"/>
+            <a:ext cx="10058400" cy="1609344"/>
+          </a:xfrm>
+          <a:prstGeom prst="rect">
+            <a:avLst/>
+          </a:prstGeom>
+        </p:spPr>
+        <p:txBody>
+          <a:bodyPr vert="horz" lIns="91440" tIns="45720" rIns="91440" bIns="45720" rtlCol="0" anchor="ctr">
+            <a:normAutofit/>
+          </a:bodyPr>
+          <a:lstStyle>
+            <a:lvl1pPr algn="l" defTabSz="914400" rtl="0" eaLnBrk="1" latinLnBrk="0" hangingPunct="1">
+              <a:lnSpc>
+                <a:spcPct val="90000"/>
+              </a:lnSpc>
+              <a:spcBef>
+                <a:spcPct val="0"/>
+              </a:spcBef>
+              <a:buNone/>
+              <a:defRPr sz="5400" kern="1200" cap="all" baseline="0">
+                <a:blipFill>
+                  <a:blip r:embed="rId3">
+                    <a:extLst>
+                      <a:ext uri="{28A0092B-C50C-407E-A947-70E740481C1C}">
+                        <a14:useLocalDpi xmlns:a14="http://schemas.microsoft.com/office/drawing/2010/main" val="0"/>
+                      </a:ext>
+                    </a:extLst>
+                  </a:blip>
+                  <a:tile tx="6350" ty="-127000" sx="65000" sy="64000" flip="none" algn="tl"/>
+                </a:blipFill>
+                <a:latin typeface="+mj-lt"/>
+                <a:ea typeface="+mj-ea"/>
+                <a:cs typeface="+mj-cs"/>
+              </a:defRPr>
+            </a:lvl1pPr>
+          </a:lstStyle>
+          <a:p>
+            <a:r>
+              <a:rPr lang="en-IN"/>
+              <a:t>Distance Information stored</a:t>
+            </a:r>
+          </a:p>
+        </p:txBody>
+      </p:sp>
+    </p:spTree>
+    <p:extLst>
+      <p:ext uri="{BB962C8B-B14F-4D97-AF65-F5344CB8AC3E}">
+        <p14:creationId xmlns:p14="http://schemas.microsoft.com/office/powerpoint/2010/main" val="1373113221"/>
       </p:ext>
     </p:extLst>
   </p:cSld>

--- a/Presentation.pptx
+++ b/Presentation.pptx
@@ -232,7 +232,7 @@
           <a:p>
             <a:fld id="{4E651900-B4EC-4B53-84A6-38A1E65356CA}" type="datetimeFigureOut">
               <a:rPr lang="en-IN" smtClean="0"/>
-              <a:t>19-04-2025</a:t>
+              <a:t>16/05/25</a:t>
             </a:fld>
             <a:endParaRPr lang="en-IN"/>
           </a:p>
@@ -649,7 +649,7 @@
           <a:p>
             <a:fld id="{A6DBA789-A38D-403A-971E-889BE4EA4286}" type="datetimeFigureOut">
               <a:rPr lang="en-IN" smtClean="0"/>
-              <a:t>19-04-2025</a:t>
+              <a:t>16/05/25</a:t>
             </a:fld>
             <a:endParaRPr lang="en-IN"/>
           </a:p>
@@ -849,7 +849,7 @@
           <a:p>
             <a:fld id="{A6DBA789-A38D-403A-971E-889BE4EA4286}" type="datetimeFigureOut">
               <a:rPr lang="en-IN" smtClean="0"/>
-              <a:t>19-04-2025</a:t>
+              <a:t>16/05/25</a:t>
             </a:fld>
             <a:endParaRPr lang="en-IN"/>
           </a:p>
@@ -1059,7 +1059,7 @@
           <a:p>
             <a:fld id="{A6DBA789-A38D-403A-971E-889BE4EA4286}" type="datetimeFigureOut">
               <a:rPr lang="en-IN" smtClean="0"/>
-              <a:t>19-04-2025</a:t>
+              <a:t>16/05/25</a:t>
             </a:fld>
             <a:endParaRPr lang="en-IN"/>
           </a:p>
@@ -1259,7 +1259,7 @@
           <a:p>
             <a:fld id="{A6DBA789-A38D-403A-971E-889BE4EA4286}" type="datetimeFigureOut">
               <a:rPr lang="en-IN" smtClean="0"/>
-              <a:t>19-04-2025</a:t>
+              <a:t>16/05/25</a:t>
             </a:fld>
             <a:endParaRPr lang="en-IN"/>
           </a:p>
@@ -1535,7 +1535,7 @@
           <a:p>
             <a:fld id="{A6DBA789-A38D-403A-971E-889BE4EA4286}" type="datetimeFigureOut">
               <a:rPr lang="en-IN" smtClean="0"/>
-              <a:t>19-04-2025</a:t>
+              <a:t>16/05/25</a:t>
             </a:fld>
             <a:endParaRPr lang="en-IN"/>
           </a:p>
@@ -1803,7 +1803,7 @@
           <a:p>
             <a:fld id="{A6DBA789-A38D-403A-971E-889BE4EA4286}" type="datetimeFigureOut">
               <a:rPr lang="en-IN" smtClean="0"/>
-              <a:t>19-04-2025</a:t>
+              <a:t>16/05/25</a:t>
             </a:fld>
             <a:endParaRPr lang="en-IN"/>
           </a:p>
@@ -2218,7 +2218,7 @@
           <a:p>
             <a:fld id="{A6DBA789-A38D-403A-971E-889BE4EA4286}" type="datetimeFigureOut">
               <a:rPr lang="en-IN" smtClean="0"/>
-              <a:t>19-04-2025</a:t>
+              <a:t>16/05/25</a:t>
             </a:fld>
             <a:endParaRPr lang="en-IN"/>
           </a:p>
@@ -2360,7 +2360,7 @@
           <a:p>
             <a:fld id="{A6DBA789-A38D-403A-971E-889BE4EA4286}" type="datetimeFigureOut">
               <a:rPr lang="en-IN" smtClean="0"/>
-              <a:t>19-04-2025</a:t>
+              <a:t>16/05/25</a:t>
             </a:fld>
             <a:endParaRPr lang="en-IN"/>
           </a:p>
@@ -2473,7 +2473,7 @@
           <a:p>
             <a:fld id="{A6DBA789-A38D-403A-971E-889BE4EA4286}" type="datetimeFigureOut">
               <a:rPr lang="en-IN" smtClean="0"/>
-              <a:t>19-04-2025</a:t>
+              <a:t>16/05/25</a:t>
             </a:fld>
             <a:endParaRPr lang="en-IN"/>
           </a:p>
@@ -2786,7 +2786,7 @@
           <a:p>
             <a:fld id="{A6DBA789-A38D-403A-971E-889BE4EA4286}" type="datetimeFigureOut">
               <a:rPr lang="en-IN" smtClean="0"/>
-              <a:t>19-04-2025</a:t>
+              <a:t>16/05/25</a:t>
             </a:fld>
             <a:endParaRPr lang="en-IN"/>
           </a:p>
@@ -3075,7 +3075,7 @@
           <a:p>
             <a:fld id="{A6DBA789-A38D-403A-971E-889BE4EA4286}" type="datetimeFigureOut">
               <a:rPr lang="en-IN" smtClean="0"/>
-              <a:t>19-04-2025</a:t>
+              <a:t>16/05/25</a:t>
             </a:fld>
             <a:endParaRPr lang="en-IN"/>
           </a:p>
@@ -3345,7 +3345,7 @@
           <a:p>
             <a:fld id="{A6DBA789-A38D-403A-971E-889BE4EA4286}" type="datetimeFigureOut">
               <a:rPr lang="en-IN" smtClean="0"/>
-              <a:t>19-04-2025</a:t>
+              <a:t>16/05/25</a:t>
             </a:fld>
             <a:endParaRPr lang="en-IN"/>
           </a:p>
@@ -5037,8 +5037,8 @@
           </a:p>
         </p:txBody>
       </p:sp>
-      <mc:AlternateContent xmlns:mc="http://schemas.openxmlformats.org/markup-compatibility/2006">
-        <mc:Choice xmlns:a14="http://schemas.microsoft.com/office/drawing/2010/main" Requires="a14">
+      <mc:AlternateContent xmlns:mc="http://schemas.openxmlformats.org/markup-compatibility/2006" xmlns:a14="http://schemas.microsoft.com/office/drawing/2010/main">
+        <mc:Choice Requires="a14">
           <p:sp>
             <p:nvSpPr>
               <p:cNvPr id="42" name="TextBox 41">
@@ -5319,7 +5319,7 @@
             </p:txBody>
           </p:sp>
         </mc:Choice>
-        <mc:Fallback>
+        <mc:Fallback xmlns="">
           <p:sp>
             <p:nvSpPr>
               <p:cNvPr id="42" name="TextBox 41">
@@ -5364,8 +5364,8 @@
           </p:sp>
         </mc:Fallback>
       </mc:AlternateContent>
-      <mc:AlternateContent xmlns:mc="http://schemas.openxmlformats.org/markup-compatibility/2006">
-        <mc:Choice xmlns:a14="http://schemas.microsoft.com/office/drawing/2010/main" Requires="a14">
+      <mc:AlternateContent xmlns:mc="http://schemas.openxmlformats.org/markup-compatibility/2006" xmlns:a14="http://schemas.microsoft.com/office/drawing/2010/main">
+        <mc:Choice Requires="a14">
           <p:sp>
             <p:nvSpPr>
               <p:cNvPr id="75" name="TextBox 74">
@@ -5941,7 +5941,7 @@
             </p:txBody>
           </p:sp>
         </mc:Choice>
-        <mc:Fallback>
+        <mc:Fallback xmlns="">
           <p:sp>
             <p:nvSpPr>
               <p:cNvPr id="75" name="TextBox 74">
@@ -5986,8 +5986,8 @@
           </p:sp>
         </mc:Fallback>
       </mc:AlternateContent>
-      <mc:AlternateContent xmlns:mc="http://schemas.openxmlformats.org/markup-compatibility/2006">
-        <mc:Choice xmlns:a14="http://schemas.microsoft.com/office/drawing/2010/main" Requires="a14">
+      <mc:AlternateContent xmlns:mc="http://schemas.openxmlformats.org/markup-compatibility/2006" xmlns:a14="http://schemas.microsoft.com/office/drawing/2010/main">
+        <mc:Choice Requires="a14">
           <p:sp>
             <p:nvSpPr>
               <p:cNvPr id="78" name="TextBox 77">
@@ -6168,7 +6168,7 @@
             </p:txBody>
           </p:sp>
         </mc:Choice>
-        <mc:Fallback>
+        <mc:Fallback xmlns="">
           <p:sp>
             <p:nvSpPr>
               <p:cNvPr id="78" name="TextBox 77">
@@ -6304,8 +6304,8 @@
           <a:chExt cx="0" cy="0"/>
         </a:xfrm>
       </p:grpSpPr>
-      <mc:AlternateContent xmlns:mc="http://schemas.openxmlformats.org/markup-compatibility/2006">
-        <mc:Choice xmlns:a14="http://schemas.microsoft.com/office/drawing/2010/main" Requires="a14">
+      <mc:AlternateContent xmlns:mc="http://schemas.openxmlformats.org/markup-compatibility/2006" xmlns:a14="http://schemas.microsoft.com/office/drawing/2010/main">
+        <mc:Choice Requires="a14">
           <p:sp>
             <p:nvSpPr>
               <p:cNvPr id="3" name="Content Placeholder 2">
@@ -7127,7 +7127,7 @@
             </p:txBody>
           </p:sp>
         </mc:Choice>
-        <mc:Fallback>
+        <mc:Fallback xmlns="">
           <p:sp>
             <p:nvSpPr>
               <p:cNvPr id="3" name="Content Placeholder 2">
@@ -7262,8 +7262,8 @@
           <a:chExt cx="0" cy="0"/>
         </a:xfrm>
       </p:grpSpPr>
-      <mc:AlternateContent xmlns:mc="http://schemas.openxmlformats.org/markup-compatibility/2006">
-        <mc:Choice xmlns:a14="http://schemas.microsoft.com/office/drawing/2010/main" Requires="a14">
+      <mc:AlternateContent xmlns:mc="http://schemas.openxmlformats.org/markup-compatibility/2006" xmlns:a14="http://schemas.microsoft.com/office/drawing/2010/main">
+        <mc:Choice Requires="a14">
           <p:sp>
             <p:nvSpPr>
               <p:cNvPr id="3" name="Content Placeholder 2">
@@ -8171,7 +8171,7 @@
             </p:txBody>
           </p:sp>
         </mc:Choice>
-        <mc:Fallback>
+        <mc:Fallback xmlns="">
           <p:sp>
             <p:nvSpPr>
               <p:cNvPr id="3" name="Content Placeholder 2">
@@ -8420,8 +8420,8 @@
           <a:chExt cx="0" cy="0"/>
         </a:xfrm>
       </p:grpSpPr>
-      <mc:AlternateContent xmlns:mc="http://schemas.openxmlformats.org/markup-compatibility/2006">
-        <mc:Choice xmlns:a14="http://schemas.microsoft.com/office/drawing/2010/main" Requires="a14">
+      <mc:AlternateContent xmlns:mc="http://schemas.openxmlformats.org/markup-compatibility/2006" xmlns:a14="http://schemas.microsoft.com/office/drawing/2010/main">
+        <mc:Choice Requires="a14">
           <p:sp>
             <p:nvSpPr>
               <p:cNvPr id="4" name="Content Placeholder 2">
@@ -9082,7 +9082,7 @@
             </p:txBody>
           </p:sp>
         </mc:Choice>
-        <mc:Fallback>
+        <mc:Fallback xmlns="">
           <p:sp>
             <p:nvSpPr>
               <p:cNvPr id="4" name="Content Placeholder 2">
@@ -9287,10 +9287,10 @@
       </p:sp>
       <p:pic>
         <p:nvPicPr>
-          <p:cNvPr id="2" name="Picture 1" descr="A white sheet with black text&#10;&#10;AI-generated content may be incorrect.">
+          <p:cNvPr id="5" name="Picture 4" descr="A white paper with black text&#10;&#10;AI-generated content may be incorrect.">
             <a:extLst>
               <a:ext uri="{FF2B5EF4-FFF2-40B4-BE49-F238E27FC236}">
-                <a16:creationId xmlns:a16="http://schemas.microsoft.com/office/drawing/2014/main" id="{019B2D0E-2293-0F5F-4250-AFF946461ED6}"/>
+                <a16:creationId xmlns:a16="http://schemas.microsoft.com/office/drawing/2014/main" id="{993C4D94-3244-0BB8-043E-B27C62557E16}"/>
               </a:ext>
             </a:extLst>
           </p:cNvPr>
@@ -9300,15 +9300,21 @@
           <p:nvPr/>
         </p:nvPicPr>
         <p:blipFill>
-          <a:blip r:embed="rId3"/>
+          <a:blip r:embed="rId3">
+            <a:extLst>
+              <a:ext uri="{28A0092B-C50C-407E-A947-70E740481C1C}">
+                <a14:useLocalDpi xmlns:a14="http://schemas.microsoft.com/office/drawing/2010/main" val="0"/>
+              </a:ext>
+            </a:extLst>
+          </a:blip>
           <a:stretch>
             <a:fillRect/>
           </a:stretch>
         </p:blipFill>
         <p:spPr>
           <a:xfrm>
-            <a:off x="1200410" y="1887178"/>
-            <a:ext cx="9796398" cy="3803889"/>
+            <a:off x="1876525" y="1690618"/>
+            <a:ext cx="8438950" cy="4427793"/>
           </a:xfrm>
           <a:prstGeom prst="rect">
             <a:avLst/>
@@ -10524,8 +10530,8 @@
           <a:chExt cx="0" cy="0"/>
         </a:xfrm>
       </p:grpSpPr>
-      <mc:AlternateContent xmlns:mc="http://schemas.openxmlformats.org/markup-compatibility/2006">
-        <mc:Choice xmlns:a14="http://schemas.microsoft.com/office/drawing/2010/main" Requires="a14">
+      <mc:AlternateContent xmlns:mc="http://schemas.openxmlformats.org/markup-compatibility/2006" xmlns:a14="http://schemas.microsoft.com/office/drawing/2010/main">
+        <mc:Choice Requires="a14">
           <p:sp>
             <p:nvSpPr>
               <p:cNvPr id="3" name="Content Placeholder 2">
@@ -11376,7 +11382,7 @@
             </p:txBody>
           </p:sp>
         </mc:Choice>
-        <mc:Fallback>
+        <mc:Fallback xmlns="">
           <p:sp>
             <p:nvSpPr>
               <p:cNvPr id="3" name="Content Placeholder 2">
@@ -11511,8 +11517,8 @@
           <a:chExt cx="0" cy="0"/>
         </a:xfrm>
       </p:grpSpPr>
-      <mc:AlternateContent xmlns:mc="http://schemas.openxmlformats.org/markup-compatibility/2006">
-        <mc:Choice xmlns:a14="http://schemas.microsoft.com/office/drawing/2010/main" Requires="a14">
+      <mc:AlternateContent xmlns:mc="http://schemas.openxmlformats.org/markup-compatibility/2006" xmlns:a14="http://schemas.microsoft.com/office/drawing/2010/main">
+        <mc:Choice Requires="a14">
           <p:sp>
             <p:nvSpPr>
               <p:cNvPr id="3" name="Content Placeholder 2">
@@ -11832,7 +11838,7 @@
             </p:txBody>
           </p:sp>
         </mc:Choice>
-        <mc:Fallback>
+        <mc:Fallback xmlns="">
           <p:sp>
             <p:nvSpPr>
               <p:cNvPr id="3" name="Content Placeholder 2">
@@ -12702,8 +12708,8 @@
           <a:chExt cx="0" cy="0"/>
         </a:xfrm>
       </p:grpSpPr>
-      <mc:AlternateContent xmlns:mc="http://schemas.openxmlformats.org/markup-compatibility/2006">
-        <mc:Choice xmlns:a14="http://schemas.microsoft.com/office/drawing/2010/main" Requires="a14">
+      <mc:AlternateContent xmlns:mc="http://schemas.openxmlformats.org/markup-compatibility/2006" xmlns:a14="http://schemas.microsoft.com/office/drawing/2010/main">
+        <mc:Choice Requires="a14">
           <p:sp>
             <p:nvSpPr>
               <p:cNvPr id="3" name="Content Placeholder 2">
@@ -13255,7 +13261,7 @@
             </p:txBody>
           </p:sp>
         </mc:Choice>
-        <mc:Fallback>
+        <mc:Fallback xmlns="">
           <p:sp>
             <p:nvSpPr>
               <p:cNvPr id="3" name="Content Placeholder 2">
@@ -13299,8 +13305,8 @@
           </p:sp>
         </mc:Fallback>
       </mc:AlternateContent>
-      <mc:AlternateContent xmlns:mc="http://schemas.openxmlformats.org/markup-compatibility/2006">
-        <mc:Choice xmlns:a14="http://schemas.microsoft.com/office/drawing/2010/main" Requires="a14">
+      <mc:AlternateContent xmlns:mc="http://schemas.openxmlformats.org/markup-compatibility/2006" xmlns:a14="http://schemas.microsoft.com/office/drawing/2010/main">
+        <mc:Choice Requires="a14">
           <p:sp>
             <p:nvSpPr>
               <p:cNvPr id="13" name="TextBox 12">
@@ -13553,7 +13559,7 @@
             </p:txBody>
           </p:sp>
         </mc:Choice>
-        <mc:Fallback>
+        <mc:Fallback xmlns="">
           <p:sp>
             <p:nvSpPr>
               <p:cNvPr id="13" name="TextBox 12">
@@ -13679,8 +13685,8 @@
           </a:p>
         </p:txBody>
       </p:sp>
-      <mc:AlternateContent xmlns:mc="http://schemas.openxmlformats.org/markup-compatibility/2006">
-        <mc:Choice xmlns:a14="http://schemas.microsoft.com/office/drawing/2010/main" Requires="a14">
+      <mc:AlternateContent xmlns:mc="http://schemas.openxmlformats.org/markup-compatibility/2006" xmlns:a14="http://schemas.microsoft.com/office/drawing/2010/main">
+        <mc:Choice Requires="a14">
           <p:sp>
             <p:nvSpPr>
               <p:cNvPr id="6" name="TextBox 5">
@@ -13835,7 +13841,7 @@
             </p:txBody>
           </p:sp>
         </mc:Choice>
-        <mc:Fallback>
+        <mc:Fallback xmlns="">
           <p:sp>
             <p:nvSpPr>
               <p:cNvPr id="6" name="TextBox 5">
@@ -13885,8 +13891,8 @@
           </p:sp>
         </mc:Fallback>
       </mc:AlternateContent>
-      <mc:AlternateContent xmlns:mc="http://schemas.openxmlformats.org/markup-compatibility/2006">
-        <mc:Choice xmlns:a14="http://schemas.microsoft.com/office/drawing/2010/main" Requires="a14">
+      <mc:AlternateContent xmlns:mc="http://schemas.openxmlformats.org/markup-compatibility/2006" xmlns:a14="http://schemas.microsoft.com/office/drawing/2010/main">
+        <mc:Choice Requires="a14">
           <p:sp>
             <p:nvSpPr>
               <p:cNvPr id="7" name="Content Placeholder 2">
@@ -14655,7 +14661,7 @@
             </p:txBody>
           </p:sp>
         </mc:Choice>
-        <mc:Fallback>
+        <mc:Fallback xmlns="">
           <p:sp>
             <p:nvSpPr>
               <p:cNvPr id="7" name="Content Placeholder 2">
@@ -14791,8 +14797,8 @@
           <a:chExt cx="0" cy="0"/>
         </a:xfrm>
       </p:grpSpPr>
-      <mc:AlternateContent xmlns:mc="http://schemas.openxmlformats.org/markup-compatibility/2006">
-        <mc:Choice xmlns:a14="http://schemas.microsoft.com/office/drawing/2010/main" Requires="a14">
+      <mc:AlternateContent xmlns:mc="http://schemas.openxmlformats.org/markup-compatibility/2006" xmlns:a14="http://schemas.microsoft.com/office/drawing/2010/main">
+        <mc:Choice Requires="a14">
           <p:sp>
             <p:nvSpPr>
               <p:cNvPr id="3" name="Content Placeholder 2">
@@ -15325,7 +15331,7 @@
             </p:txBody>
           </p:sp>
         </mc:Choice>
-        <mc:Fallback>
+        <mc:Fallback xmlns="">
           <p:sp>
             <p:nvSpPr>
               <p:cNvPr id="3" name="Content Placeholder 2">
@@ -17035,8 +17041,8 @@
           </p:style>
         </p:cxnSp>
       </p:grpSp>
-      <mc:AlternateContent xmlns:mc="http://schemas.openxmlformats.org/markup-compatibility/2006">
-        <mc:Choice xmlns:a14="http://schemas.microsoft.com/office/drawing/2010/main" Requires="a14">
+      <mc:AlternateContent xmlns:mc="http://schemas.openxmlformats.org/markup-compatibility/2006" xmlns:a14="http://schemas.microsoft.com/office/drawing/2010/main">
+        <mc:Choice Requires="a14">
           <p:sp>
             <p:nvSpPr>
               <p:cNvPr id="26" name="TextBox 25">
@@ -17421,7 +17427,7 @@
             </p:txBody>
           </p:sp>
         </mc:Choice>
-        <mc:Fallback>
+        <mc:Fallback xmlns="">
           <p:sp>
             <p:nvSpPr>
               <p:cNvPr id="26" name="TextBox 25">
@@ -17474,8 +17480,8 @@
           </p:sp>
         </mc:Fallback>
       </mc:AlternateContent>
-      <mc:AlternateContent xmlns:mc="http://schemas.openxmlformats.org/markup-compatibility/2006">
-        <mc:Choice xmlns:a14="http://schemas.microsoft.com/office/drawing/2010/main" Requires="a14">
+      <mc:AlternateContent xmlns:mc="http://schemas.openxmlformats.org/markup-compatibility/2006" xmlns:a14="http://schemas.microsoft.com/office/drawing/2010/main">
+        <mc:Choice Requires="a14">
           <p:sp>
             <p:nvSpPr>
               <p:cNvPr id="40" name="TextBox 39">
@@ -17752,7 +17758,7 @@
             </p:txBody>
           </p:sp>
         </mc:Choice>
-        <mc:Fallback>
+        <mc:Fallback xmlns="">
           <p:sp>
             <p:nvSpPr>
               <p:cNvPr id="40" name="TextBox 39">
@@ -17804,8 +17810,8 @@
           </p:sp>
         </mc:Fallback>
       </mc:AlternateContent>
-      <mc:AlternateContent xmlns:mc="http://schemas.openxmlformats.org/markup-compatibility/2006">
-        <mc:Choice xmlns:a14="http://schemas.microsoft.com/office/drawing/2010/main" Requires="a14">
+      <mc:AlternateContent xmlns:mc="http://schemas.openxmlformats.org/markup-compatibility/2006" xmlns:a14="http://schemas.microsoft.com/office/drawing/2010/main">
+        <mc:Choice Requires="a14">
           <p:sp>
             <p:nvSpPr>
               <p:cNvPr id="41" name="Content Placeholder 2">
@@ -18177,7 +18183,7 @@
             </p:txBody>
           </p:sp>
         </mc:Choice>
-        <mc:Fallback>
+        <mc:Fallback xmlns="">
           <p:sp>
             <p:nvSpPr>
               <p:cNvPr id="41" name="Content Placeholder 2">
@@ -18926,8 +18932,8 @@
           <a:chExt cx="0" cy="0"/>
         </a:xfrm>
       </p:grpSpPr>
-      <mc:AlternateContent xmlns:mc="http://schemas.openxmlformats.org/markup-compatibility/2006">
-        <mc:Choice xmlns:a14="http://schemas.microsoft.com/office/drawing/2010/main" Requires="a14">
+      <mc:AlternateContent xmlns:mc="http://schemas.openxmlformats.org/markup-compatibility/2006" xmlns:a14="http://schemas.microsoft.com/office/drawing/2010/main">
+        <mc:Choice Requires="a14">
           <p:sp>
             <p:nvSpPr>
               <p:cNvPr id="3" name="Content Placeholder 2">
@@ -19171,7 +19177,7 @@
             </p:txBody>
           </p:sp>
         </mc:Choice>
-        <mc:Fallback>
+        <mc:Fallback xmlns="">
           <p:sp>
             <p:nvSpPr>
               <p:cNvPr id="3" name="Content Placeholder 2">
